--- a/slide/public/20220327-Git-and-Github.pptx
+++ b/slide/public/20220327-Git-and-Github.pptx
@@ -5,11 +5,28 @@
     <p:sldMasterId id="2147483648" r:id="rId1"/>
   </p:sldMasterIdLst>
   <p:notesMasterIdLst>
-    <p:notesMasterId r:id="rId4"/>
+    <p:notesMasterId r:id="rId21"/>
   </p:notesMasterIdLst>
   <p:sldIdLst>
     <p:sldId id="256" r:id="rId2"/>
     <p:sldId id="257" r:id="rId3"/>
+    <p:sldId id="259" r:id="rId4"/>
+    <p:sldId id="260" r:id="rId5"/>
+    <p:sldId id="261" r:id="rId6"/>
+    <p:sldId id="263" r:id="rId7"/>
+    <p:sldId id="262" r:id="rId8"/>
+    <p:sldId id="264" r:id="rId9"/>
+    <p:sldId id="265" r:id="rId10"/>
+    <p:sldId id="267" r:id="rId11"/>
+    <p:sldId id="268" r:id="rId12"/>
+    <p:sldId id="266" r:id="rId13"/>
+    <p:sldId id="269" r:id="rId14"/>
+    <p:sldId id="270" r:id="rId15"/>
+    <p:sldId id="271" r:id="rId16"/>
+    <p:sldId id="258" r:id="rId17"/>
+    <p:sldId id="273" r:id="rId18"/>
+    <p:sldId id="275" r:id="rId19"/>
+    <p:sldId id="272" r:id="rId20"/>
   </p:sldIdLst>
   <p:sldSz cx="12192000" cy="6858000"/>
   <p:notesSz cx="6858000" cy="9144000"/>
@@ -108,6 +125,14 @@
       </a:defRPr>
     </a:lvl9pPr>
   </p:defaultTextStyle>
+  <p:extLst>
+    <p:ext uri="{EFAFB233-063F-42B5-8137-9DF3F51BA10A}">
+      <p15:sldGuideLst xmlns:p15="http://schemas.microsoft.com/office/powerpoint/2012/main"/>
+    </p:ext>
+    <p:ext uri="{2D200454-40CA-4A62-9FC3-DE9A4176ACB9}">
+      <p15:notesGuideLst xmlns:p15="http://schemas.microsoft.com/office/powerpoint/2012/main"/>
+    </p:ext>
+  </p:extLst>
 </p:presentation>
 </file>
 
@@ -193,7 +218,7 @@
           <a:p>
             <a:fld id="{B04F2A1C-6A79-4784-A3EA-A3CEB8EDE917}" type="datetimeFigureOut">
               <a:rPr lang="ko-KR" altLang="en-US" smtClean="0"/>
-              <a:t>2022-03-27</a:t>
+              <a:t>2022-03-28</a:t>
             </a:fld>
             <a:endParaRPr lang="ko-KR" altLang="en-US"/>
           </a:p>
@@ -607,7 +632,7 @@
           <a:p>
             <a:fld id="{F0DDDAA6-031F-4FDE-9D66-F9422F9A51E8}" type="datetimeFigureOut">
               <a:rPr lang="ko-KR" altLang="en-US" smtClean="0"/>
-              <a:t>2022-03-27</a:t>
+              <a:t>2022-03-28</a:t>
             </a:fld>
             <a:endParaRPr lang="ko-KR" altLang="en-US"/>
           </a:p>
@@ -813,7 +838,7 @@
           <a:p>
             <a:fld id="{F0DDDAA6-031F-4FDE-9D66-F9422F9A51E8}" type="datetimeFigureOut">
               <a:rPr lang="ko-KR" altLang="en-US" smtClean="0"/>
-              <a:t>2022-03-27</a:t>
+              <a:t>2022-03-28</a:t>
             </a:fld>
             <a:endParaRPr lang="ko-KR" altLang="en-US"/>
           </a:p>
@@ -1029,7 +1054,7 @@
           <a:p>
             <a:fld id="{F0DDDAA6-031F-4FDE-9D66-F9422F9A51E8}" type="datetimeFigureOut">
               <a:rPr lang="ko-KR" altLang="en-US" smtClean="0"/>
-              <a:t>2022-03-27</a:t>
+              <a:t>2022-03-28</a:t>
             </a:fld>
             <a:endParaRPr lang="ko-KR" altLang="en-US"/>
           </a:p>
@@ -1235,7 +1260,7 @@
           <a:p>
             <a:fld id="{F0DDDAA6-031F-4FDE-9D66-F9422F9A51E8}" type="datetimeFigureOut">
               <a:rPr lang="ko-KR" altLang="en-US" smtClean="0"/>
-              <a:t>2022-03-27</a:t>
+              <a:t>2022-03-28</a:t>
             </a:fld>
             <a:endParaRPr lang="ko-KR" altLang="en-US"/>
           </a:p>
@@ -1518,7 +1543,7 @@
           <a:p>
             <a:fld id="{F0DDDAA6-031F-4FDE-9D66-F9422F9A51E8}" type="datetimeFigureOut">
               <a:rPr lang="ko-KR" altLang="en-US" smtClean="0"/>
-              <a:t>2022-03-27</a:t>
+              <a:t>2022-03-28</a:t>
             </a:fld>
             <a:endParaRPr lang="ko-KR" altLang="en-US"/>
           </a:p>
@@ -1791,7 +1816,7 @@
           <a:p>
             <a:fld id="{F0DDDAA6-031F-4FDE-9D66-F9422F9A51E8}" type="datetimeFigureOut">
               <a:rPr lang="ko-KR" altLang="en-US" smtClean="0"/>
-              <a:t>2022-03-27</a:t>
+              <a:t>2022-03-28</a:t>
             </a:fld>
             <a:endParaRPr lang="ko-KR" altLang="en-US"/>
           </a:p>
@@ -2211,7 +2236,7 @@
           <a:p>
             <a:fld id="{F0DDDAA6-031F-4FDE-9D66-F9422F9A51E8}" type="datetimeFigureOut">
               <a:rPr lang="ko-KR" altLang="en-US" smtClean="0"/>
-              <a:t>2022-03-27</a:t>
+              <a:t>2022-03-28</a:t>
             </a:fld>
             <a:endParaRPr lang="ko-KR" altLang="en-US"/>
           </a:p>
@@ -2360,7 +2385,7 @@
           <a:p>
             <a:fld id="{F0DDDAA6-031F-4FDE-9D66-F9422F9A51E8}" type="datetimeFigureOut">
               <a:rPr lang="ko-KR" altLang="en-US" smtClean="0"/>
-              <a:t>2022-03-27</a:t>
+              <a:t>2022-03-28</a:t>
             </a:fld>
             <a:endParaRPr lang="ko-KR" altLang="en-US"/>
           </a:p>
@@ -2481,7 +2506,7 @@
           <a:p>
             <a:fld id="{F0DDDAA6-031F-4FDE-9D66-F9422F9A51E8}" type="datetimeFigureOut">
               <a:rPr lang="ko-KR" altLang="en-US" smtClean="0"/>
-              <a:t>2022-03-27</a:t>
+              <a:t>2022-03-28</a:t>
             </a:fld>
             <a:endParaRPr lang="ko-KR" altLang="en-US"/>
           </a:p>
@@ -2800,7 +2825,7 @@
           <a:p>
             <a:fld id="{F0DDDAA6-031F-4FDE-9D66-F9422F9A51E8}" type="datetimeFigureOut">
               <a:rPr lang="ko-KR" altLang="en-US" smtClean="0"/>
-              <a:t>2022-03-27</a:t>
+              <a:t>2022-03-28</a:t>
             </a:fld>
             <a:endParaRPr lang="ko-KR" altLang="en-US"/>
           </a:p>
@@ -3096,7 +3121,7 @@
           <a:p>
             <a:fld id="{F0DDDAA6-031F-4FDE-9D66-F9422F9A51E8}" type="datetimeFigureOut">
               <a:rPr lang="ko-KR" altLang="en-US" smtClean="0"/>
-              <a:t>2022-03-27</a:t>
+              <a:t>2022-03-28</a:t>
             </a:fld>
             <a:endParaRPr lang="ko-KR" altLang="en-US"/>
           </a:p>
@@ -3345,7 +3370,7 @@
           <a:p>
             <a:fld id="{F0DDDAA6-031F-4FDE-9D66-F9422F9A51E8}" type="datetimeFigureOut">
               <a:rPr lang="ko-KR" altLang="en-US" smtClean="0"/>
-              <a:t>2022-03-27</a:t>
+              <a:t>2022-03-28</a:t>
             </a:fld>
             <a:endParaRPr lang="ko-KR" altLang="en-US" dirty="0"/>
           </a:p>
@@ -4252,7 +4277,7 @@
 </p:sld>
 </file>
 
-<file path=ppt/slides/slide2.xml><?xml version="1.0" encoding="utf-8"?>
+<file path=ppt/slides/slide10.xml><?xml version="1.0" encoding="utf-8"?>
 <p:sld xmlns:a="http://schemas.openxmlformats.org/drawingml/2006/main" xmlns:r="http://schemas.openxmlformats.org/officeDocument/2006/relationships" xmlns:p="http://schemas.openxmlformats.org/presentationml/2006/main">
   <p:cSld>
     <p:spTree>
@@ -4329,15 +4354,15 @@
             <a:pPr algn="ctr"/>
             <a:r>
               <a:rPr lang="en-US" altLang="ko-KR" sz="4800" dirty="0"/>
-              <a:t>Git </a:t>
+              <a:t>AI </a:t>
             </a:r>
             <a:r>
               <a:rPr lang="ko-KR" altLang="en-US" sz="4800" dirty="0"/>
-              <a:t>과 </a:t>
+              <a:t>그룹활동에 필요한 내용만</a:t>
             </a:r>
             <a:r>
               <a:rPr lang="en-US" altLang="ko-KR" sz="4800" dirty="0"/>
-              <a:t>Github</a:t>
+              <a:t>!</a:t>
             </a:r>
             <a:endParaRPr lang="ko-KR" altLang="en-US" sz="4800" dirty="0"/>
           </a:p>
@@ -4437,9 +4462,4905 @@
           <a:p>
             <a:fld id="{A0C7D16C-659C-4003-998D-57A8F0509094}" type="slidenum">
               <a:rPr lang="ko-KR" altLang="en-US" smtClean="0"/>
+              <a:t>10</a:t>
+            </a:fld>
+            <a:endParaRPr lang="ko-KR" altLang="en-US"/>
+          </a:p>
+        </p:txBody>
+      </p:sp>
+      <p:sp>
+        <p:nvSpPr>
+          <p:cNvPr id="2" name="TextBox 1">
+            <a:extLst>
+              <a:ext uri="{FF2B5EF4-FFF2-40B4-BE49-F238E27FC236}">
+                <a16:creationId xmlns:a16="http://schemas.microsoft.com/office/drawing/2014/main" id="{F42B1679-6463-4CF2-823C-C471207D5E21}"/>
+              </a:ext>
+            </a:extLst>
+          </p:cNvPr>
+          <p:cNvSpPr txBox="1"/>
+          <p:nvPr/>
+        </p:nvSpPr>
+        <p:spPr>
+          <a:xfrm>
+            <a:off x="699796" y="1504747"/>
+            <a:ext cx="10654004" cy="369332"/>
+          </a:xfrm>
+          <a:prstGeom prst="rect">
+            <a:avLst/>
+          </a:prstGeom>
+          <a:noFill/>
+        </p:spPr>
+        <p:txBody>
+          <a:bodyPr wrap="square" rtlCol="0">
+            <a:spAutoFit/>
+          </a:bodyPr>
+          <a:lstStyle/>
+          <a:p>
+            <a:r>
+              <a:rPr lang="en-US" altLang="ko-KR" dirty="0"/>
+              <a:t>3. </a:t>
+            </a:r>
+            <a:r>
+              <a:rPr lang="ko-KR" altLang="en-US" dirty="0"/>
+              <a:t>커밋하기</a:t>
+            </a:r>
+            <a:r>
+              <a:rPr lang="en-US" altLang="ko-KR" dirty="0"/>
+              <a:t>, </a:t>
+            </a:r>
+            <a:r>
+              <a:rPr lang="ko-KR" altLang="en-US" dirty="0" err="1"/>
+              <a:t>푸쉬하기</a:t>
+            </a:r>
+            <a:endParaRPr lang="en-US" altLang="ko-KR" dirty="0"/>
+          </a:p>
+        </p:txBody>
+      </p:sp>
+      <p:pic>
+        <p:nvPicPr>
+          <p:cNvPr id="9" name="그림 8">
+            <a:extLst>
+              <a:ext uri="{FF2B5EF4-FFF2-40B4-BE49-F238E27FC236}">
+                <a16:creationId xmlns:a16="http://schemas.microsoft.com/office/drawing/2014/main" id="{80F4F46C-93AE-4BC5-A41C-A21781F65DE1}"/>
+              </a:ext>
+            </a:extLst>
+          </p:cNvPr>
+          <p:cNvPicPr>
+            <a:picLocks noChangeAspect="1"/>
+          </p:cNvPicPr>
+          <p:nvPr/>
+        </p:nvPicPr>
+        <p:blipFill>
+          <a:blip r:embed="rId4"/>
+          <a:stretch>
+            <a:fillRect/>
+          </a:stretch>
+        </p:blipFill>
+        <p:spPr>
+          <a:xfrm>
+            <a:off x="800340" y="2387399"/>
+            <a:ext cx="10591318" cy="2711448"/>
+          </a:xfrm>
+          <a:prstGeom prst="rect">
+            <a:avLst/>
+          </a:prstGeom>
+        </p:spPr>
+      </p:pic>
+    </p:spTree>
+    <p:extLst>
+      <p:ext uri="{BB962C8B-B14F-4D97-AF65-F5344CB8AC3E}">
+        <p14:creationId xmlns:p14="http://schemas.microsoft.com/office/powerpoint/2010/main" val="1190108938"/>
+      </p:ext>
+    </p:extLst>
+  </p:cSld>
+  <p:clrMapOvr>
+    <a:masterClrMapping/>
+  </p:clrMapOvr>
+</p:sld>
+</file>
+
+<file path=ppt/slides/slide11.xml><?xml version="1.0" encoding="utf-8"?>
+<p:sld xmlns:a="http://schemas.openxmlformats.org/drawingml/2006/main" xmlns:r="http://schemas.openxmlformats.org/officeDocument/2006/relationships" xmlns:p="http://schemas.openxmlformats.org/presentationml/2006/main">
+  <p:cSld>
+    <p:spTree>
+      <p:nvGrpSpPr>
+        <p:cNvPr id="1" name=""/>
+        <p:cNvGrpSpPr/>
+        <p:nvPr/>
+      </p:nvGrpSpPr>
+      <p:grpSpPr>
+        <a:xfrm>
+          <a:off x="0" y="0"/>
+          <a:ext cx="0" cy="0"/>
+          <a:chOff x="0" y="0"/>
+          <a:chExt cx="0" cy="0"/>
+        </a:xfrm>
+      </p:grpSpPr>
+      <p:sp>
+        <p:nvSpPr>
+          <p:cNvPr id="6" name="사각형: 둥근 모서리 5">
+            <a:extLst>
+              <a:ext uri="{FF2B5EF4-FFF2-40B4-BE49-F238E27FC236}">
+                <a16:creationId xmlns:a16="http://schemas.microsoft.com/office/drawing/2014/main" id="{D521D6A5-D17A-4D08-BB10-BC0BB5A5AE3E}"/>
+              </a:ext>
+            </a:extLst>
+          </p:cNvPr>
+          <p:cNvSpPr/>
+          <p:nvPr/>
+        </p:nvSpPr>
+        <p:spPr>
+          <a:xfrm>
+            <a:off x="177282" y="83084"/>
+            <a:ext cx="11837436" cy="1046813"/>
+          </a:xfrm>
+          <a:prstGeom prst="roundRect">
+            <a:avLst>
+              <a:gd name="adj" fmla="val 50000"/>
+            </a:avLst>
+          </a:prstGeom>
+          <a:gradFill>
+            <a:gsLst>
+              <a:gs pos="0">
+                <a:srgbClr val="50829B"/>
+              </a:gs>
+              <a:gs pos="100000">
+                <a:srgbClr val="6C94B0"/>
+              </a:gs>
+            </a:gsLst>
+            <a:lin ang="0" scaled="1"/>
+          </a:gradFill>
+          <a:ln>
+            <a:noFill/>
+          </a:ln>
+        </p:spPr>
+        <p:style>
+          <a:lnRef idx="2">
+            <a:schemeClr val="accent1">
+              <a:shade val="50000"/>
+            </a:schemeClr>
+          </a:lnRef>
+          <a:fillRef idx="1">
+            <a:schemeClr val="accent1"/>
+          </a:fillRef>
+          <a:effectRef idx="0">
+            <a:schemeClr val="accent1"/>
+          </a:effectRef>
+          <a:fontRef idx="minor">
+            <a:schemeClr val="lt1"/>
+          </a:fontRef>
+        </p:style>
+        <p:txBody>
+          <a:bodyPr rtlCol="0" anchor="ctr"/>
+          <a:lstStyle/>
+          <a:p>
+            <a:pPr algn="ctr"/>
+            <a:r>
+              <a:rPr lang="en-US" altLang="ko-KR" sz="4800" dirty="0"/>
+              <a:t>AI </a:t>
+            </a:r>
+            <a:r>
+              <a:rPr lang="ko-KR" altLang="en-US" sz="4800" dirty="0"/>
+              <a:t>그룹활동에 필요한 내용만</a:t>
+            </a:r>
+            <a:r>
+              <a:rPr lang="en-US" altLang="ko-KR" sz="4800" dirty="0"/>
+              <a:t>!</a:t>
+            </a:r>
+            <a:endParaRPr lang="ko-KR" altLang="en-US" sz="4800" dirty="0"/>
+          </a:p>
+        </p:txBody>
+      </p:sp>
+      <p:pic>
+        <p:nvPicPr>
+          <p:cNvPr id="5" name="내용 개체 틀 4">
+            <a:extLst>
+              <a:ext uri="{FF2B5EF4-FFF2-40B4-BE49-F238E27FC236}">
+                <a16:creationId xmlns:a16="http://schemas.microsoft.com/office/drawing/2014/main" id="{6093D086-2475-4361-85E1-FB4E78D43938}"/>
+              </a:ext>
+            </a:extLst>
+          </p:cNvPr>
+          <p:cNvPicPr>
+            <a:picLocks noGrp="1" noChangeAspect="1"/>
+          </p:cNvPicPr>
+          <p:nvPr>
+            <p:ph idx="1"/>
+          </p:nvPr>
+        </p:nvPicPr>
+        <p:blipFill>
+          <a:blip r:embed="rId2">
+            <a:extLst>
+              <a:ext uri="{28A0092B-C50C-407E-A947-70E740481C1C}">
+                <a14:useLocalDpi xmlns:a14="http://schemas.microsoft.com/office/drawing/2010/main" val="0"/>
+              </a:ext>
+            </a:extLst>
+          </a:blip>
+          <a:stretch>
+            <a:fillRect/>
+          </a:stretch>
+        </p:blipFill>
+        <p:spPr>
+          <a:xfrm>
+            <a:off x="177282" y="83083"/>
+            <a:ext cx="1045028" cy="1046814"/>
+          </a:xfrm>
+        </p:spPr>
+      </p:pic>
+      <p:pic>
+        <p:nvPicPr>
+          <p:cNvPr id="7" name="그림 6">
+            <a:extLst>
+              <a:ext uri="{FF2B5EF4-FFF2-40B4-BE49-F238E27FC236}">
+                <a16:creationId xmlns:a16="http://schemas.microsoft.com/office/drawing/2014/main" id="{DDC6EA06-E610-434E-89BF-1E4B0D6D167A}"/>
+              </a:ext>
+            </a:extLst>
+          </p:cNvPr>
+          <p:cNvPicPr>
+            <a:picLocks noChangeAspect="1"/>
+          </p:cNvPicPr>
+          <p:nvPr/>
+        </p:nvPicPr>
+        <p:blipFill>
+          <a:blip r:embed="rId3">
+            <a:extLst>
+              <a:ext uri="{28A0092B-C50C-407E-A947-70E740481C1C}">
+                <a14:useLocalDpi xmlns:a14="http://schemas.microsoft.com/office/drawing/2010/main" val="0"/>
+              </a:ext>
+            </a:extLst>
+          </a:blip>
+          <a:stretch>
+            <a:fillRect/>
+          </a:stretch>
+        </p:blipFill>
+        <p:spPr>
+          <a:xfrm>
+            <a:off x="5323347" y="6169298"/>
+            <a:ext cx="1545305" cy="605618"/>
+          </a:xfrm>
+          <a:prstGeom prst="rect">
+            <a:avLst/>
+          </a:prstGeom>
+        </p:spPr>
+      </p:pic>
+      <p:sp>
+        <p:nvSpPr>
+          <p:cNvPr id="8" name="슬라이드 번호 개체 틀 7">
+            <a:extLst>
+              <a:ext uri="{FF2B5EF4-FFF2-40B4-BE49-F238E27FC236}">
+                <a16:creationId xmlns:a16="http://schemas.microsoft.com/office/drawing/2014/main" id="{6E636F46-9B56-422B-B692-D9B59A622A4E}"/>
+              </a:ext>
+            </a:extLst>
+          </p:cNvPr>
+          <p:cNvSpPr>
+            <a:spLocks noGrp="1"/>
+          </p:cNvSpPr>
+          <p:nvPr>
+            <p:ph type="sldNum" sz="quarter" idx="12"/>
+          </p:nvPr>
+        </p:nvSpPr>
+        <p:spPr/>
+        <p:txBody>
+          <a:bodyPr/>
+          <a:lstStyle/>
+          <a:p>
+            <a:fld id="{A0C7D16C-659C-4003-998D-57A8F0509094}" type="slidenum">
+              <a:rPr lang="ko-KR" altLang="en-US" smtClean="0"/>
+              <a:t>11</a:t>
+            </a:fld>
+            <a:endParaRPr lang="ko-KR" altLang="en-US"/>
+          </a:p>
+        </p:txBody>
+      </p:sp>
+      <p:sp>
+        <p:nvSpPr>
+          <p:cNvPr id="2" name="TextBox 1">
+            <a:extLst>
+              <a:ext uri="{FF2B5EF4-FFF2-40B4-BE49-F238E27FC236}">
+                <a16:creationId xmlns:a16="http://schemas.microsoft.com/office/drawing/2014/main" id="{F42B1679-6463-4CF2-823C-C471207D5E21}"/>
+              </a:ext>
+            </a:extLst>
+          </p:cNvPr>
+          <p:cNvSpPr txBox="1"/>
+          <p:nvPr/>
+        </p:nvSpPr>
+        <p:spPr>
+          <a:xfrm>
+            <a:off x="699796" y="1504747"/>
+            <a:ext cx="10654004" cy="369332"/>
+          </a:xfrm>
+          <a:prstGeom prst="rect">
+            <a:avLst/>
+          </a:prstGeom>
+          <a:noFill/>
+        </p:spPr>
+        <p:txBody>
+          <a:bodyPr wrap="square" rtlCol="0">
+            <a:spAutoFit/>
+          </a:bodyPr>
+          <a:lstStyle/>
+          <a:p>
+            <a:r>
+              <a:rPr lang="en-US" altLang="ko-KR" dirty="0"/>
+              <a:t>3. </a:t>
+            </a:r>
+            <a:r>
+              <a:rPr lang="ko-KR" altLang="en-US" dirty="0"/>
+              <a:t>커밋하기</a:t>
+            </a:r>
+            <a:r>
+              <a:rPr lang="en-US" altLang="ko-KR" dirty="0"/>
+              <a:t>, </a:t>
+            </a:r>
+            <a:r>
+              <a:rPr lang="ko-KR" altLang="en-US" dirty="0" err="1"/>
+              <a:t>푸쉬하기</a:t>
+            </a:r>
+            <a:endParaRPr lang="en-US" altLang="ko-KR" dirty="0"/>
+          </a:p>
+        </p:txBody>
+      </p:sp>
+      <p:pic>
+        <p:nvPicPr>
+          <p:cNvPr id="10" name="그림 9">
+            <a:extLst>
+              <a:ext uri="{FF2B5EF4-FFF2-40B4-BE49-F238E27FC236}">
+                <a16:creationId xmlns:a16="http://schemas.microsoft.com/office/drawing/2014/main" id="{2DE1F30C-714A-455A-8B3F-11539476E04E}"/>
+              </a:ext>
+            </a:extLst>
+          </p:cNvPr>
+          <p:cNvPicPr>
+            <a:picLocks noChangeAspect="1"/>
+          </p:cNvPicPr>
+          <p:nvPr/>
+        </p:nvPicPr>
+        <p:blipFill>
+          <a:blip r:embed="rId4"/>
+          <a:stretch>
+            <a:fillRect/>
+          </a:stretch>
+        </p:blipFill>
+        <p:spPr>
+          <a:xfrm>
+            <a:off x="323043" y="2047437"/>
+            <a:ext cx="11545911" cy="3391373"/>
+          </a:xfrm>
+          <a:prstGeom prst="rect">
+            <a:avLst/>
+          </a:prstGeom>
+        </p:spPr>
+      </p:pic>
+    </p:spTree>
+    <p:extLst>
+      <p:ext uri="{BB962C8B-B14F-4D97-AF65-F5344CB8AC3E}">
+        <p14:creationId xmlns:p14="http://schemas.microsoft.com/office/powerpoint/2010/main" val="2721708022"/>
+      </p:ext>
+    </p:extLst>
+  </p:cSld>
+  <p:clrMapOvr>
+    <a:masterClrMapping/>
+  </p:clrMapOvr>
+</p:sld>
+</file>
+
+<file path=ppt/slides/slide12.xml><?xml version="1.0" encoding="utf-8"?>
+<p:sld xmlns:a="http://schemas.openxmlformats.org/drawingml/2006/main" xmlns:r="http://schemas.openxmlformats.org/officeDocument/2006/relationships" xmlns:p="http://schemas.openxmlformats.org/presentationml/2006/main">
+  <p:cSld>
+    <p:spTree>
+      <p:nvGrpSpPr>
+        <p:cNvPr id="1" name=""/>
+        <p:cNvGrpSpPr/>
+        <p:nvPr/>
+      </p:nvGrpSpPr>
+      <p:grpSpPr>
+        <a:xfrm>
+          <a:off x="0" y="0"/>
+          <a:ext cx="0" cy="0"/>
+          <a:chOff x="0" y="0"/>
+          <a:chExt cx="0" cy="0"/>
+        </a:xfrm>
+      </p:grpSpPr>
+      <p:sp>
+        <p:nvSpPr>
+          <p:cNvPr id="6" name="사각형: 둥근 모서리 5">
+            <a:extLst>
+              <a:ext uri="{FF2B5EF4-FFF2-40B4-BE49-F238E27FC236}">
+                <a16:creationId xmlns:a16="http://schemas.microsoft.com/office/drawing/2014/main" id="{D521D6A5-D17A-4D08-BB10-BC0BB5A5AE3E}"/>
+              </a:ext>
+            </a:extLst>
+          </p:cNvPr>
+          <p:cNvSpPr/>
+          <p:nvPr/>
+        </p:nvSpPr>
+        <p:spPr>
+          <a:xfrm>
+            <a:off x="177282" y="83084"/>
+            <a:ext cx="11837436" cy="1046813"/>
+          </a:xfrm>
+          <a:prstGeom prst="roundRect">
+            <a:avLst>
+              <a:gd name="adj" fmla="val 50000"/>
+            </a:avLst>
+          </a:prstGeom>
+          <a:gradFill>
+            <a:gsLst>
+              <a:gs pos="0">
+                <a:srgbClr val="50829B"/>
+              </a:gs>
+              <a:gs pos="100000">
+                <a:srgbClr val="6C94B0"/>
+              </a:gs>
+            </a:gsLst>
+            <a:lin ang="0" scaled="1"/>
+          </a:gradFill>
+          <a:ln>
+            <a:noFill/>
+          </a:ln>
+        </p:spPr>
+        <p:style>
+          <a:lnRef idx="2">
+            <a:schemeClr val="accent1">
+              <a:shade val="50000"/>
+            </a:schemeClr>
+          </a:lnRef>
+          <a:fillRef idx="1">
+            <a:schemeClr val="accent1"/>
+          </a:fillRef>
+          <a:effectRef idx="0">
+            <a:schemeClr val="accent1"/>
+          </a:effectRef>
+          <a:fontRef idx="minor">
+            <a:schemeClr val="lt1"/>
+          </a:fontRef>
+        </p:style>
+        <p:txBody>
+          <a:bodyPr rtlCol="0" anchor="ctr"/>
+          <a:lstStyle/>
+          <a:p>
+            <a:pPr algn="ctr"/>
+            <a:r>
+              <a:rPr lang="en-US" altLang="ko-KR" sz="4800" dirty="0"/>
+              <a:t>AI </a:t>
+            </a:r>
+            <a:r>
+              <a:rPr lang="ko-KR" altLang="en-US" sz="4800" dirty="0"/>
+              <a:t>그룹활동에 필요한 내용만</a:t>
+            </a:r>
+            <a:r>
+              <a:rPr lang="en-US" altLang="ko-KR" sz="4800" dirty="0"/>
+              <a:t>!</a:t>
+            </a:r>
+            <a:endParaRPr lang="ko-KR" altLang="en-US" sz="4800" dirty="0"/>
+          </a:p>
+        </p:txBody>
+      </p:sp>
+      <p:pic>
+        <p:nvPicPr>
+          <p:cNvPr id="5" name="내용 개체 틀 4">
+            <a:extLst>
+              <a:ext uri="{FF2B5EF4-FFF2-40B4-BE49-F238E27FC236}">
+                <a16:creationId xmlns:a16="http://schemas.microsoft.com/office/drawing/2014/main" id="{6093D086-2475-4361-85E1-FB4E78D43938}"/>
+              </a:ext>
+            </a:extLst>
+          </p:cNvPr>
+          <p:cNvPicPr>
+            <a:picLocks noGrp="1" noChangeAspect="1"/>
+          </p:cNvPicPr>
+          <p:nvPr>
+            <p:ph idx="1"/>
+          </p:nvPr>
+        </p:nvPicPr>
+        <p:blipFill>
+          <a:blip r:embed="rId2">
+            <a:extLst>
+              <a:ext uri="{28A0092B-C50C-407E-A947-70E740481C1C}">
+                <a14:useLocalDpi xmlns:a14="http://schemas.microsoft.com/office/drawing/2010/main" val="0"/>
+              </a:ext>
+            </a:extLst>
+          </a:blip>
+          <a:stretch>
+            <a:fillRect/>
+          </a:stretch>
+        </p:blipFill>
+        <p:spPr>
+          <a:xfrm>
+            <a:off x="177282" y="83083"/>
+            <a:ext cx="1045028" cy="1046814"/>
+          </a:xfrm>
+        </p:spPr>
+      </p:pic>
+      <p:pic>
+        <p:nvPicPr>
+          <p:cNvPr id="7" name="그림 6">
+            <a:extLst>
+              <a:ext uri="{FF2B5EF4-FFF2-40B4-BE49-F238E27FC236}">
+                <a16:creationId xmlns:a16="http://schemas.microsoft.com/office/drawing/2014/main" id="{DDC6EA06-E610-434E-89BF-1E4B0D6D167A}"/>
+              </a:ext>
+            </a:extLst>
+          </p:cNvPr>
+          <p:cNvPicPr>
+            <a:picLocks noChangeAspect="1"/>
+          </p:cNvPicPr>
+          <p:nvPr/>
+        </p:nvPicPr>
+        <p:blipFill>
+          <a:blip r:embed="rId3">
+            <a:extLst>
+              <a:ext uri="{28A0092B-C50C-407E-A947-70E740481C1C}">
+                <a14:useLocalDpi xmlns:a14="http://schemas.microsoft.com/office/drawing/2010/main" val="0"/>
+              </a:ext>
+            </a:extLst>
+          </a:blip>
+          <a:stretch>
+            <a:fillRect/>
+          </a:stretch>
+        </p:blipFill>
+        <p:spPr>
+          <a:xfrm>
+            <a:off x="5323347" y="6169298"/>
+            <a:ext cx="1545305" cy="605618"/>
+          </a:xfrm>
+          <a:prstGeom prst="rect">
+            <a:avLst/>
+          </a:prstGeom>
+        </p:spPr>
+      </p:pic>
+      <p:sp>
+        <p:nvSpPr>
+          <p:cNvPr id="8" name="슬라이드 번호 개체 틀 7">
+            <a:extLst>
+              <a:ext uri="{FF2B5EF4-FFF2-40B4-BE49-F238E27FC236}">
+                <a16:creationId xmlns:a16="http://schemas.microsoft.com/office/drawing/2014/main" id="{6E636F46-9B56-422B-B692-D9B59A622A4E}"/>
+              </a:ext>
+            </a:extLst>
+          </p:cNvPr>
+          <p:cNvSpPr>
+            <a:spLocks noGrp="1"/>
+          </p:cNvSpPr>
+          <p:nvPr>
+            <p:ph type="sldNum" sz="quarter" idx="12"/>
+          </p:nvPr>
+        </p:nvSpPr>
+        <p:spPr/>
+        <p:txBody>
+          <a:bodyPr/>
+          <a:lstStyle/>
+          <a:p>
+            <a:fld id="{A0C7D16C-659C-4003-998D-57A8F0509094}" type="slidenum">
+              <a:rPr lang="ko-KR" altLang="en-US" smtClean="0"/>
+              <a:t>12</a:t>
+            </a:fld>
+            <a:endParaRPr lang="ko-KR" altLang="en-US"/>
+          </a:p>
+        </p:txBody>
+      </p:sp>
+      <p:sp>
+        <p:nvSpPr>
+          <p:cNvPr id="2" name="TextBox 1">
+            <a:extLst>
+              <a:ext uri="{FF2B5EF4-FFF2-40B4-BE49-F238E27FC236}">
+                <a16:creationId xmlns:a16="http://schemas.microsoft.com/office/drawing/2014/main" id="{F42B1679-6463-4CF2-823C-C471207D5E21}"/>
+              </a:ext>
+            </a:extLst>
+          </p:cNvPr>
+          <p:cNvSpPr txBox="1"/>
+          <p:nvPr/>
+        </p:nvSpPr>
+        <p:spPr>
+          <a:xfrm>
+            <a:off x="699796" y="1504747"/>
+            <a:ext cx="10654004" cy="369332"/>
+          </a:xfrm>
+          <a:prstGeom prst="rect">
+            <a:avLst/>
+          </a:prstGeom>
+          <a:noFill/>
+        </p:spPr>
+        <p:txBody>
+          <a:bodyPr wrap="square" rtlCol="0">
+            <a:spAutoFit/>
+          </a:bodyPr>
+          <a:lstStyle/>
+          <a:p>
+            <a:r>
+              <a:rPr lang="en-US" altLang="ko-KR" dirty="0"/>
+              <a:t>4. 2-3 </a:t>
+            </a:r>
+            <a:r>
+              <a:rPr lang="ko-KR" altLang="en-US" dirty="0"/>
+              <a:t>과정 반복</a:t>
+            </a:r>
+            <a:endParaRPr lang="en-US" altLang="ko-KR" dirty="0"/>
+          </a:p>
+        </p:txBody>
+      </p:sp>
+      <p:sp>
+        <p:nvSpPr>
+          <p:cNvPr id="32" name="직사각형 31">
+            <a:extLst>
+              <a:ext uri="{FF2B5EF4-FFF2-40B4-BE49-F238E27FC236}">
+                <a16:creationId xmlns:a16="http://schemas.microsoft.com/office/drawing/2014/main" id="{D10D4D67-ABD3-4058-BE34-2761D7A906E9}"/>
+              </a:ext>
+            </a:extLst>
+          </p:cNvPr>
+          <p:cNvSpPr/>
+          <p:nvPr/>
+        </p:nvSpPr>
+        <p:spPr>
+          <a:xfrm>
+            <a:off x="699796" y="2170703"/>
+            <a:ext cx="6354147" cy="1754326"/>
+          </a:xfrm>
+          <a:prstGeom prst="rect">
+            <a:avLst/>
+          </a:prstGeom>
+        </p:spPr>
+        <p:txBody>
+          <a:bodyPr wrap="square">
+            <a:spAutoFit/>
+          </a:bodyPr>
+          <a:lstStyle/>
+          <a:p>
+            <a:r>
+              <a:rPr lang="ko-KR" altLang="en-US" dirty="0"/>
+              <a:t>코드 수정과 </a:t>
+            </a:r>
+            <a:r>
+              <a:rPr lang="ko-KR" altLang="en-US" dirty="0" err="1"/>
+              <a:t>커밋</a:t>
+            </a:r>
+            <a:r>
+              <a:rPr lang="en-US" altLang="ko-KR" dirty="0"/>
+              <a:t>, </a:t>
+            </a:r>
+            <a:r>
+              <a:rPr lang="ko-KR" altLang="en-US" dirty="0"/>
+              <a:t>심지어 </a:t>
+            </a:r>
+            <a:r>
+              <a:rPr lang="en-US" altLang="ko-KR" dirty="0"/>
+              <a:t>push </a:t>
+            </a:r>
+            <a:r>
+              <a:rPr lang="ko-KR" altLang="en-US" dirty="0"/>
+              <a:t>과정까지 여러 번 반복해도 문제가 없습니다</a:t>
+            </a:r>
+            <a:r>
+              <a:rPr lang="en-US" altLang="ko-KR" dirty="0"/>
+              <a:t>.</a:t>
+            </a:r>
+          </a:p>
+          <a:p>
+            <a:endParaRPr lang="en-US" altLang="ko-KR" dirty="0"/>
+          </a:p>
+          <a:p>
+            <a:r>
+              <a:rPr lang="ko-KR" altLang="en-US" dirty="0" err="1"/>
+              <a:t>커밋은</a:t>
+            </a:r>
+            <a:r>
+              <a:rPr lang="ko-KR" altLang="en-US" dirty="0"/>
+              <a:t> </a:t>
+            </a:r>
+            <a:r>
+              <a:rPr lang="en-US" altLang="ko-KR" dirty="0"/>
+              <a:t>Local </a:t>
+            </a:r>
+            <a:r>
+              <a:rPr lang="ko-KR" altLang="en-US" dirty="0"/>
+              <a:t>환경 내 변화만 만들기 때문에 여러 번 </a:t>
+            </a:r>
+            <a:r>
+              <a:rPr lang="ko-KR" altLang="en-US" dirty="0" err="1"/>
+              <a:t>커밋</a:t>
+            </a:r>
+            <a:r>
+              <a:rPr lang="ko-KR" altLang="en-US" dirty="0"/>
+              <a:t> 후 </a:t>
+            </a:r>
+            <a:r>
+              <a:rPr lang="en-US" altLang="ko-KR" dirty="0"/>
+              <a:t>push </a:t>
+            </a:r>
+            <a:r>
+              <a:rPr lang="ko-KR" altLang="en-US" dirty="0"/>
+              <a:t>해도 되고</a:t>
+            </a:r>
+            <a:r>
+              <a:rPr lang="en-US" altLang="ko-KR" dirty="0"/>
+              <a:t>. </a:t>
+            </a:r>
+            <a:r>
+              <a:rPr lang="ko-KR" altLang="en-US" dirty="0"/>
+              <a:t>다른 사람들과 코드를 더 자주 공유하기 위해서 </a:t>
+            </a:r>
+            <a:r>
+              <a:rPr lang="ko-KR" altLang="en-US" dirty="0" err="1"/>
+              <a:t>커밋마다</a:t>
+            </a:r>
+            <a:r>
+              <a:rPr lang="ko-KR" altLang="en-US" dirty="0"/>
+              <a:t> </a:t>
+            </a:r>
+            <a:r>
+              <a:rPr lang="en-US" altLang="ko-KR" dirty="0"/>
+              <a:t>push</a:t>
+            </a:r>
+            <a:r>
+              <a:rPr lang="ko-KR" altLang="en-US" dirty="0"/>
+              <a:t>를 하는 것도 방법일 수 있습니다</a:t>
+            </a:r>
+            <a:r>
+              <a:rPr lang="en-US" altLang="ko-KR" dirty="0"/>
+              <a:t>.</a:t>
+            </a:r>
+          </a:p>
+        </p:txBody>
+      </p:sp>
+    </p:spTree>
+    <p:extLst>
+      <p:ext uri="{BB962C8B-B14F-4D97-AF65-F5344CB8AC3E}">
+        <p14:creationId xmlns:p14="http://schemas.microsoft.com/office/powerpoint/2010/main" val="2041043987"/>
+      </p:ext>
+    </p:extLst>
+  </p:cSld>
+  <p:clrMapOvr>
+    <a:masterClrMapping/>
+  </p:clrMapOvr>
+</p:sld>
+</file>
+
+<file path=ppt/slides/slide13.xml><?xml version="1.0" encoding="utf-8"?>
+<p:sld xmlns:a="http://schemas.openxmlformats.org/drawingml/2006/main" xmlns:r="http://schemas.openxmlformats.org/officeDocument/2006/relationships" xmlns:p="http://schemas.openxmlformats.org/presentationml/2006/main">
+  <p:cSld>
+    <p:spTree>
+      <p:nvGrpSpPr>
+        <p:cNvPr id="1" name=""/>
+        <p:cNvGrpSpPr/>
+        <p:nvPr/>
+      </p:nvGrpSpPr>
+      <p:grpSpPr>
+        <a:xfrm>
+          <a:off x="0" y="0"/>
+          <a:ext cx="0" cy="0"/>
+          <a:chOff x="0" y="0"/>
+          <a:chExt cx="0" cy="0"/>
+        </a:xfrm>
+      </p:grpSpPr>
+      <p:sp>
+        <p:nvSpPr>
+          <p:cNvPr id="6" name="사각형: 둥근 모서리 5">
+            <a:extLst>
+              <a:ext uri="{FF2B5EF4-FFF2-40B4-BE49-F238E27FC236}">
+                <a16:creationId xmlns:a16="http://schemas.microsoft.com/office/drawing/2014/main" id="{D521D6A5-D17A-4D08-BB10-BC0BB5A5AE3E}"/>
+              </a:ext>
+            </a:extLst>
+          </p:cNvPr>
+          <p:cNvSpPr/>
+          <p:nvPr/>
+        </p:nvSpPr>
+        <p:spPr>
+          <a:xfrm>
+            <a:off x="177282" y="83084"/>
+            <a:ext cx="11837436" cy="1046813"/>
+          </a:xfrm>
+          <a:prstGeom prst="roundRect">
+            <a:avLst>
+              <a:gd name="adj" fmla="val 50000"/>
+            </a:avLst>
+          </a:prstGeom>
+          <a:gradFill>
+            <a:gsLst>
+              <a:gs pos="0">
+                <a:srgbClr val="50829B"/>
+              </a:gs>
+              <a:gs pos="100000">
+                <a:srgbClr val="6C94B0"/>
+              </a:gs>
+            </a:gsLst>
+            <a:lin ang="0" scaled="1"/>
+          </a:gradFill>
+          <a:ln>
+            <a:noFill/>
+          </a:ln>
+        </p:spPr>
+        <p:style>
+          <a:lnRef idx="2">
+            <a:schemeClr val="accent1">
+              <a:shade val="50000"/>
+            </a:schemeClr>
+          </a:lnRef>
+          <a:fillRef idx="1">
+            <a:schemeClr val="accent1"/>
+          </a:fillRef>
+          <a:effectRef idx="0">
+            <a:schemeClr val="accent1"/>
+          </a:effectRef>
+          <a:fontRef idx="minor">
+            <a:schemeClr val="lt1"/>
+          </a:fontRef>
+        </p:style>
+        <p:txBody>
+          <a:bodyPr rtlCol="0" anchor="ctr"/>
+          <a:lstStyle/>
+          <a:p>
+            <a:pPr algn="ctr"/>
+            <a:r>
+              <a:rPr lang="en-US" altLang="ko-KR" sz="4800" dirty="0"/>
+              <a:t>AI </a:t>
+            </a:r>
+            <a:r>
+              <a:rPr lang="ko-KR" altLang="en-US" sz="4800" dirty="0"/>
+              <a:t>그룹활동에 필요한 내용만</a:t>
+            </a:r>
+            <a:r>
+              <a:rPr lang="en-US" altLang="ko-KR" sz="4800" dirty="0"/>
+              <a:t>!</a:t>
+            </a:r>
+            <a:endParaRPr lang="ko-KR" altLang="en-US" sz="4800" dirty="0"/>
+          </a:p>
+        </p:txBody>
+      </p:sp>
+      <p:pic>
+        <p:nvPicPr>
+          <p:cNvPr id="5" name="내용 개체 틀 4">
+            <a:extLst>
+              <a:ext uri="{FF2B5EF4-FFF2-40B4-BE49-F238E27FC236}">
+                <a16:creationId xmlns:a16="http://schemas.microsoft.com/office/drawing/2014/main" id="{6093D086-2475-4361-85E1-FB4E78D43938}"/>
+              </a:ext>
+            </a:extLst>
+          </p:cNvPr>
+          <p:cNvPicPr>
+            <a:picLocks noGrp="1" noChangeAspect="1"/>
+          </p:cNvPicPr>
+          <p:nvPr>
+            <p:ph idx="1"/>
+          </p:nvPr>
+        </p:nvPicPr>
+        <p:blipFill>
+          <a:blip r:embed="rId2">
+            <a:extLst>
+              <a:ext uri="{28A0092B-C50C-407E-A947-70E740481C1C}">
+                <a14:useLocalDpi xmlns:a14="http://schemas.microsoft.com/office/drawing/2010/main" val="0"/>
+              </a:ext>
+            </a:extLst>
+          </a:blip>
+          <a:stretch>
+            <a:fillRect/>
+          </a:stretch>
+        </p:blipFill>
+        <p:spPr>
+          <a:xfrm>
+            <a:off x="177282" y="83083"/>
+            <a:ext cx="1045028" cy="1046814"/>
+          </a:xfrm>
+        </p:spPr>
+      </p:pic>
+      <p:pic>
+        <p:nvPicPr>
+          <p:cNvPr id="7" name="그림 6">
+            <a:extLst>
+              <a:ext uri="{FF2B5EF4-FFF2-40B4-BE49-F238E27FC236}">
+                <a16:creationId xmlns:a16="http://schemas.microsoft.com/office/drawing/2014/main" id="{DDC6EA06-E610-434E-89BF-1E4B0D6D167A}"/>
+              </a:ext>
+            </a:extLst>
+          </p:cNvPr>
+          <p:cNvPicPr>
+            <a:picLocks noChangeAspect="1"/>
+          </p:cNvPicPr>
+          <p:nvPr/>
+        </p:nvPicPr>
+        <p:blipFill>
+          <a:blip r:embed="rId3">
+            <a:extLst>
+              <a:ext uri="{28A0092B-C50C-407E-A947-70E740481C1C}">
+                <a14:useLocalDpi xmlns:a14="http://schemas.microsoft.com/office/drawing/2010/main" val="0"/>
+              </a:ext>
+            </a:extLst>
+          </a:blip>
+          <a:stretch>
+            <a:fillRect/>
+          </a:stretch>
+        </p:blipFill>
+        <p:spPr>
+          <a:xfrm>
+            <a:off x="5323347" y="6169298"/>
+            <a:ext cx="1545305" cy="605618"/>
+          </a:xfrm>
+          <a:prstGeom prst="rect">
+            <a:avLst/>
+          </a:prstGeom>
+        </p:spPr>
+      </p:pic>
+      <p:sp>
+        <p:nvSpPr>
+          <p:cNvPr id="8" name="슬라이드 번호 개체 틀 7">
+            <a:extLst>
+              <a:ext uri="{FF2B5EF4-FFF2-40B4-BE49-F238E27FC236}">
+                <a16:creationId xmlns:a16="http://schemas.microsoft.com/office/drawing/2014/main" id="{6E636F46-9B56-422B-B692-D9B59A622A4E}"/>
+              </a:ext>
+            </a:extLst>
+          </p:cNvPr>
+          <p:cNvSpPr>
+            <a:spLocks noGrp="1"/>
+          </p:cNvSpPr>
+          <p:nvPr>
+            <p:ph type="sldNum" sz="quarter" idx="12"/>
+          </p:nvPr>
+        </p:nvSpPr>
+        <p:spPr/>
+        <p:txBody>
+          <a:bodyPr/>
+          <a:lstStyle/>
+          <a:p>
+            <a:fld id="{A0C7D16C-659C-4003-998D-57A8F0509094}" type="slidenum">
+              <a:rPr lang="ko-KR" altLang="en-US" smtClean="0"/>
+              <a:t>13</a:t>
+            </a:fld>
+            <a:endParaRPr lang="ko-KR" altLang="en-US"/>
+          </a:p>
+        </p:txBody>
+      </p:sp>
+      <p:sp>
+        <p:nvSpPr>
+          <p:cNvPr id="2" name="TextBox 1">
+            <a:extLst>
+              <a:ext uri="{FF2B5EF4-FFF2-40B4-BE49-F238E27FC236}">
+                <a16:creationId xmlns:a16="http://schemas.microsoft.com/office/drawing/2014/main" id="{F42B1679-6463-4CF2-823C-C471207D5E21}"/>
+              </a:ext>
+            </a:extLst>
+          </p:cNvPr>
+          <p:cNvSpPr txBox="1"/>
+          <p:nvPr/>
+        </p:nvSpPr>
+        <p:spPr>
+          <a:xfrm>
+            <a:off x="699796" y="1504747"/>
+            <a:ext cx="10654004" cy="369332"/>
+          </a:xfrm>
+          <a:prstGeom prst="rect">
+            <a:avLst/>
+          </a:prstGeom>
+          <a:noFill/>
+        </p:spPr>
+        <p:txBody>
+          <a:bodyPr wrap="square" rtlCol="0">
+            <a:spAutoFit/>
+          </a:bodyPr>
+          <a:lstStyle/>
+          <a:p>
+            <a:r>
+              <a:rPr lang="en-US" altLang="ko-KR" dirty="0"/>
+              <a:t>5. Pull Request</a:t>
+            </a:r>
+          </a:p>
+        </p:txBody>
+      </p:sp>
+      <p:sp>
+        <p:nvSpPr>
+          <p:cNvPr id="32" name="직사각형 31">
+            <a:extLst>
+              <a:ext uri="{FF2B5EF4-FFF2-40B4-BE49-F238E27FC236}">
+                <a16:creationId xmlns:a16="http://schemas.microsoft.com/office/drawing/2014/main" id="{D10D4D67-ABD3-4058-BE34-2761D7A906E9}"/>
+              </a:ext>
+            </a:extLst>
+          </p:cNvPr>
+          <p:cNvSpPr/>
+          <p:nvPr/>
+        </p:nvSpPr>
+        <p:spPr>
+          <a:xfrm>
+            <a:off x="699796" y="2170703"/>
+            <a:ext cx="6354147" cy="646331"/>
+          </a:xfrm>
+          <a:prstGeom prst="rect">
+            <a:avLst/>
+          </a:prstGeom>
+        </p:spPr>
+        <p:txBody>
+          <a:bodyPr wrap="square">
+            <a:spAutoFit/>
+          </a:bodyPr>
+          <a:lstStyle/>
+          <a:p>
+            <a:r>
+              <a:rPr lang="ko-KR" altLang="en-US" dirty="0"/>
+              <a:t>내 코드가 완성이 됐다는 생각이 든다면</a:t>
+            </a:r>
+            <a:r>
+              <a:rPr lang="en-US" altLang="ko-KR" dirty="0"/>
+              <a:t>?</a:t>
+            </a:r>
+          </a:p>
+          <a:p>
+            <a:r>
+              <a:rPr lang="en-US" altLang="ko-KR" dirty="0"/>
+              <a:t>Github </a:t>
+            </a:r>
+            <a:r>
+              <a:rPr lang="ko-KR" altLang="en-US" dirty="0"/>
+              <a:t>홈페이지로 이동하세요</a:t>
+            </a:r>
+            <a:r>
+              <a:rPr lang="en-US" altLang="ko-KR" dirty="0"/>
+              <a:t>!</a:t>
+            </a:r>
+          </a:p>
+        </p:txBody>
+      </p:sp>
+      <p:pic>
+        <p:nvPicPr>
+          <p:cNvPr id="3" name="그림 2">
+            <a:extLst>
+              <a:ext uri="{FF2B5EF4-FFF2-40B4-BE49-F238E27FC236}">
+                <a16:creationId xmlns:a16="http://schemas.microsoft.com/office/drawing/2014/main" id="{371BF8EC-2F08-4B6E-A827-56AFA45F4B31}"/>
+              </a:ext>
+            </a:extLst>
+          </p:cNvPr>
+          <p:cNvPicPr>
+            <a:picLocks noChangeAspect="1"/>
+          </p:cNvPicPr>
+          <p:nvPr/>
+        </p:nvPicPr>
+        <p:blipFill rotWithShape="1">
+          <a:blip r:embed="rId4"/>
+          <a:srcRect r="26672" b="81243"/>
+          <a:stretch/>
+        </p:blipFill>
+        <p:spPr>
+          <a:xfrm>
+            <a:off x="970384" y="3381594"/>
+            <a:ext cx="10603816" cy="1602328"/>
+          </a:xfrm>
+          <a:prstGeom prst="rect">
+            <a:avLst/>
+          </a:prstGeom>
+        </p:spPr>
+      </p:pic>
+    </p:spTree>
+    <p:extLst>
+      <p:ext uri="{BB962C8B-B14F-4D97-AF65-F5344CB8AC3E}">
+        <p14:creationId xmlns:p14="http://schemas.microsoft.com/office/powerpoint/2010/main" val="1461056492"/>
+      </p:ext>
+    </p:extLst>
+  </p:cSld>
+  <p:clrMapOvr>
+    <a:masterClrMapping/>
+  </p:clrMapOvr>
+</p:sld>
+</file>
+
+<file path=ppt/slides/slide14.xml><?xml version="1.0" encoding="utf-8"?>
+<p:sld xmlns:a="http://schemas.openxmlformats.org/drawingml/2006/main" xmlns:r="http://schemas.openxmlformats.org/officeDocument/2006/relationships" xmlns:p="http://schemas.openxmlformats.org/presentationml/2006/main">
+  <p:cSld>
+    <p:spTree>
+      <p:nvGrpSpPr>
+        <p:cNvPr id="1" name=""/>
+        <p:cNvGrpSpPr/>
+        <p:nvPr/>
+      </p:nvGrpSpPr>
+      <p:grpSpPr>
+        <a:xfrm>
+          <a:off x="0" y="0"/>
+          <a:ext cx="0" cy="0"/>
+          <a:chOff x="0" y="0"/>
+          <a:chExt cx="0" cy="0"/>
+        </a:xfrm>
+      </p:grpSpPr>
+      <p:sp>
+        <p:nvSpPr>
+          <p:cNvPr id="6" name="사각형: 둥근 모서리 5">
+            <a:extLst>
+              <a:ext uri="{FF2B5EF4-FFF2-40B4-BE49-F238E27FC236}">
+                <a16:creationId xmlns:a16="http://schemas.microsoft.com/office/drawing/2014/main" id="{D521D6A5-D17A-4D08-BB10-BC0BB5A5AE3E}"/>
+              </a:ext>
+            </a:extLst>
+          </p:cNvPr>
+          <p:cNvSpPr/>
+          <p:nvPr/>
+        </p:nvSpPr>
+        <p:spPr>
+          <a:xfrm>
+            <a:off x="177282" y="83084"/>
+            <a:ext cx="11837436" cy="1046813"/>
+          </a:xfrm>
+          <a:prstGeom prst="roundRect">
+            <a:avLst>
+              <a:gd name="adj" fmla="val 50000"/>
+            </a:avLst>
+          </a:prstGeom>
+          <a:gradFill>
+            <a:gsLst>
+              <a:gs pos="0">
+                <a:srgbClr val="50829B"/>
+              </a:gs>
+              <a:gs pos="100000">
+                <a:srgbClr val="6C94B0"/>
+              </a:gs>
+            </a:gsLst>
+            <a:lin ang="0" scaled="1"/>
+          </a:gradFill>
+          <a:ln>
+            <a:noFill/>
+          </a:ln>
+        </p:spPr>
+        <p:style>
+          <a:lnRef idx="2">
+            <a:schemeClr val="accent1">
+              <a:shade val="50000"/>
+            </a:schemeClr>
+          </a:lnRef>
+          <a:fillRef idx="1">
+            <a:schemeClr val="accent1"/>
+          </a:fillRef>
+          <a:effectRef idx="0">
+            <a:schemeClr val="accent1"/>
+          </a:effectRef>
+          <a:fontRef idx="minor">
+            <a:schemeClr val="lt1"/>
+          </a:fontRef>
+        </p:style>
+        <p:txBody>
+          <a:bodyPr rtlCol="0" anchor="ctr"/>
+          <a:lstStyle/>
+          <a:p>
+            <a:pPr algn="ctr"/>
+            <a:r>
+              <a:rPr lang="en-US" altLang="ko-KR" sz="4800" dirty="0"/>
+              <a:t>AI </a:t>
+            </a:r>
+            <a:r>
+              <a:rPr lang="ko-KR" altLang="en-US" sz="4800" dirty="0"/>
+              <a:t>그룹활동에 필요한 내용만</a:t>
+            </a:r>
+            <a:r>
+              <a:rPr lang="en-US" altLang="ko-KR" sz="4800" dirty="0"/>
+              <a:t>!</a:t>
+            </a:r>
+            <a:endParaRPr lang="ko-KR" altLang="en-US" sz="4800" dirty="0"/>
+          </a:p>
+        </p:txBody>
+      </p:sp>
+      <p:pic>
+        <p:nvPicPr>
+          <p:cNvPr id="5" name="내용 개체 틀 4">
+            <a:extLst>
+              <a:ext uri="{FF2B5EF4-FFF2-40B4-BE49-F238E27FC236}">
+                <a16:creationId xmlns:a16="http://schemas.microsoft.com/office/drawing/2014/main" id="{6093D086-2475-4361-85E1-FB4E78D43938}"/>
+              </a:ext>
+            </a:extLst>
+          </p:cNvPr>
+          <p:cNvPicPr>
+            <a:picLocks noGrp="1" noChangeAspect="1"/>
+          </p:cNvPicPr>
+          <p:nvPr>
+            <p:ph idx="1"/>
+          </p:nvPr>
+        </p:nvPicPr>
+        <p:blipFill>
+          <a:blip r:embed="rId2">
+            <a:extLst>
+              <a:ext uri="{28A0092B-C50C-407E-A947-70E740481C1C}">
+                <a14:useLocalDpi xmlns:a14="http://schemas.microsoft.com/office/drawing/2010/main" val="0"/>
+              </a:ext>
+            </a:extLst>
+          </a:blip>
+          <a:stretch>
+            <a:fillRect/>
+          </a:stretch>
+        </p:blipFill>
+        <p:spPr>
+          <a:xfrm>
+            <a:off x="177282" y="83083"/>
+            <a:ext cx="1045028" cy="1046814"/>
+          </a:xfrm>
+        </p:spPr>
+      </p:pic>
+      <p:pic>
+        <p:nvPicPr>
+          <p:cNvPr id="7" name="그림 6">
+            <a:extLst>
+              <a:ext uri="{FF2B5EF4-FFF2-40B4-BE49-F238E27FC236}">
+                <a16:creationId xmlns:a16="http://schemas.microsoft.com/office/drawing/2014/main" id="{DDC6EA06-E610-434E-89BF-1E4B0D6D167A}"/>
+              </a:ext>
+            </a:extLst>
+          </p:cNvPr>
+          <p:cNvPicPr>
+            <a:picLocks noChangeAspect="1"/>
+          </p:cNvPicPr>
+          <p:nvPr/>
+        </p:nvPicPr>
+        <p:blipFill>
+          <a:blip r:embed="rId3">
+            <a:extLst>
+              <a:ext uri="{28A0092B-C50C-407E-A947-70E740481C1C}">
+                <a14:useLocalDpi xmlns:a14="http://schemas.microsoft.com/office/drawing/2010/main" val="0"/>
+              </a:ext>
+            </a:extLst>
+          </a:blip>
+          <a:stretch>
+            <a:fillRect/>
+          </a:stretch>
+        </p:blipFill>
+        <p:spPr>
+          <a:xfrm>
+            <a:off x="5323347" y="6169298"/>
+            <a:ext cx="1545305" cy="605618"/>
+          </a:xfrm>
+          <a:prstGeom prst="rect">
+            <a:avLst/>
+          </a:prstGeom>
+        </p:spPr>
+      </p:pic>
+      <p:sp>
+        <p:nvSpPr>
+          <p:cNvPr id="8" name="슬라이드 번호 개체 틀 7">
+            <a:extLst>
+              <a:ext uri="{FF2B5EF4-FFF2-40B4-BE49-F238E27FC236}">
+                <a16:creationId xmlns:a16="http://schemas.microsoft.com/office/drawing/2014/main" id="{6E636F46-9B56-422B-B692-D9B59A622A4E}"/>
+              </a:ext>
+            </a:extLst>
+          </p:cNvPr>
+          <p:cNvSpPr>
+            <a:spLocks noGrp="1"/>
+          </p:cNvSpPr>
+          <p:nvPr>
+            <p:ph type="sldNum" sz="quarter" idx="12"/>
+          </p:nvPr>
+        </p:nvSpPr>
+        <p:spPr/>
+        <p:txBody>
+          <a:bodyPr/>
+          <a:lstStyle/>
+          <a:p>
+            <a:fld id="{A0C7D16C-659C-4003-998D-57A8F0509094}" type="slidenum">
+              <a:rPr lang="ko-KR" altLang="en-US" smtClean="0"/>
+              <a:t>14</a:t>
+            </a:fld>
+            <a:endParaRPr lang="ko-KR" altLang="en-US"/>
+          </a:p>
+        </p:txBody>
+      </p:sp>
+      <p:sp>
+        <p:nvSpPr>
+          <p:cNvPr id="2" name="TextBox 1">
+            <a:extLst>
+              <a:ext uri="{FF2B5EF4-FFF2-40B4-BE49-F238E27FC236}">
+                <a16:creationId xmlns:a16="http://schemas.microsoft.com/office/drawing/2014/main" id="{F42B1679-6463-4CF2-823C-C471207D5E21}"/>
+              </a:ext>
+            </a:extLst>
+          </p:cNvPr>
+          <p:cNvSpPr txBox="1"/>
+          <p:nvPr/>
+        </p:nvSpPr>
+        <p:spPr>
+          <a:xfrm>
+            <a:off x="699796" y="1504747"/>
+            <a:ext cx="10654004" cy="369332"/>
+          </a:xfrm>
+          <a:prstGeom prst="rect">
+            <a:avLst/>
+          </a:prstGeom>
+          <a:noFill/>
+        </p:spPr>
+        <p:txBody>
+          <a:bodyPr wrap="square" rtlCol="0">
+            <a:spAutoFit/>
+          </a:bodyPr>
+          <a:lstStyle/>
+          <a:p>
+            <a:r>
+              <a:rPr lang="en-US" altLang="ko-KR" dirty="0"/>
+              <a:t>5. Pull Request</a:t>
+            </a:r>
+          </a:p>
+        </p:txBody>
+      </p:sp>
+      <p:pic>
+        <p:nvPicPr>
+          <p:cNvPr id="4" name="그림 3">
+            <a:extLst>
+              <a:ext uri="{FF2B5EF4-FFF2-40B4-BE49-F238E27FC236}">
+                <a16:creationId xmlns:a16="http://schemas.microsoft.com/office/drawing/2014/main" id="{245806F8-3622-4A5A-9AC3-6310ABD98257}"/>
+              </a:ext>
+            </a:extLst>
+          </p:cNvPr>
+          <p:cNvPicPr>
+            <a:picLocks noChangeAspect="1"/>
+          </p:cNvPicPr>
+          <p:nvPr/>
+        </p:nvPicPr>
+        <p:blipFill>
+          <a:blip r:embed="rId4"/>
+          <a:stretch>
+            <a:fillRect/>
+          </a:stretch>
+        </p:blipFill>
+        <p:spPr>
+          <a:xfrm>
+            <a:off x="3592286" y="1209439"/>
+            <a:ext cx="8140439" cy="4808806"/>
+          </a:xfrm>
+          <a:prstGeom prst="rect">
+            <a:avLst/>
+          </a:prstGeom>
+        </p:spPr>
+      </p:pic>
+      <p:sp>
+        <p:nvSpPr>
+          <p:cNvPr id="9" name="타원 8">
+            <a:extLst>
+              <a:ext uri="{FF2B5EF4-FFF2-40B4-BE49-F238E27FC236}">
+                <a16:creationId xmlns:a16="http://schemas.microsoft.com/office/drawing/2014/main" id="{FA44F177-C227-449A-9C6E-22CFE709CE14}"/>
+              </a:ext>
+            </a:extLst>
+          </p:cNvPr>
+          <p:cNvSpPr/>
+          <p:nvPr/>
+        </p:nvSpPr>
+        <p:spPr>
+          <a:xfrm>
+            <a:off x="10527004" y="2896923"/>
+            <a:ext cx="1101012" cy="1101012"/>
+          </a:xfrm>
+          <a:prstGeom prst="ellipse">
+            <a:avLst/>
+          </a:prstGeom>
+          <a:noFill/>
+          <a:ln w="38100">
+            <a:solidFill>
+              <a:schemeClr val="accent2"/>
+            </a:solidFill>
+          </a:ln>
+        </p:spPr>
+        <p:style>
+          <a:lnRef idx="2">
+            <a:schemeClr val="accent1">
+              <a:shade val="50000"/>
+            </a:schemeClr>
+          </a:lnRef>
+          <a:fillRef idx="1">
+            <a:schemeClr val="accent1"/>
+          </a:fillRef>
+          <a:effectRef idx="0">
+            <a:schemeClr val="accent1"/>
+          </a:effectRef>
+          <a:fontRef idx="minor">
+            <a:schemeClr val="lt1"/>
+          </a:fontRef>
+        </p:style>
+        <p:txBody>
+          <a:bodyPr rtlCol="0" anchor="ctr"/>
+          <a:lstStyle/>
+          <a:p>
+            <a:pPr algn="ctr"/>
+            <a:endParaRPr lang="ko-KR" altLang="en-US"/>
+          </a:p>
+        </p:txBody>
+      </p:sp>
+      <p:sp>
+        <p:nvSpPr>
+          <p:cNvPr id="11" name="직사각형 10">
+            <a:extLst>
+              <a:ext uri="{FF2B5EF4-FFF2-40B4-BE49-F238E27FC236}">
+                <a16:creationId xmlns:a16="http://schemas.microsoft.com/office/drawing/2014/main" id="{1CFC26AB-9272-4024-8EB4-2B6C2C59A620}"/>
+              </a:ext>
+            </a:extLst>
+          </p:cNvPr>
+          <p:cNvSpPr/>
+          <p:nvPr/>
+        </p:nvSpPr>
+        <p:spPr>
+          <a:xfrm>
+            <a:off x="699796" y="2170703"/>
+            <a:ext cx="2761861" cy="4247317"/>
+          </a:xfrm>
+          <a:prstGeom prst="rect">
+            <a:avLst/>
+          </a:prstGeom>
+        </p:spPr>
+        <p:txBody>
+          <a:bodyPr wrap="square">
+            <a:spAutoFit/>
+          </a:bodyPr>
+          <a:lstStyle/>
+          <a:p>
+            <a:r>
+              <a:rPr lang="en-US" altLang="ko-KR" dirty="0"/>
+              <a:t>Pull Request </a:t>
+            </a:r>
+            <a:r>
+              <a:rPr lang="ko-KR" altLang="en-US" dirty="0"/>
+              <a:t>는</a:t>
+            </a:r>
+            <a:r>
+              <a:rPr lang="en-US" altLang="ko-KR" dirty="0"/>
+              <a:t> </a:t>
+            </a:r>
+            <a:r>
+              <a:rPr lang="ko-KR" altLang="en-US" dirty="0"/>
+              <a:t>프로젝트의 관리자에게 </a:t>
+            </a:r>
+            <a:r>
+              <a:rPr lang="en-US" altLang="ko-KR" dirty="0"/>
+              <a:t>“</a:t>
+            </a:r>
+            <a:r>
+              <a:rPr lang="ko-KR" altLang="en-US" b="1" dirty="0"/>
+              <a:t>나 이거 완성했는데 확인하고 </a:t>
+            </a:r>
+            <a:r>
+              <a:rPr lang="en-US" altLang="ko-KR" b="1" dirty="0"/>
+              <a:t>main </a:t>
+            </a:r>
+            <a:r>
+              <a:rPr lang="ko-KR" altLang="en-US" b="1" dirty="0" err="1"/>
+              <a:t>브랜치에</a:t>
+            </a:r>
+            <a:r>
+              <a:rPr lang="ko-KR" altLang="en-US" b="1" dirty="0"/>
+              <a:t> 병합해주세요</a:t>
+            </a:r>
+            <a:r>
+              <a:rPr lang="ko-KR" altLang="en-US" dirty="0"/>
+              <a:t>＂ 하고 요청하는 일</a:t>
+            </a:r>
+            <a:r>
+              <a:rPr lang="en-US" altLang="ko-KR" dirty="0"/>
+              <a:t>!</a:t>
+            </a:r>
+          </a:p>
+          <a:p>
+            <a:endParaRPr lang="en-US" altLang="ko-KR" dirty="0"/>
+          </a:p>
+          <a:p>
+            <a:r>
+              <a:rPr lang="ko-KR" altLang="en-US" dirty="0"/>
+              <a:t>일반적으로 </a:t>
+            </a:r>
+            <a:r>
+              <a:rPr lang="en-US" altLang="ko-KR" dirty="0"/>
+              <a:t>main </a:t>
+            </a:r>
+            <a:r>
+              <a:rPr lang="ko-KR" altLang="en-US" dirty="0" err="1"/>
+              <a:t>브랜치와</a:t>
+            </a:r>
+            <a:r>
+              <a:rPr lang="ko-KR" altLang="en-US" dirty="0"/>
+              <a:t> 같이 중요 목적의 </a:t>
+            </a:r>
+            <a:r>
+              <a:rPr lang="ko-KR" altLang="en-US" dirty="0" err="1"/>
+              <a:t>브랜치는</a:t>
+            </a:r>
+            <a:r>
+              <a:rPr lang="ko-KR" altLang="en-US" dirty="0"/>
+              <a:t> 실제 배포</a:t>
+            </a:r>
+            <a:r>
+              <a:rPr lang="en-US" altLang="ko-KR" dirty="0"/>
+              <a:t>/</a:t>
+            </a:r>
+            <a:r>
+              <a:rPr lang="ko-KR" altLang="en-US" dirty="0"/>
+              <a:t>서비스에 영향을 미치기 때문에 신중해야 한다</a:t>
+            </a:r>
+            <a:r>
+              <a:rPr lang="en-US" altLang="ko-KR" dirty="0"/>
+              <a:t>!</a:t>
+            </a:r>
+          </a:p>
+          <a:p>
+            <a:endParaRPr lang="en-US" altLang="ko-KR" dirty="0"/>
+          </a:p>
+          <a:p>
+            <a:r>
+              <a:rPr lang="en-US" altLang="ko-KR" dirty="0"/>
+              <a:t>Pull Request</a:t>
+            </a:r>
+            <a:r>
+              <a:rPr lang="ko-KR" altLang="en-US" dirty="0"/>
+              <a:t>를 요청하면 일반적으로 코드리뷰 후 병합을 수행해줌</a:t>
+            </a:r>
+            <a:r>
+              <a:rPr lang="en-US" altLang="ko-KR" dirty="0"/>
+              <a:t>!</a:t>
+            </a:r>
+            <a:r>
+              <a:rPr lang="ko-KR" altLang="en-US" dirty="0"/>
+              <a:t> </a:t>
+            </a:r>
+            <a:endParaRPr lang="en-US" altLang="ko-KR" dirty="0"/>
+          </a:p>
+        </p:txBody>
+      </p:sp>
+    </p:spTree>
+    <p:extLst>
+      <p:ext uri="{BB962C8B-B14F-4D97-AF65-F5344CB8AC3E}">
+        <p14:creationId xmlns:p14="http://schemas.microsoft.com/office/powerpoint/2010/main" val="833486300"/>
+      </p:ext>
+    </p:extLst>
+  </p:cSld>
+  <p:clrMapOvr>
+    <a:masterClrMapping/>
+  </p:clrMapOvr>
+</p:sld>
+</file>
+
+<file path=ppt/slides/slide15.xml><?xml version="1.0" encoding="utf-8"?>
+<p:sld xmlns:a="http://schemas.openxmlformats.org/drawingml/2006/main" xmlns:r="http://schemas.openxmlformats.org/officeDocument/2006/relationships" xmlns:p="http://schemas.openxmlformats.org/presentationml/2006/main">
+  <p:cSld>
+    <p:spTree>
+      <p:nvGrpSpPr>
+        <p:cNvPr id="1" name=""/>
+        <p:cNvGrpSpPr/>
+        <p:nvPr/>
+      </p:nvGrpSpPr>
+      <p:grpSpPr>
+        <a:xfrm>
+          <a:off x="0" y="0"/>
+          <a:ext cx="0" cy="0"/>
+          <a:chOff x="0" y="0"/>
+          <a:chExt cx="0" cy="0"/>
+        </a:xfrm>
+      </p:grpSpPr>
+      <p:sp>
+        <p:nvSpPr>
+          <p:cNvPr id="6" name="사각형: 둥근 모서리 5">
+            <a:extLst>
+              <a:ext uri="{FF2B5EF4-FFF2-40B4-BE49-F238E27FC236}">
+                <a16:creationId xmlns:a16="http://schemas.microsoft.com/office/drawing/2014/main" id="{D521D6A5-D17A-4D08-BB10-BC0BB5A5AE3E}"/>
+              </a:ext>
+            </a:extLst>
+          </p:cNvPr>
+          <p:cNvSpPr/>
+          <p:nvPr/>
+        </p:nvSpPr>
+        <p:spPr>
+          <a:xfrm>
+            <a:off x="177282" y="83084"/>
+            <a:ext cx="11837436" cy="1046813"/>
+          </a:xfrm>
+          <a:prstGeom prst="roundRect">
+            <a:avLst>
+              <a:gd name="adj" fmla="val 50000"/>
+            </a:avLst>
+          </a:prstGeom>
+          <a:gradFill>
+            <a:gsLst>
+              <a:gs pos="0">
+                <a:srgbClr val="50829B"/>
+              </a:gs>
+              <a:gs pos="100000">
+                <a:srgbClr val="6C94B0"/>
+              </a:gs>
+            </a:gsLst>
+            <a:lin ang="0" scaled="1"/>
+          </a:gradFill>
+          <a:ln>
+            <a:noFill/>
+          </a:ln>
+        </p:spPr>
+        <p:style>
+          <a:lnRef idx="2">
+            <a:schemeClr val="accent1">
+              <a:shade val="50000"/>
+            </a:schemeClr>
+          </a:lnRef>
+          <a:fillRef idx="1">
+            <a:schemeClr val="accent1"/>
+          </a:fillRef>
+          <a:effectRef idx="0">
+            <a:schemeClr val="accent1"/>
+          </a:effectRef>
+          <a:fontRef idx="minor">
+            <a:schemeClr val="lt1"/>
+          </a:fontRef>
+        </p:style>
+        <p:txBody>
+          <a:bodyPr rtlCol="0" anchor="ctr"/>
+          <a:lstStyle/>
+          <a:p>
+            <a:pPr algn="ctr"/>
+            <a:r>
+              <a:rPr lang="en-US" altLang="ko-KR" sz="4800" dirty="0"/>
+              <a:t>AI </a:t>
+            </a:r>
+            <a:r>
+              <a:rPr lang="ko-KR" altLang="en-US" sz="4800" dirty="0"/>
+              <a:t>그룹활동에 필요한 내용만</a:t>
+            </a:r>
+            <a:r>
+              <a:rPr lang="en-US" altLang="ko-KR" sz="4800" dirty="0"/>
+              <a:t>!</a:t>
+            </a:r>
+            <a:endParaRPr lang="ko-KR" altLang="en-US" sz="4800" dirty="0"/>
+          </a:p>
+        </p:txBody>
+      </p:sp>
+      <p:pic>
+        <p:nvPicPr>
+          <p:cNvPr id="5" name="내용 개체 틀 4">
+            <a:extLst>
+              <a:ext uri="{FF2B5EF4-FFF2-40B4-BE49-F238E27FC236}">
+                <a16:creationId xmlns:a16="http://schemas.microsoft.com/office/drawing/2014/main" id="{6093D086-2475-4361-85E1-FB4E78D43938}"/>
+              </a:ext>
+            </a:extLst>
+          </p:cNvPr>
+          <p:cNvPicPr>
+            <a:picLocks noGrp="1" noChangeAspect="1"/>
+          </p:cNvPicPr>
+          <p:nvPr>
+            <p:ph idx="1"/>
+          </p:nvPr>
+        </p:nvPicPr>
+        <p:blipFill>
+          <a:blip r:embed="rId2">
+            <a:extLst>
+              <a:ext uri="{28A0092B-C50C-407E-A947-70E740481C1C}">
+                <a14:useLocalDpi xmlns:a14="http://schemas.microsoft.com/office/drawing/2010/main" val="0"/>
+              </a:ext>
+            </a:extLst>
+          </a:blip>
+          <a:stretch>
+            <a:fillRect/>
+          </a:stretch>
+        </p:blipFill>
+        <p:spPr>
+          <a:xfrm>
+            <a:off x="177282" y="83083"/>
+            <a:ext cx="1045028" cy="1046814"/>
+          </a:xfrm>
+        </p:spPr>
+      </p:pic>
+      <p:pic>
+        <p:nvPicPr>
+          <p:cNvPr id="7" name="그림 6">
+            <a:extLst>
+              <a:ext uri="{FF2B5EF4-FFF2-40B4-BE49-F238E27FC236}">
+                <a16:creationId xmlns:a16="http://schemas.microsoft.com/office/drawing/2014/main" id="{DDC6EA06-E610-434E-89BF-1E4B0D6D167A}"/>
+              </a:ext>
+            </a:extLst>
+          </p:cNvPr>
+          <p:cNvPicPr>
+            <a:picLocks noChangeAspect="1"/>
+          </p:cNvPicPr>
+          <p:nvPr/>
+        </p:nvPicPr>
+        <p:blipFill>
+          <a:blip r:embed="rId3">
+            <a:extLst>
+              <a:ext uri="{28A0092B-C50C-407E-A947-70E740481C1C}">
+                <a14:useLocalDpi xmlns:a14="http://schemas.microsoft.com/office/drawing/2010/main" val="0"/>
+              </a:ext>
+            </a:extLst>
+          </a:blip>
+          <a:stretch>
+            <a:fillRect/>
+          </a:stretch>
+        </p:blipFill>
+        <p:spPr>
+          <a:xfrm>
+            <a:off x="5323347" y="6169298"/>
+            <a:ext cx="1545305" cy="605618"/>
+          </a:xfrm>
+          <a:prstGeom prst="rect">
+            <a:avLst/>
+          </a:prstGeom>
+        </p:spPr>
+      </p:pic>
+      <p:sp>
+        <p:nvSpPr>
+          <p:cNvPr id="8" name="슬라이드 번호 개체 틀 7">
+            <a:extLst>
+              <a:ext uri="{FF2B5EF4-FFF2-40B4-BE49-F238E27FC236}">
+                <a16:creationId xmlns:a16="http://schemas.microsoft.com/office/drawing/2014/main" id="{6E636F46-9B56-422B-B692-D9B59A622A4E}"/>
+              </a:ext>
+            </a:extLst>
+          </p:cNvPr>
+          <p:cNvSpPr>
+            <a:spLocks noGrp="1"/>
+          </p:cNvSpPr>
+          <p:nvPr>
+            <p:ph type="sldNum" sz="quarter" idx="12"/>
+          </p:nvPr>
+        </p:nvSpPr>
+        <p:spPr/>
+        <p:txBody>
+          <a:bodyPr/>
+          <a:lstStyle/>
+          <a:p>
+            <a:fld id="{A0C7D16C-659C-4003-998D-57A8F0509094}" type="slidenum">
+              <a:rPr lang="ko-KR" altLang="en-US" smtClean="0"/>
+              <a:t>15</a:t>
+            </a:fld>
+            <a:endParaRPr lang="ko-KR" altLang="en-US"/>
+          </a:p>
+        </p:txBody>
+      </p:sp>
+      <p:sp>
+        <p:nvSpPr>
+          <p:cNvPr id="2" name="TextBox 1">
+            <a:extLst>
+              <a:ext uri="{FF2B5EF4-FFF2-40B4-BE49-F238E27FC236}">
+                <a16:creationId xmlns:a16="http://schemas.microsoft.com/office/drawing/2014/main" id="{F42B1679-6463-4CF2-823C-C471207D5E21}"/>
+              </a:ext>
+            </a:extLst>
+          </p:cNvPr>
+          <p:cNvSpPr txBox="1"/>
+          <p:nvPr/>
+        </p:nvSpPr>
+        <p:spPr>
+          <a:xfrm>
+            <a:off x="699796" y="1504747"/>
+            <a:ext cx="10654004" cy="369332"/>
+          </a:xfrm>
+          <a:prstGeom prst="rect">
+            <a:avLst/>
+          </a:prstGeom>
+          <a:noFill/>
+        </p:spPr>
+        <p:txBody>
+          <a:bodyPr wrap="square" rtlCol="0">
+            <a:spAutoFit/>
+          </a:bodyPr>
+          <a:lstStyle/>
+          <a:p>
+            <a:r>
+              <a:rPr lang="en-US" altLang="ko-KR" dirty="0"/>
+              <a:t>5. Pull Request</a:t>
+            </a:r>
+          </a:p>
+        </p:txBody>
+      </p:sp>
+      <p:pic>
+        <p:nvPicPr>
+          <p:cNvPr id="3" name="그림 2">
+            <a:extLst>
+              <a:ext uri="{FF2B5EF4-FFF2-40B4-BE49-F238E27FC236}">
+                <a16:creationId xmlns:a16="http://schemas.microsoft.com/office/drawing/2014/main" id="{56DB9FCC-E7B2-47B1-B011-76650A55863E}"/>
+              </a:ext>
+            </a:extLst>
+          </p:cNvPr>
+          <p:cNvPicPr>
+            <a:picLocks noChangeAspect="1"/>
+          </p:cNvPicPr>
+          <p:nvPr/>
+        </p:nvPicPr>
+        <p:blipFill>
+          <a:blip r:embed="rId4"/>
+          <a:stretch>
+            <a:fillRect/>
+          </a:stretch>
+        </p:blipFill>
+        <p:spPr>
+          <a:xfrm>
+            <a:off x="1222310" y="211266"/>
+            <a:ext cx="9902511" cy="6260841"/>
+          </a:xfrm>
+          <a:prstGeom prst="rect">
+            <a:avLst/>
+          </a:prstGeom>
+        </p:spPr>
+      </p:pic>
+      <p:sp>
+        <p:nvSpPr>
+          <p:cNvPr id="9" name="타원 8">
+            <a:extLst>
+              <a:ext uri="{FF2B5EF4-FFF2-40B4-BE49-F238E27FC236}">
+                <a16:creationId xmlns:a16="http://schemas.microsoft.com/office/drawing/2014/main" id="{FA44F177-C227-449A-9C6E-22CFE709CE14}"/>
+              </a:ext>
+            </a:extLst>
+          </p:cNvPr>
+          <p:cNvSpPr/>
+          <p:nvPr/>
+        </p:nvSpPr>
+        <p:spPr>
+          <a:xfrm>
+            <a:off x="2886529" y="1541099"/>
+            <a:ext cx="1528147" cy="1101012"/>
+          </a:xfrm>
+          <a:prstGeom prst="ellipse">
+            <a:avLst/>
+          </a:prstGeom>
+          <a:noFill/>
+          <a:ln w="38100">
+            <a:solidFill>
+              <a:schemeClr val="accent2"/>
+            </a:solidFill>
+          </a:ln>
+        </p:spPr>
+        <p:style>
+          <a:lnRef idx="2">
+            <a:schemeClr val="accent1">
+              <a:shade val="50000"/>
+            </a:schemeClr>
+          </a:lnRef>
+          <a:fillRef idx="1">
+            <a:schemeClr val="accent1"/>
+          </a:fillRef>
+          <a:effectRef idx="0">
+            <a:schemeClr val="accent1"/>
+          </a:effectRef>
+          <a:fontRef idx="minor">
+            <a:schemeClr val="lt1"/>
+          </a:fontRef>
+        </p:style>
+        <p:txBody>
+          <a:bodyPr rtlCol="0" anchor="ctr"/>
+          <a:lstStyle/>
+          <a:p>
+            <a:pPr algn="ctr"/>
+            <a:endParaRPr lang="ko-KR" altLang="en-US" dirty="0"/>
+          </a:p>
+        </p:txBody>
+      </p:sp>
+      <p:sp>
+        <p:nvSpPr>
+          <p:cNvPr id="12" name="타원 11">
+            <a:extLst>
+              <a:ext uri="{FF2B5EF4-FFF2-40B4-BE49-F238E27FC236}">
+                <a16:creationId xmlns:a16="http://schemas.microsoft.com/office/drawing/2014/main" id="{7997EC7F-DA73-4D57-A748-CC8A522901C2}"/>
+              </a:ext>
+            </a:extLst>
+          </p:cNvPr>
+          <p:cNvSpPr/>
+          <p:nvPr/>
+        </p:nvSpPr>
+        <p:spPr>
+          <a:xfrm>
+            <a:off x="9135188" y="2091605"/>
+            <a:ext cx="2218612" cy="1101012"/>
+          </a:xfrm>
+          <a:prstGeom prst="ellipse">
+            <a:avLst/>
+          </a:prstGeom>
+          <a:noFill/>
+          <a:ln w="38100">
+            <a:solidFill>
+              <a:schemeClr val="accent2"/>
+            </a:solidFill>
+          </a:ln>
+        </p:spPr>
+        <p:style>
+          <a:lnRef idx="2">
+            <a:schemeClr val="accent1">
+              <a:shade val="50000"/>
+            </a:schemeClr>
+          </a:lnRef>
+          <a:fillRef idx="1">
+            <a:schemeClr val="accent1"/>
+          </a:fillRef>
+          <a:effectRef idx="0">
+            <a:schemeClr val="accent1"/>
+          </a:effectRef>
+          <a:fontRef idx="minor">
+            <a:schemeClr val="lt1"/>
+          </a:fontRef>
+        </p:style>
+        <p:txBody>
+          <a:bodyPr rtlCol="0" anchor="ctr"/>
+          <a:lstStyle/>
+          <a:p>
+            <a:pPr algn="ctr"/>
+            <a:endParaRPr lang="ko-KR" altLang="en-US"/>
+          </a:p>
+        </p:txBody>
+      </p:sp>
+      <p:sp>
+        <p:nvSpPr>
+          <p:cNvPr id="10" name="직사각형 9">
+            <a:extLst>
+              <a:ext uri="{FF2B5EF4-FFF2-40B4-BE49-F238E27FC236}">
+                <a16:creationId xmlns:a16="http://schemas.microsoft.com/office/drawing/2014/main" id="{EE06E9D4-82C4-4CFA-9149-FF8581749A75}"/>
+              </a:ext>
+            </a:extLst>
+          </p:cNvPr>
+          <p:cNvSpPr/>
+          <p:nvPr/>
+        </p:nvSpPr>
+        <p:spPr>
+          <a:xfrm>
+            <a:off x="2707860" y="2724701"/>
+            <a:ext cx="3536546" cy="646331"/>
+          </a:xfrm>
+          <a:prstGeom prst="rect">
+            <a:avLst/>
+          </a:prstGeom>
+        </p:spPr>
+        <p:txBody>
+          <a:bodyPr wrap="none">
+            <a:spAutoFit/>
+          </a:bodyPr>
+          <a:lstStyle/>
+          <a:p>
+            <a:r>
+              <a:rPr lang="ko-KR" altLang="en-US" dirty="0">
+                <a:solidFill>
+                  <a:schemeClr val="accent2"/>
+                </a:solidFill>
+              </a:rPr>
+              <a:t>내가 만든 </a:t>
+            </a:r>
+            <a:r>
+              <a:rPr lang="ko-KR" altLang="en-US" dirty="0" err="1">
+                <a:solidFill>
+                  <a:schemeClr val="accent2"/>
+                </a:solidFill>
+              </a:rPr>
+              <a:t>브랜치로</a:t>
+            </a:r>
+            <a:r>
+              <a:rPr lang="ko-KR" altLang="en-US" dirty="0">
+                <a:solidFill>
+                  <a:schemeClr val="accent2"/>
+                </a:solidFill>
+              </a:rPr>
+              <a:t> 변경</a:t>
+            </a:r>
+            <a:r>
+              <a:rPr lang="en-US" altLang="ko-KR" dirty="0">
+                <a:solidFill>
+                  <a:schemeClr val="accent2"/>
+                </a:solidFill>
+              </a:rPr>
+              <a:t>!</a:t>
+            </a:r>
+          </a:p>
+          <a:p>
+            <a:r>
+              <a:rPr lang="ko-KR" altLang="en-US" dirty="0">
+                <a:solidFill>
+                  <a:schemeClr val="accent2"/>
+                </a:solidFill>
+              </a:rPr>
+              <a:t>사용자명을 추가한 이유 알겠죠</a:t>
+            </a:r>
+            <a:r>
+              <a:rPr lang="en-US" altLang="ko-KR" dirty="0">
+                <a:solidFill>
+                  <a:schemeClr val="accent2"/>
+                </a:solidFill>
+              </a:rPr>
+              <a:t>?</a:t>
+            </a:r>
+            <a:endParaRPr lang="ko-KR" altLang="en-US" dirty="0">
+              <a:solidFill>
+                <a:schemeClr val="accent2"/>
+              </a:solidFill>
+            </a:endParaRPr>
+          </a:p>
+        </p:txBody>
+      </p:sp>
+      <p:sp>
+        <p:nvSpPr>
+          <p:cNvPr id="13" name="직사각형 12">
+            <a:extLst>
+              <a:ext uri="{FF2B5EF4-FFF2-40B4-BE49-F238E27FC236}">
+                <a16:creationId xmlns:a16="http://schemas.microsoft.com/office/drawing/2014/main" id="{255F1DFD-4E36-44FF-80ED-4BB734595131}"/>
+              </a:ext>
+            </a:extLst>
+          </p:cNvPr>
+          <p:cNvSpPr/>
+          <p:nvPr/>
+        </p:nvSpPr>
+        <p:spPr>
+          <a:xfrm>
+            <a:off x="7702765" y="3313929"/>
+            <a:ext cx="2901756" cy="646331"/>
+          </a:xfrm>
+          <a:prstGeom prst="rect">
+            <a:avLst/>
+          </a:prstGeom>
+        </p:spPr>
+        <p:txBody>
+          <a:bodyPr wrap="none">
+            <a:spAutoFit/>
+          </a:bodyPr>
+          <a:lstStyle/>
+          <a:p>
+            <a:r>
+              <a:rPr lang="ko-KR" altLang="en-US" dirty="0">
+                <a:solidFill>
+                  <a:schemeClr val="accent2"/>
+                </a:solidFill>
+              </a:rPr>
+              <a:t>밑에 </a:t>
+            </a:r>
+            <a:r>
+              <a:rPr lang="ko-KR" altLang="en-US" dirty="0" err="1">
+                <a:solidFill>
+                  <a:schemeClr val="accent2"/>
+                </a:solidFill>
+              </a:rPr>
+              <a:t>커밋</a:t>
+            </a:r>
+            <a:r>
+              <a:rPr lang="ko-KR" altLang="en-US" dirty="0">
+                <a:solidFill>
+                  <a:schemeClr val="accent2"/>
+                </a:solidFill>
+              </a:rPr>
+              <a:t> 내역 한번 보고 </a:t>
+            </a:r>
+            <a:endParaRPr lang="en-US" altLang="ko-KR" dirty="0">
+              <a:solidFill>
+                <a:schemeClr val="accent2"/>
+              </a:solidFill>
+            </a:endParaRPr>
+          </a:p>
+          <a:p>
+            <a:r>
+              <a:rPr lang="en-US" altLang="ko-KR" dirty="0">
+                <a:solidFill>
+                  <a:schemeClr val="accent2"/>
+                </a:solidFill>
+              </a:rPr>
+              <a:t>Create pull request!!</a:t>
+            </a:r>
+            <a:endParaRPr lang="ko-KR" altLang="en-US" dirty="0">
+              <a:solidFill>
+                <a:schemeClr val="accent2"/>
+              </a:solidFill>
+            </a:endParaRPr>
+          </a:p>
+        </p:txBody>
+      </p:sp>
+      <p:sp>
+        <p:nvSpPr>
+          <p:cNvPr id="14" name="타원 13">
+            <a:extLst>
+              <a:ext uri="{FF2B5EF4-FFF2-40B4-BE49-F238E27FC236}">
+                <a16:creationId xmlns:a16="http://schemas.microsoft.com/office/drawing/2014/main" id="{07E2D3D4-FBC9-4830-8657-6C6F7D36C56E}"/>
+              </a:ext>
+            </a:extLst>
+          </p:cNvPr>
+          <p:cNvSpPr/>
+          <p:nvPr/>
+        </p:nvSpPr>
+        <p:spPr>
+          <a:xfrm>
+            <a:off x="4662159" y="1750464"/>
+            <a:ext cx="897074" cy="646331"/>
+          </a:xfrm>
+          <a:prstGeom prst="ellipse">
+            <a:avLst/>
+          </a:prstGeom>
+          <a:noFill/>
+          <a:ln w="38100">
+            <a:solidFill>
+              <a:schemeClr val="accent2"/>
+            </a:solidFill>
+          </a:ln>
+        </p:spPr>
+        <p:style>
+          <a:lnRef idx="2">
+            <a:schemeClr val="accent1">
+              <a:shade val="50000"/>
+            </a:schemeClr>
+          </a:lnRef>
+          <a:fillRef idx="1">
+            <a:schemeClr val="accent1"/>
+          </a:fillRef>
+          <a:effectRef idx="0">
+            <a:schemeClr val="accent1"/>
+          </a:effectRef>
+          <a:fontRef idx="minor">
+            <a:schemeClr val="lt1"/>
+          </a:fontRef>
+        </p:style>
+        <p:txBody>
+          <a:bodyPr rtlCol="0" anchor="ctr"/>
+          <a:lstStyle/>
+          <a:p>
+            <a:pPr algn="ctr"/>
+            <a:endParaRPr lang="ko-KR" altLang="en-US" dirty="0"/>
+          </a:p>
+        </p:txBody>
+      </p:sp>
+      <p:sp>
+        <p:nvSpPr>
+          <p:cNvPr id="15" name="직사각형 14">
+            <a:extLst>
+              <a:ext uri="{FF2B5EF4-FFF2-40B4-BE49-F238E27FC236}">
+                <a16:creationId xmlns:a16="http://schemas.microsoft.com/office/drawing/2014/main" id="{D4994A82-D7C9-450B-8A4B-1F9F495CB343}"/>
+              </a:ext>
+            </a:extLst>
+          </p:cNvPr>
+          <p:cNvSpPr/>
+          <p:nvPr/>
+        </p:nvSpPr>
+        <p:spPr>
+          <a:xfrm>
+            <a:off x="4478178" y="1017629"/>
+            <a:ext cx="5500224" cy="646331"/>
+          </a:xfrm>
+          <a:prstGeom prst="rect">
+            <a:avLst/>
+          </a:prstGeom>
+        </p:spPr>
+        <p:txBody>
+          <a:bodyPr wrap="none">
+            <a:spAutoFit/>
+          </a:bodyPr>
+          <a:lstStyle/>
+          <a:p>
+            <a:r>
+              <a:rPr lang="en-US" altLang="ko-KR" dirty="0">
+                <a:solidFill>
+                  <a:schemeClr val="accent2"/>
+                </a:solidFill>
+              </a:rPr>
+              <a:t>Able</a:t>
+            </a:r>
+            <a:r>
+              <a:rPr lang="ko-KR" altLang="en-US" dirty="0">
+                <a:solidFill>
+                  <a:schemeClr val="accent2"/>
+                </a:solidFill>
+              </a:rPr>
+              <a:t> </a:t>
+            </a:r>
+            <a:r>
+              <a:rPr lang="en-US" altLang="ko-KR" dirty="0">
+                <a:solidFill>
+                  <a:schemeClr val="accent2"/>
+                </a:solidFill>
+              </a:rPr>
+              <a:t>to</a:t>
+            </a:r>
+            <a:r>
+              <a:rPr lang="ko-KR" altLang="en-US" dirty="0">
+                <a:solidFill>
+                  <a:schemeClr val="accent2"/>
+                </a:solidFill>
+              </a:rPr>
+              <a:t> </a:t>
+            </a:r>
+            <a:r>
+              <a:rPr lang="en-US" altLang="ko-KR" dirty="0">
+                <a:solidFill>
+                  <a:schemeClr val="accent2"/>
+                </a:solidFill>
+              </a:rPr>
+              <a:t>merge</a:t>
+            </a:r>
+            <a:r>
+              <a:rPr lang="ko-KR" altLang="en-US" dirty="0">
+                <a:solidFill>
+                  <a:schemeClr val="accent2"/>
+                </a:solidFill>
+              </a:rPr>
+              <a:t>가 안 뜨면</a:t>
+            </a:r>
+            <a:r>
+              <a:rPr lang="en-US" altLang="ko-KR" dirty="0">
+                <a:solidFill>
+                  <a:schemeClr val="accent2"/>
+                </a:solidFill>
+              </a:rPr>
+              <a:t>?</a:t>
+            </a:r>
+          </a:p>
+          <a:p>
+            <a:r>
+              <a:rPr lang="en-US" altLang="ko-KR" dirty="0">
+                <a:solidFill>
+                  <a:schemeClr val="accent2"/>
+                </a:solidFill>
+              </a:rPr>
+              <a:t>main</a:t>
+            </a:r>
+            <a:r>
+              <a:rPr lang="ko-KR" altLang="en-US" dirty="0">
+                <a:solidFill>
+                  <a:schemeClr val="accent2"/>
+                </a:solidFill>
+              </a:rPr>
+              <a:t>과 병합 시 문제가 발생하는 코드가 있다는 것</a:t>
+            </a:r>
+            <a:r>
+              <a:rPr lang="en-US" altLang="ko-KR" dirty="0">
+                <a:solidFill>
+                  <a:schemeClr val="accent2"/>
+                </a:solidFill>
+              </a:rPr>
+              <a:t>!</a:t>
+            </a:r>
+            <a:endParaRPr lang="ko-KR" altLang="en-US" dirty="0">
+              <a:solidFill>
+                <a:schemeClr val="accent2"/>
+              </a:solidFill>
+            </a:endParaRPr>
+          </a:p>
+        </p:txBody>
+      </p:sp>
+    </p:spTree>
+    <p:extLst>
+      <p:ext uri="{BB962C8B-B14F-4D97-AF65-F5344CB8AC3E}">
+        <p14:creationId xmlns:p14="http://schemas.microsoft.com/office/powerpoint/2010/main" val="67233682"/>
+      </p:ext>
+    </p:extLst>
+  </p:cSld>
+  <p:clrMapOvr>
+    <a:masterClrMapping/>
+  </p:clrMapOvr>
+</p:sld>
+</file>
+
+<file path=ppt/slides/slide16.xml><?xml version="1.0" encoding="utf-8"?>
+<p:sld xmlns:a="http://schemas.openxmlformats.org/drawingml/2006/main" xmlns:r="http://schemas.openxmlformats.org/officeDocument/2006/relationships" xmlns:p="http://schemas.openxmlformats.org/presentationml/2006/main">
+  <p:cSld>
+    <p:spTree>
+      <p:nvGrpSpPr>
+        <p:cNvPr id="1" name=""/>
+        <p:cNvGrpSpPr/>
+        <p:nvPr/>
+      </p:nvGrpSpPr>
+      <p:grpSpPr>
+        <a:xfrm>
+          <a:off x="0" y="0"/>
+          <a:ext cx="0" cy="0"/>
+          <a:chOff x="0" y="0"/>
+          <a:chExt cx="0" cy="0"/>
+        </a:xfrm>
+      </p:grpSpPr>
+      <p:sp>
+        <p:nvSpPr>
+          <p:cNvPr id="6" name="사각형: 둥근 모서리 5">
+            <a:extLst>
+              <a:ext uri="{FF2B5EF4-FFF2-40B4-BE49-F238E27FC236}">
+                <a16:creationId xmlns:a16="http://schemas.microsoft.com/office/drawing/2014/main" id="{D521D6A5-D17A-4D08-BB10-BC0BB5A5AE3E}"/>
+              </a:ext>
+            </a:extLst>
+          </p:cNvPr>
+          <p:cNvSpPr/>
+          <p:nvPr/>
+        </p:nvSpPr>
+        <p:spPr>
+          <a:xfrm>
+            <a:off x="177282" y="83084"/>
+            <a:ext cx="11837436" cy="1046813"/>
+          </a:xfrm>
+          <a:prstGeom prst="roundRect">
+            <a:avLst>
+              <a:gd name="adj" fmla="val 50000"/>
+            </a:avLst>
+          </a:prstGeom>
+          <a:gradFill>
+            <a:gsLst>
+              <a:gs pos="0">
+                <a:srgbClr val="50829B"/>
+              </a:gs>
+              <a:gs pos="100000">
+                <a:srgbClr val="6C94B0"/>
+              </a:gs>
+            </a:gsLst>
+            <a:lin ang="0" scaled="1"/>
+          </a:gradFill>
+          <a:ln>
+            <a:noFill/>
+          </a:ln>
+        </p:spPr>
+        <p:style>
+          <a:lnRef idx="2">
+            <a:schemeClr val="accent1">
+              <a:shade val="50000"/>
+            </a:schemeClr>
+          </a:lnRef>
+          <a:fillRef idx="1">
+            <a:schemeClr val="accent1"/>
+          </a:fillRef>
+          <a:effectRef idx="0">
+            <a:schemeClr val="accent1"/>
+          </a:effectRef>
+          <a:fontRef idx="minor">
+            <a:schemeClr val="lt1"/>
+          </a:fontRef>
+        </p:style>
+        <p:txBody>
+          <a:bodyPr rtlCol="0" anchor="ctr"/>
+          <a:lstStyle/>
+          <a:p>
+            <a:pPr algn="ctr"/>
+            <a:r>
+              <a:rPr lang="en-US" altLang="ko-KR" sz="4800" dirty="0"/>
+              <a:t>AI </a:t>
+            </a:r>
+            <a:r>
+              <a:rPr lang="ko-KR" altLang="en-US" sz="4800" dirty="0"/>
+              <a:t>그룹활동에 필요한 내용만</a:t>
+            </a:r>
+            <a:r>
+              <a:rPr lang="en-US" altLang="ko-KR" sz="4800" dirty="0"/>
+              <a:t>!</a:t>
+            </a:r>
+            <a:endParaRPr lang="ko-KR" altLang="en-US" sz="4800" dirty="0"/>
+          </a:p>
+        </p:txBody>
+      </p:sp>
+      <p:pic>
+        <p:nvPicPr>
+          <p:cNvPr id="5" name="내용 개체 틀 4">
+            <a:extLst>
+              <a:ext uri="{FF2B5EF4-FFF2-40B4-BE49-F238E27FC236}">
+                <a16:creationId xmlns:a16="http://schemas.microsoft.com/office/drawing/2014/main" id="{6093D086-2475-4361-85E1-FB4E78D43938}"/>
+              </a:ext>
+            </a:extLst>
+          </p:cNvPr>
+          <p:cNvPicPr>
+            <a:picLocks noGrp="1" noChangeAspect="1"/>
+          </p:cNvPicPr>
+          <p:nvPr>
+            <p:ph idx="1"/>
+          </p:nvPr>
+        </p:nvPicPr>
+        <p:blipFill>
+          <a:blip r:embed="rId2">
+            <a:extLst>
+              <a:ext uri="{28A0092B-C50C-407E-A947-70E740481C1C}">
+                <a14:useLocalDpi xmlns:a14="http://schemas.microsoft.com/office/drawing/2010/main" val="0"/>
+              </a:ext>
+            </a:extLst>
+          </a:blip>
+          <a:stretch>
+            <a:fillRect/>
+          </a:stretch>
+        </p:blipFill>
+        <p:spPr>
+          <a:xfrm>
+            <a:off x="177282" y="83083"/>
+            <a:ext cx="1045028" cy="1046814"/>
+          </a:xfrm>
+        </p:spPr>
+      </p:pic>
+      <p:pic>
+        <p:nvPicPr>
+          <p:cNvPr id="7" name="그림 6">
+            <a:extLst>
+              <a:ext uri="{FF2B5EF4-FFF2-40B4-BE49-F238E27FC236}">
+                <a16:creationId xmlns:a16="http://schemas.microsoft.com/office/drawing/2014/main" id="{DDC6EA06-E610-434E-89BF-1E4B0D6D167A}"/>
+              </a:ext>
+            </a:extLst>
+          </p:cNvPr>
+          <p:cNvPicPr>
+            <a:picLocks noChangeAspect="1"/>
+          </p:cNvPicPr>
+          <p:nvPr/>
+        </p:nvPicPr>
+        <p:blipFill>
+          <a:blip r:embed="rId3">
+            <a:extLst>
+              <a:ext uri="{28A0092B-C50C-407E-A947-70E740481C1C}">
+                <a14:useLocalDpi xmlns:a14="http://schemas.microsoft.com/office/drawing/2010/main" val="0"/>
+              </a:ext>
+            </a:extLst>
+          </a:blip>
+          <a:stretch>
+            <a:fillRect/>
+          </a:stretch>
+        </p:blipFill>
+        <p:spPr>
+          <a:xfrm>
+            <a:off x="5323347" y="6169298"/>
+            <a:ext cx="1545305" cy="605618"/>
+          </a:xfrm>
+          <a:prstGeom prst="rect">
+            <a:avLst/>
+          </a:prstGeom>
+        </p:spPr>
+      </p:pic>
+      <p:sp>
+        <p:nvSpPr>
+          <p:cNvPr id="8" name="슬라이드 번호 개체 틀 7">
+            <a:extLst>
+              <a:ext uri="{FF2B5EF4-FFF2-40B4-BE49-F238E27FC236}">
+                <a16:creationId xmlns:a16="http://schemas.microsoft.com/office/drawing/2014/main" id="{6E636F46-9B56-422B-B692-D9B59A622A4E}"/>
+              </a:ext>
+            </a:extLst>
+          </p:cNvPr>
+          <p:cNvSpPr>
+            <a:spLocks noGrp="1"/>
+          </p:cNvSpPr>
+          <p:nvPr>
+            <p:ph type="sldNum" sz="quarter" idx="12"/>
+          </p:nvPr>
+        </p:nvSpPr>
+        <p:spPr/>
+        <p:txBody>
+          <a:bodyPr/>
+          <a:lstStyle/>
+          <a:p>
+            <a:fld id="{A0C7D16C-659C-4003-998D-57A8F0509094}" type="slidenum">
+              <a:rPr lang="ko-KR" altLang="en-US" smtClean="0"/>
+              <a:t>16</a:t>
+            </a:fld>
+            <a:endParaRPr lang="ko-KR" altLang="en-US"/>
+          </a:p>
+        </p:txBody>
+      </p:sp>
+      <p:sp>
+        <p:nvSpPr>
+          <p:cNvPr id="9" name="TextBox 8">
+            <a:extLst>
+              <a:ext uri="{FF2B5EF4-FFF2-40B4-BE49-F238E27FC236}">
+                <a16:creationId xmlns:a16="http://schemas.microsoft.com/office/drawing/2014/main" id="{DDA03481-7563-48A4-BFD0-2FE78E38B0E3}"/>
+              </a:ext>
+            </a:extLst>
+          </p:cNvPr>
+          <p:cNvSpPr txBox="1"/>
+          <p:nvPr/>
+        </p:nvSpPr>
+        <p:spPr>
+          <a:xfrm>
+            <a:off x="699796" y="1504747"/>
+            <a:ext cx="10654004" cy="369332"/>
+          </a:xfrm>
+          <a:prstGeom prst="rect">
+            <a:avLst/>
+          </a:prstGeom>
+          <a:noFill/>
+        </p:spPr>
+        <p:txBody>
+          <a:bodyPr wrap="square" rtlCol="0">
+            <a:spAutoFit/>
+          </a:bodyPr>
+          <a:lstStyle/>
+          <a:p>
+            <a:r>
+              <a:rPr lang="en-US" altLang="ko-KR" dirty="0"/>
+              <a:t>5. Pull Request</a:t>
+            </a:r>
+          </a:p>
+        </p:txBody>
+      </p:sp>
+      <p:pic>
+        <p:nvPicPr>
+          <p:cNvPr id="3" name="그림 2">
+            <a:extLst>
+              <a:ext uri="{FF2B5EF4-FFF2-40B4-BE49-F238E27FC236}">
+                <a16:creationId xmlns:a16="http://schemas.microsoft.com/office/drawing/2014/main" id="{1899F8D8-DEF7-4225-81E9-4C3AC9BF9668}"/>
+              </a:ext>
+            </a:extLst>
+          </p:cNvPr>
+          <p:cNvPicPr>
+            <a:picLocks noChangeAspect="1"/>
+          </p:cNvPicPr>
+          <p:nvPr/>
+        </p:nvPicPr>
+        <p:blipFill>
+          <a:blip r:embed="rId4"/>
+          <a:stretch>
+            <a:fillRect/>
+          </a:stretch>
+        </p:blipFill>
+        <p:spPr>
+          <a:xfrm>
+            <a:off x="1580519" y="466311"/>
+            <a:ext cx="9030960" cy="5925377"/>
+          </a:xfrm>
+          <a:prstGeom prst="rect">
+            <a:avLst/>
+          </a:prstGeom>
+        </p:spPr>
+      </p:pic>
+      <p:sp>
+        <p:nvSpPr>
+          <p:cNvPr id="11" name="타원 10">
+            <a:extLst>
+              <a:ext uri="{FF2B5EF4-FFF2-40B4-BE49-F238E27FC236}">
+                <a16:creationId xmlns:a16="http://schemas.microsoft.com/office/drawing/2014/main" id="{245D11E3-0894-4334-A0C1-CD97DDE7101A}"/>
+              </a:ext>
+            </a:extLst>
+          </p:cNvPr>
+          <p:cNvSpPr/>
+          <p:nvPr/>
+        </p:nvSpPr>
+        <p:spPr>
+          <a:xfrm>
+            <a:off x="8326276" y="4802747"/>
+            <a:ext cx="2012042" cy="1101012"/>
+          </a:xfrm>
+          <a:prstGeom prst="ellipse">
+            <a:avLst/>
+          </a:prstGeom>
+          <a:noFill/>
+          <a:ln w="38100">
+            <a:solidFill>
+              <a:schemeClr val="accent2"/>
+            </a:solidFill>
+          </a:ln>
+        </p:spPr>
+        <p:style>
+          <a:lnRef idx="2">
+            <a:schemeClr val="accent1">
+              <a:shade val="50000"/>
+            </a:schemeClr>
+          </a:lnRef>
+          <a:fillRef idx="1">
+            <a:schemeClr val="accent1"/>
+          </a:fillRef>
+          <a:effectRef idx="0">
+            <a:schemeClr val="accent1"/>
+          </a:effectRef>
+          <a:fontRef idx="minor">
+            <a:schemeClr val="lt1"/>
+          </a:fontRef>
+        </p:style>
+        <p:txBody>
+          <a:bodyPr rtlCol="0" anchor="ctr"/>
+          <a:lstStyle/>
+          <a:p>
+            <a:pPr algn="ctr"/>
+            <a:endParaRPr lang="ko-KR" altLang="en-US" dirty="0"/>
+          </a:p>
+        </p:txBody>
+      </p:sp>
+      <p:sp>
+        <p:nvSpPr>
+          <p:cNvPr id="12" name="타원 11">
+            <a:extLst>
+              <a:ext uri="{FF2B5EF4-FFF2-40B4-BE49-F238E27FC236}">
+                <a16:creationId xmlns:a16="http://schemas.microsoft.com/office/drawing/2014/main" id="{9CED7D48-2775-4855-A27F-9A8D1B15E425}"/>
+              </a:ext>
+            </a:extLst>
+          </p:cNvPr>
+          <p:cNvSpPr/>
+          <p:nvPr/>
+        </p:nvSpPr>
+        <p:spPr>
+          <a:xfrm>
+            <a:off x="2317361" y="1799434"/>
+            <a:ext cx="3542263" cy="731680"/>
+          </a:xfrm>
+          <a:prstGeom prst="ellipse">
+            <a:avLst/>
+          </a:prstGeom>
+          <a:noFill/>
+          <a:ln w="38100">
+            <a:solidFill>
+              <a:schemeClr val="accent2"/>
+            </a:solidFill>
+          </a:ln>
+        </p:spPr>
+        <p:style>
+          <a:lnRef idx="2">
+            <a:schemeClr val="accent1">
+              <a:shade val="50000"/>
+            </a:schemeClr>
+          </a:lnRef>
+          <a:fillRef idx="1">
+            <a:schemeClr val="accent1"/>
+          </a:fillRef>
+          <a:effectRef idx="0">
+            <a:schemeClr val="accent1"/>
+          </a:effectRef>
+          <a:fontRef idx="minor">
+            <a:schemeClr val="lt1"/>
+          </a:fontRef>
+        </p:style>
+        <p:txBody>
+          <a:bodyPr rtlCol="0" anchor="ctr"/>
+          <a:lstStyle/>
+          <a:p>
+            <a:pPr algn="ctr"/>
+            <a:endParaRPr lang="ko-KR" altLang="en-US" dirty="0"/>
+          </a:p>
+        </p:txBody>
+      </p:sp>
+      <p:sp>
+        <p:nvSpPr>
+          <p:cNvPr id="13" name="타원 12">
+            <a:extLst>
+              <a:ext uri="{FF2B5EF4-FFF2-40B4-BE49-F238E27FC236}">
+                <a16:creationId xmlns:a16="http://schemas.microsoft.com/office/drawing/2014/main" id="{246E33FF-0BCB-4FFF-BEE8-E8011A80D266}"/>
+              </a:ext>
+            </a:extLst>
+          </p:cNvPr>
+          <p:cNvSpPr/>
+          <p:nvPr/>
+        </p:nvSpPr>
+        <p:spPr>
+          <a:xfrm>
+            <a:off x="2429329" y="2706846"/>
+            <a:ext cx="1965390" cy="731680"/>
+          </a:xfrm>
+          <a:prstGeom prst="ellipse">
+            <a:avLst/>
+          </a:prstGeom>
+          <a:noFill/>
+          <a:ln w="38100">
+            <a:solidFill>
+              <a:schemeClr val="accent2"/>
+            </a:solidFill>
+          </a:ln>
+        </p:spPr>
+        <p:style>
+          <a:lnRef idx="2">
+            <a:schemeClr val="accent1">
+              <a:shade val="50000"/>
+            </a:schemeClr>
+          </a:lnRef>
+          <a:fillRef idx="1">
+            <a:schemeClr val="accent1"/>
+          </a:fillRef>
+          <a:effectRef idx="0">
+            <a:schemeClr val="accent1"/>
+          </a:effectRef>
+          <a:fontRef idx="minor">
+            <a:schemeClr val="lt1"/>
+          </a:fontRef>
+        </p:style>
+        <p:txBody>
+          <a:bodyPr rtlCol="0" anchor="ctr"/>
+          <a:lstStyle/>
+          <a:p>
+            <a:pPr algn="ctr"/>
+            <a:endParaRPr lang="ko-KR" altLang="en-US" dirty="0"/>
+          </a:p>
+        </p:txBody>
+      </p:sp>
+    </p:spTree>
+    <p:extLst>
+      <p:ext uri="{BB962C8B-B14F-4D97-AF65-F5344CB8AC3E}">
+        <p14:creationId xmlns:p14="http://schemas.microsoft.com/office/powerpoint/2010/main" val="3846260172"/>
+      </p:ext>
+    </p:extLst>
+  </p:cSld>
+  <p:clrMapOvr>
+    <a:masterClrMapping/>
+  </p:clrMapOvr>
+</p:sld>
+</file>
+
+<file path=ppt/slides/slide17.xml><?xml version="1.0" encoding="utf-8"?>
+<p:sld xmlns:a="http://schemas.openxmlformats.org/drawingml/2006/main" xmlns:r="http://schemas.openxmlformats.org/officeDocument/2006/relationships" xmlns:p="http://schemas.openxmlformats.org/presentationml/2006/main">
+  <p:cSld>
+    <p:spTree>
+      <p:nvGrpSpPr>
+        <p:cNvPr id="1" name=""/>
+        <p:cNvGrpSpPr/>
+        <p:nvPr/>
+      </p:nvGrpSpPr>
+      <p:grpSpPr>
+        <a:xfrm>
+          <a:off x="0" y="0"/>
+          <a:ext cx="0" cy="0"/>
+          <a:chOff x="0" y="0"/>
+          <a:chExt cx="0" cy="0"/>
+        </a:xfrm>
+      </p:grpSpPr>
+      <p:sp>
+        <p:nvSpPr>
+          <p:cNvPr id="6" name="사각형: 둥근 모서리 5">
+            <a:extLst>
+              <a:ext uri="{FF2B5EF4-FFF2-40B4-BE49-F238E27FC236}">
+                <a16:creationId xmlns:a16="http://schemas.microsoft.com/office/drawing/2014/main" id="{D521D6A5-D17A-4D08-BB10-BC0BB5A5AE3E}"/>
+              </a:ext>
+            </a:extLst>
+          </p:cNvPr>
+          <p:cNvSpPr/>
+          <p:nvPr/>
+        </p:nvSpPr>
+        <p:spPr>
+          <a:xfrm>
+            <a:off x="177282" y="83084"/>
+            <a:ext cx="11837436" cy="1046813"/>
+          </a:xfrm>
+          <a:prstGeom prst="roundRect">
+            <a:avLst>
+              <a:gd name="adj" fmla="val 50000"/>
+            </a:avLst>
+          </a:prstGeom>
+          <a:gradFill>
+            <a:gsLst>
+              <a:gs pos="0">
+                <a:srgbClr val="50829B"/>
+              </a:gs>
+              <a:gs pos="100000">
+                <a:srgbClr val="6C94B0"/>
+              </a:gs>
+            </a:gsLst>
+            <a:lin ang="0" scaled="1"/>
+          </a:gradFill>
+          <a:ln>
+            <a:noFill/>
+          </a:ln>
+        </p:spPr>
+        <p:style>
+          <a:lnRef idx="2">
+            <a:schemeClr val="accent1">
+              <a:shade val="50000"/>
+            </a:schemeClr>
+          </a:lnRef>
+          <a:fillRef idx="1">
+            <a:schemeClr val="accent1"/>
+          </a:fillRef>
+          <a:effectRef idx="0">
+            <a:schemeClr val="accent1"/>
+          </a:effectRef>
+          <a:fontRef idx="minor">
+            <a:schemeClr val="lt1"/>
+          </a:fontRef>
+        </p:style>
+        <p:txBody>
+          <a:bodyPr rtlCol="0" anchor="ctr"/>
+          <a:lstStyle/>
+          <a:p>
+            <a:pPr algn="ctr"/>
+            <a:r>
+              <a:rPr lang="en-US" altLang="ko-KR" sz="4800" dirty="0"/>
+              <a:t>AI </a:t>
+            </a:r>
+            <a:r>
+              <a:rPr lang="ko-KR" altLang="en-US" sz="4800" dirty="0"/>
+              <a:t>그룹활동에 필요한 내용만</a:t>
+            </a:r>
+            <a:r>
+              <a:rPr lang="en-US" altLang="ko-KR" sz="4800" dirty="0"/>
+              <a:t>!</a:t>
+            </a:r>
+            <a:endParaRPr lang="ko-KR" altLang="en-US" sz="4800" dirty="0"/>
+          </a:p>
+        </p:txBody>
+      </p:sp>
+      <p:pic>
+        <p:nvPicPr>
+          <p:cNvPr id="5" name="내용 개체 틀 4">
+            <a:extLst>
+              <a:ext uri="{FF2B5EF4-FFF2-40B4-BE49-F238E27FC236}">
+                <a16:creationId xmlns:a16="http://schemas.microsoft.com/office/drawing/2014/main" id="{6093D086-2475-4361-85E1-FB4E78D43938}"/>
+              </a:ext>
+            </a:extLst>
+          </p:cNvPr>
+          <p:cNvPicPr>
+            <a:picLocks noGrp="1" noChangeAspect="1"/>
+          </p:cNvPicPr>
+          <p:nvPr>
+            <p:ph idx="1"/>
+          </p:nvPr>
+        </p:nvPicPr>
+        <p:blipFill>
+          <a:blip r:embed="rId2">
+            <a:extLst>
+              <a:ext uri="{28A0092B-C50C-407E-A947-70E740481C1C}">
+                <a14:useLocalDpi xmlns:a14="http://schemas.microsoft.com/office/drawing/2010/main" val="0"/>
+              </a:ext>
+            </a:extLst>
+          </a:blip>
+          <a:stretch>
+            <a:fillRect/>
+          </a:stretch>
+        </p:blipFill>
+        <p:spPr>
+          <a:xfrm>
+            <a:off x="177282" y="83083"/>
+            <a:ext cx="1045028" cy="1046814"/>
+          </a:xfrm>
+        </p:spPr>
+      </p:pic>
+      <p:pic>
+        <p:nvPicPr>
+          <p:cNvPr id="7" name="그림 6">
+            <a:extLst>
+              <a:ext uri="{FF2B5EF4-FFF2-40B4-BE49-F238E27FC236}">
+                <a16:creationId xmlns:a16="http://schemas.microsoft.com/office/drawing/2014/main" id="{DDC6EA06-E610-434E-89BF-1E4B0D6D167A}"/>
+              </a:ext>
+            </a:extLst>
+          </p:cNvPr>
+          <p:cNvPicPr>
+            <a:picLocks noChangeAspect="1"/>
+          </p:cNvPicPr>
+          <p:nvPr/>
+        </p:nvPicPr>
+        <p:blipFill>
+          <a:blip r:embed="rId3">
+            <a:extLst>
+              <a:ext uri="{28A0092B-C50C-407E-A947-70E740481C1C}">
+                <a14:useLocalDpi xmlns:a14="http://schemas.microsoft.com/office/drawing/2010/main" val="0"/>
+              </a:ext>
+            </a:extLst>
+          </a:blip>
+          <a:stretch>
+            <a:fillRect/>
+          </a:stretch>
+        </p:blipFill>
+        <p:spPr>
+          <a:xfrm>
+            <a:off x="5323347" y="6169298"/>
+            <a:ext cx="1545305" cy="605618"/>
+          </a:xfrm>
+          <a:prstGeom prst="rect">
+            <a:avLst/>
+          </a:prstGeom>
+        </p:spPr>
+      </p:pic>
+      <p:sp>
+        <p:nvSpPr>
+          <p:cNvPr id="8" name="슬라이드 번호 개체 틀 7">
+            <a:extLst>
+              <a:ext uri="{FF2B5EF4-FFF2-40B4-BE49-F238E27FC236}">
+                <a16:creationId xmlns:a16="http://schemas.microsoft.com/office/drawing/2014/main" id="{6E636F46-9B56-422B-B692-D9B59A622A4E}"/>
+              </a:ext>
+            </a:extLst>
+          </p:cNvPr>
+          <p:cNvSpPr>
+            <a:spLocks noGrp="1"/>
+          </p:cNvSpPr>
+          <p:nvPr>
+            <p:ph type="sldNum" sz="quarter" idx="12"/>
+          </p:nvPr>
+        </p:nvSpPr>
+        <p:spPr/>
+        <p:txBody>
+          <a:bodyPr/>
+          <a:lstStyle/>
+          <a:p>
+            <a:fld id="{A0C7D16C-659C-4003-998D-57A8F0509094}" type="slidenum">
+              <a:rPr lang="ko-KR" altLang="en-US" smtClean="0"/>
+              <a:t>17</a:t>
+            </a:fld>
+            <a:endParaRPr lang="ko-KR" altLang="en-US"/>
+          </a:p>
+        </p:txBody>
+      </p:sp>
+      <p:sp>
+        <p:nvSpPr>
+          <p:cNvPr id="9" name="TextBox 8">
+            <a:extLst>
+              <a:ext uri="{FF2B5EF4-FFF2-40B4-BE49-F238E27FC236}">
+                <a16:creationId xmlns:a16="http://schemas.microsoft.com/office/drawing/2014/main" id="{DDA03481-7563-48A4-BFD0-2FE78E38B0E3}"/>
+              </a:ext>
+            </a:extLst>
+          </p:cNvPr>
+          <p:cNvSpPr txBox="1"/>
+          <p:nvPr/>
+        </p:nvSpPr>
+        <p:spPr>
+          <a:xfrm>
+            <a:off x="699796" y="1504747"/>
+            <a:ext cx="10654004" cy="369332"/>
+          </a:xfrm>
+          <a:prstGeom prst="rect">
+            <a:avLst/>
+          </a:prstGeom>
+          <a:noFill/>
+        </p:spPr>
+        <p:txBody>
+          <a:bodyPr wrap="square" rtlCol="0">
+            <a:spAutoFit/>
+          </a:bodyPr>
+          <a:lstStyle/>
+          <a:p>
+            <a:r>
+              <a:rPr lang="en-US" altLang="ko-KR" dirty="0"/>
+              <a:t>5. Pull Request</a:t>
+            </a:r>
+          </a:p>
+        </p:txBody>
+      </p:sp>
+      <p:pic>
+        <p:nvPicPr>
+          <p:cNvPr id="2" name="그림 1">
+            <a:extLst>
+              <a:ext uri="{FF2B5EF4-FFF2-40B4-BE49-F238E27FC236}">
+                <a16:creationId xmlns:a16="http://schemas.microsoft.com/office/drawing/2014/main" id="{A08BC61E-8A0A-462B-ABCB-30FB3A99CFE9}"/>
+              </a:ext>
+            </a:extLst>
+          </p:cNvPr>
+          <p:cNvPicPr>
+            <a:picLocks noChangeAspect="1"/>
+          </p:cNvPicPr>
+          <p:nvPr/>
+        </p:nvPicPr>
+        <p:blipFill>
+          <a:blip r:embed="rId4"/>
+          <a:stretch>
+            <a:fillRect/>
+          </a:stretch>
+        </p:blipFill>
+        <p:spPr>
+          <a:xfrm>
+            <a:off x="4404048" y="1555101"/>
+            <a:ext cx="6676181" cy="4376045"/>
+          </a:xfrm>
+          <a:prstGeom prst="rect">
+            <a:avLst/>
+          </a:prstGeom>
+        </p:spPr>
+      </p:pic>
+      <p:sp>
+        <p:nvSpPr>
+          <p:cNvPr id="10" name="직사각형 9">
+            <a:extLst>
+              <a:ext uri="{FF2B5EF4-FFF2-40B4-BE49-F238E27FC236}">
+                <a16:creationId xmlns:a16="http://schemas.microsoft.com/office/drawing/2014/main" id="{49937057-7846-475B-8D1D-11E9EA46AE97}"/>
+              </a:ext>
+            </a:extLst>
+          </p:cNvPr>
+          <p:cNvSpPr/>
+          <p:nvPr/>
+        </p:nvSpPr>
+        <p:spPr>
+          <a:xfrm>
+            <a:off x="699796" y="2170703"/>
+            <a:ext cx="2761861" cy="2862322"/>
+          </a:xfrm>
+          <a:prstGeom prst="rect">
+            <a:avLst/>
+          </a:prstGeom>
+        </p:spPr>
+        <p:txBody>
+          <a:bodyPr wrap="square">
+            <a:spAutoFit/>
+          </a:bodyPr>
+          <a:lstStyle/>
+          <a:p>
+            <a:r>
+              <a:rPr lang="ko-KR" altLang="en-US" dirty="0"/>
+              <a:t>이제</a:t>
+            </a:r>
+            <a:r>
+              <a:rPr lang="en-US" altLang="ko-KR" dirty="0"/>
+              <a:t>, </a:t>
+            </a:r>
+            <a:r>
+              <a:rPr lang="ko-KR" altLang="en-US" dirty="0"/>
+              <a:t>누군가 코드를 리뷰하고 병합을 수락하면 끝나요</a:t>
+            </a:r>
+            <a:r>
+              <a:rPr lang="en-US" altLang="ko-KR" dirty="0"/>
+              <a:t>. </a:t>
+            </a:r>
+            <a:r>
+              <a:rPr lang="ko-KR" altLang="en-US" dirty="0"/>
+              <a:t>이제 기다리기만 하면 됩니다</a:t>
+            </a:r>
+            <a:r>
+              <a:rPr lang="en-US" altLang="ko-KR" dirty="0"/>
+              <a:t>.</a:t>
+            </a:r>
+          </a:p>
+          <a:p>
+            <a:endParaRPr lang="en-US" altLang="ko-KR" dirty="0"/>
+          </a:p>
+          <a:p>
+            <a:r>
+              <a:rPr lang="ko-KR" altLang="en-US" dirty="0"/>
+              <a:t>코드 리뷰를 하는 대상</a:t>
+            </a:r>
+            <a:r>
+              <a:rPr lang="en-US" altLang="ko-KR" dirty="0"/>
+              <a:t>, </a:t>
+            </a:r>
+            <a:r>
+              <a:rPr lang="ko-KR" altLang="en-US" dirty="0"/>
+              <a:t>병합을 하는 대상은 물론 여기서 저</a:t>
+            </a:r>
+            <a:r>
+              <a:rPr lang="en-US" altLang="ko-KR" dirty="0"/>
+              <a:t>(</a:t>
+            </a:r>
+            <a:r>
+              <a:rPr lang="ko-KR" altLang="en-US" dirty="0" err="1"/>
+              <a:t>그룹장</a:t>
+            </a:r>
+            <a:r>
+              <a:rPr lang="en-US" altLang="ko-KR" dirty="0"/>
+              <a:t>)</a:t>
+            </a:r>
+            <a:r>
+              <a:rPr lang="ko-KR" altLang="en-US" dirty="0"/>
+              <a:t>지만</a:t>
+            </a:r>
+            <a:r>
+              <a:rPr lang="en-US" altLang="ko-KR" dirty="0"/>
+              <a:t>, </a:t>
+            </a:r>
+            <a:r>
+              <a:rPr lang="ko-KR" altLang="en-US" dirty="0"/>
+              <a:t>실제 환경에서는 다양한 사람일 수 있어요</a:t>
+            </a:r>
+            <a:r>
+              <a:rPr lang="en-US" altLang="ko-KR" dirty="0"/>
+              <a:t>.</a:t>
+            </a:r>
+          </a:p>
+        </p:txBody>
+      </p:sp>
+    </p:spTree>
+    <p:extLst>
+      <p:ext uri="{BB962C8B-B14F-4D97-AF65-F5344CB8AC3E}">
+        <p14:creationId xmlns:p14="http://schemas.microsoft.com/office/powerpoint/2010/main" val="584263344"/>
+      </p:ext>
+    </p:extLst>
+  </p:cSld>
+  <p:clrMapOvr>
+    <a:masterClrMapping/>
+  </p:clrMapOvr>
+</p:sld>
+</file>
+
+<file path=ppt/slides/slide18.xml><?xml version="1.0" encoding="utf-8"?>
+<p:sld xmlns:a="http://schemas.openxmlformats.org/drawingml/2006/main" xmlns:r="http://schemas.openxmlformats.org/officeDocument/2006/relationships" xmlns:p="http://schemas.openxmlformats.org/presentationml/2006/main">
+  <p:cSld>
+    <p:spTree>
+      <p:nvGrpSpPr>
+        <p:cNvPr id="1" name=""/>
+        <p:cNvGrpSpPr/>
+        <p:nvPr/>
+      </p:nvGrpSpPr>
+      <p:grpSpPr>
+        <a:xfrm>
+          <a:off x="0" y="0"/>
+          <a:ext cx="0" cy="0"/>
+          <a:chOff x="0" y="0"/>
+          <a:chExt cx="0" cy="0"/>
+        </a:xfrm>
+      </p:grpSpPr>
+      <p:sp>
+        <p:nvSpPr>
+          <p:cNvPr id="6" name="사각형: 둥근 모서리 5">
+            <a:extLst>
+              <a:ext uri="{FF2B5EF4-FFF2-40B4-BE49-F238E27FC236}">
+                <a16:creationId xmlns:a16="http://schemas.microsoft.com/office/drawing/2014/main" id="{D521D6A5-D17A-4D08-BB10-BC0BB5A5AE3E}"/>
+              </a:ext>
+            </a:extLst>
+          </p:cNvPr>
+          <p:cNvSpPr/>
+          <p:nvPr/>
+        </p:nvSpPr>
+        <p:spPr>
+          <a:xfrm>
+            <a:off x="177282" y="83084"/>
+            <a:ext cx="11837436" cy="1046813"/>
+          </a:xfrm>
+          <a:prstGeom prst="roundRect">
+            <a:avLst>
+              <a:gd name="adj" fmla="val 50000"/>
+            </a:avLst>
+          </a:prstGeom>
+          <a:gradFill>
+            <a:gsLst>
+              <a:gs pos="0">
+                <a:srgbClr val="50829B"/>
+              </a:gs>
+              <a:gs pos="100000">
+                <a:srgbClr val="6C94B0"/>
+              </a:gs>
+            </a:gsLst>
+            <a:lin ang="0" scaled="1"/>
+          </a:gradFill>
+          <a:ln>
+            <a:noFill/>
+          </a:ln>
+        </p:spPr>
+        <p:style>
+          <a:lnRef idx="2">
+            <a:schemeClr val="accent1">
+              <a:shade val="50000"/>
+            </a:schemeClr>
+          </a:lnRef>
+          <a:fillRef idx="1">
+            <a:schemeClr val="accent1"/>
+          </a:fillRef>
+          <a:effectRef idx="0">
+            <a:schemeClr val="accent1"/>
+          </a:effectRef>
+          <a:fontRef idx="minor">
+            <a:schemeClr val="lt1"/>
+          </a:fontRef>
+        </p:style>
+        <p:txBody>
+          <a:bodyPr rtlCol="0" anchor="ctr"/>
+          <a:lstStyle/>
+          <a:p>
+            <a:pPr algn="ctr"/>
+            <a:r>
+              <a:rPr lang="en-US" altLang="ko-KR" sz="4800" dirty="0"/>
+              <a:t>AI </a:t>
+            </a:r>
+            <a:r>
+              <a:rPr lang="ko-KR" altLang="en-US" sz="4800" dirty="0"/>
+              <a:t>그룹활동에 필요한 내용만</a:t>
+            </a:r>
+            <a:r>
+              <a:rPr lang="en-US" altLang="ko-KR" sz="4800"/>
+              <a:t>!</a:t>
+            </a:r>
+            <a:endParaRPr lang="ko-KR" altLang="en-US" sz="4800" dirty="0"/>
+          </a:p>
+        </p:txBody>
+      </p:sp>
+      <p:pic>
+        <p:nvPicPr>
+          <p:cNvPr id="5" name="내용 개체 틀 4">
+            <a:extLst>
+              <a:ext uri="{FF2B5EF4-FFF2-40B4-BE49-F238E27FC236}">
+                <a16:creationId xmlns:a16="http://schemas.microsoft.com/office/drawing/2014/main" id="{6093D086-2475-4361-85E1-FB4E78D43938}"/>
+              </a:ext>
+            </a:extLst>
+          </p:cNvPr>
+          <p:cNvPicPr>
+            <a:picLocks noGrp="1" noChangeAspect="1"/>
+          </p:cNvPicPr>
+          <p:nvPr>
+            <p:ph idx="1"/>
+          </p:nvPr>
+        </p:nvPicPr>
+        <p:blipFill>
+          <a:blip r:embed="rId2">
+            <a:extLst>
+              <a:ext uri="{28A0092B-C50C-407E-A947-70E740481C1C}">
+                <a14:useLocalDpi xmlns:a14="http://schemas.microsoft.com/office/drawing/2010/main" val="0"/>
+              </a:ext>
+            </a:extLst>
+          </a:blip>
+          <a:stretch>
+            <a:fillRect/>
+          </a:stretch>
+        </p:blipFill>
+        <p:spPr>
+          <a:xfrm>
+            <a:off x="177282" y="83083"/>
+            <a:ext cx="1045028" cy="1046814"/>
+          </a:xfrm>
+        </p:spPr>
+      </p:pic>
+      <p:pic>
+        <p:nvPicPr>
+          <p:cNvPr id="7" name="그림 6">
+            <a:extLst>
+              <a:ext uri="{FF2B5EF4-FFF2-40B4-BE49-F238E27FC236}">
+                <a16:creationId xmlns:a16="http://schemas.microsoft.com/office/drawing/2014/main" id="{DDC6EA06-E610-434E-89BF-1E4B0D6D167A}"/>
+              </a:ext>
+            </a:extLst>
+          </p:cNvPr>
+          <p:cNvPicPr>
+            <a:picLocks noChangeAspect="1"/>
+          </p:cNvPicPr>
+          <p:nvPr/>
+        </p:nvPicPr>
+        <p:blipFill>
+          <a:blip r:embed="rId3">
+            <a:extLst>
+              <a:ext uri="{28A0092B-C50C-407E-A947-70E740481C1C}">
+                <a14:useLocalDpi xmlns:a14="http://schemas.microsoft.com/office/drawing/2010/main" val="0"/>
+              </a:ext>
+            </a:extLst>
+          </a:blip>
+          <a:stretch>
+            <a:fillRect/>
+          </a:stretch>
+        </p:blipFill>
+        <p:spPr>
+          <a:xfrm>
+            <a:off x="5323347" y="6169298"/>
+            <a:ext cx="1545305" cy="605618"/>
+          </a:xfrm>
+          <a:prstGeom prst="rect">
+            <a:avLst/>
+          </a:prstGeom>
+        </p:spPr>
+      </p:pic>
+      <p:sp>
+        <p:nvSpPr>
+          <p:cNvPr id="8" name="슬라이드 번호 개체 틀 7">
+            <a:extLst>
+              <a:ext uri="{FF2B5EF4-FFF2-40B4-BE49-F238E27FC236}">
+                <a16:creationId xmlns:a16="http://schemas.microsoft.com/office/drawing/2014/main" id="{6E636F46-9B56-422B-B692-D9B59A622A4E}"/>
+              </a:ext>
+            </a:extLst>
+          </p:cNvPr>
+          <p:cNvSpPr>
+            <a:spLocks noGrp="1"/>
+          </p:cNvSpPr>
+          <p:nvPr>
+            <p:ph type="sldNum" sz="quarter" idx="12"/>
+          </p:nvPr>
+        </p:nvSpPr>
+        <p:spPr/>
+        <p:txBody>
+          <a:bodyPr/>
+          <a:lstStyle/>
+          <a:p>
+            <a:fld id="{A0C7D16C-659C-4003-998D-57A8F0509094}" type="slidenum">
+              <a:rPr lang="ko-KR" altLang="en-US" smtClean="0"/>
+              <a:t>18</a:t>
+            </a:fld>
+            <a:endParaRPr lang="ko-KR" altLang="en-US"/>
+          </a:p>
+        </p:txBody>
+      </p:sp>
+      <p:pic>
+        <p:nvPicPr>
+          <p:cNvPr id="11" name="그림 10">
+            <a:extLst>
+              <a:ext uri="{FF2B5EF4-FFF2-40B4-BE49-F238E27FC236}">
+                <a16:creationId xmlns:a16="http://schemas.microsoft.com/office/drawing/2014/main" id="{07622092-5518-4D94-B288-8B12D79BD71D}"/>
+              </a:ext>
+            </a:extLst>
+          </p:cNvPr>
+          <p:cNvPicPr>
+            <a:picLocks noChangeAspect="1"/>
+          </p:cNvPicPr>
+          <p:nvPr/>
+        </p:nvPicPr>
+        <p:blipFill>
+          <a:blip r:embed="rId4"/>
+          <a:stretch>
+            <a:fillRect/>
+          </a:stretch>
+        </p:blipFill>
+        <p:spPr>
+          <a:xfrm>
+            <a:off x="404017" y="1288805"/>
+            <a:ext cx="11383964" cy="4534533"/>
+          </a:xfrm>
+          <a:prstGeom prst="rect">
+            <a:avLst/>
+          </a:prstGeom>
+        </p:spPr>
+      </p:pic>
+    </p:spTree>
+    <p:extLst>
+      <p:ext uri="{BB962C8B-B14F-4D97-AF65-F5344CB8AC3E}">
+        <p14:creationId xmlns:p14="http://schemas.microsoft.com/office/powerpoint/2010/main" val="1022178623"/>
+      </p:ext>
+    </p:extLst>
+  </p:cSld>
+  <p:clrMapOvr>
+    <a:masterClrMapping/>
+  </p:clrMapOvr>
+</p:sld>
+</file>
+
+<file path=ppt/slides/slide19.xml><?xml version="1.0" encoding="utf-8"?>
+<p:sld xmlns:a="http://schemas.openxmlformats.org/drawingml/2006/main" xmlns:r="http://schemas.openxmlformats.org/officeDocument/2006/relationships" xmlns:p="http://schemas.openxmlformats.org/presentationml/2006/main">
+  <p:cSld>
+    <p:spTree>
+      <p:nvGrpSpPr>
+        <p:cNvPr id="1" name=""/>
+        <p:cNvGrpSpPr/>
+        <p:nvPr/>
+      </p:nvGrpSpPr>
+      <p:grpSpPr>
+        <a:xfrm>
+          <a:off x="0" y="0"/>
+          <a:ext cx="0" cy="0"/>
+          <a:chOff x="0" y="0"/>
+          <a:chExt cx="0" cy="0"/>
+        </a:xfrm>
+      </p:grpSpPr>
+      <p:sp>
+        <p:nvSpPr>
+          <p:cNvPr id="6" name="사각형: 둥근 모서리 5">
+            <a:extLst>
+              <a:ext uri="{FF2B5EF4-FFF2-40B4-BE49-F238E27FC236}">
+                <a16:creationId xmlns:a16="http://schemas.microsoft.com/office/drawing/2014/main" id="{D521D6A5-D17A-4D08-BB10-BC0BB5A5AE3E}"/>
+              </a:ext>
+            </a:extLst>
+          </p:cNvPr>
+          <p:cNvSpPr/>
+          <p:nvPr/>
+        </p:nvSpPr>
+        <p:spPr>
+          <a:xfrm>
+            <a:off x="177282" y="83084"/>
+            <a:ext cx="11837436" cy="1046813"/>
+          </a:xfrm>
+          <a:prstGeom prst="roundRect">
+            <a:avLst>
+              <a:gd name="adj" fmla="val 50000"/>
+            </a:avLst>
+          </a:prstGeom>
+          <a:gradFill>
+            <a:gsLst>
+              <a:gs pos="0">
+                <a:srgbClr val="50829B"/>
+              </a:gs>
+              <a:gs pos="100000">
+                <a:srgbClr val="6C94B0"/>
+              </a:gs>
+            </a:gsLst>
+            <a:lin ang="0" scaled="1"/>
+          </a:gradFill>
+          <a:ln>
+            <a:noFill/>
+          </a:ln>
+        </p:spPr>
+        <p:style>
+          <a:lnRef idx="2">
+            <a:schemeClr val="accent1">
+              <a:shade val="50000"/>
+            </a:schemeClr>
+          </a:lnRef>
+          <a:fillRef idx="1">
+            <a:schemeClr val="accent1"/>
+          </a:fillRef>
+          <a:effectRef idx="0">
+            <a:schemeClr val="accent1"/>
+          </a:effectRef>
+          <a:fontRef idx="minor">
+            <a:schemeClr val="lt1"/>
+          </a:fontRef>
+        </p:style>
+        <p:txBody>
+          <a:bodyPr rtlCol="0" anchor="ctr"/>
+          <a:lstStyle/>
+          <a:p>
+            <a:pPr algn="ctr"/>
+            <a:r>
+              <a:rPr lang="en-US" altLang="ko-KR" sz="4800" dirty="0"/>
+              <a:t>End</a:t>
+            </a:r>
+            <a:endParaRPr lang="ko-KR" altLang="en-US" sz="4800" dirty="0"/>
+          </a:p>
+        </p:txBody>
+      </p:sp>
+      <p:pic>
+        <p:nvPicPr>
+          <p:cNvPr id="5" name="내용 개체 틀 4">
+            <a:extLst>
+              <a:ext uri="{FF2B5EF4-FFF2-40B4-BE49-F238E27FC236}">
+                <a16:creationId xmlns:a16="http://schemas.microsoft.com/office/drawing/2014/main" id="{6093D086-2475-4361-85E1-FB4E78D43938}"/>
+              </a:ext>
+            </a:extLst>
+          </p:cNvPr>
+          <p:cNvPicPr>
+            <a:picLocks noGrp="1" noChangeAspect="1"/>
+          </p:cNvPicPr>
+          <p:nvPr>
+            <p:ph idx="1"/>
+          </p:nvPr>
+        </p:nvPicPr>
+        <p:blipFill>
+          <a:blip r:embed="rId2">
+            <a:extLst>
+              <a:ext uri="{28A0092B-C50C-407E-A947-70E740481C1C}">
+                <a14:useLocalDpi xmlns:a14="http://schemas.microsoft.com/office/drawing/2010/main" val="0"/>
+              </a:ext>
+            </a:extLst>
+          </a:blip>
+          <a:stretch>
+            <a:fillRect/>
+          </a:stretch>
+        </p:blipFill>
+        <p:spPr>
+          <a:xfrm>
+            <a:off x="177282" y="83083"/>
+            <a:ext cx="1045028" cy="1046814"/>
+          </a:xfrm>
+        </p:spPr>
+      </p:pic>
+      <p:pic>
+        <p:nvPicPr>
+          <p:cNvPr id="7" name="그림 6">
+            <a:extLst>
+              <a:ext uri="{FF2B5EF4-FFF2-40B4-BE49-F238E27FC236}">
+                <a16:creationId xmlns:a16="http://schemas.microsoft.com/office/drawing/2014/main" id="{DDC6EA06-E610-434E-89BF-1E4B0D6D167A}"/>
+              </a:ext>
+            </a:extLst>
+          </p:cNvPr>
+          <p:cNvPicPr>
+            <a:picLocks noChangeAspect="1"/>
+          </p:cNvPicPr>
+          <p:nvPr/>
+        </p:nvPicPr>
+        <p:blipFill>
+          <a:blip r:embed="rId3">
+            <a:extLst>
+              <a:ext uri="{28A0092B-C50C-407E-A947-70E740481C1C}">
+                <a14:useLocalDpi xmlns:a14="http://schemas.microsoft.com/office/drawing/2010/main" val="0"/>
+              </a:ext>
+            </a:extLst>
+          </a:blip>
+          <a:stretch>
+            <a:fillRect/>
+          </a:stretch>
+        </p:blipFill>
+        <p:spPr>
+          <a:xfrm>
+            <a:off x="5323347" y="6169298"/>
+            <a:ext cx="1545305" cy="605618"/>
+          </a:xfrm>
+          <a:prstGeom prst="rect">
+            <a:avLst/>
+          </a:prstGeom>
+        </p:spPr>
+      </p:pic>
+      <p:sp>
+        <p:nvSpPr>
+          <p:cNvPr id="8" name="슬라이드 번호 개체 틀 7">
+            <a:extLst>
+              <a:ext uri="{FF2B5EF4-FFF2-40B4-BE49-F238E27FC236}">
+                <a16:creationId xmlns:a16="http://schemas.microsoft.com/office/drawing/2014/main" id="{6E636F46-9B56-422B-B692-D9B59A622A4E}"/>
+              </a:ext>
+            </a:extLst>
+          </p:cNvPr>
+          <p:cNvSpPr>
+            <a:spLocks noGrp="1"/>
+          </p:cNvSpPr>
+          <p:nvPr>
+            <p:ph type="sldNum" sz="quarter" idx="12"/>
+          </p:nvPr>
+        </p:nvSpPr>
+        <p:spPr/>
+        <p:txBody>
+          <a:bodyPr/>
+          <a:lstStyle/>
+          <a:p>
+            <a:fld id="{A0C7D16C-659C-4003-998D-57A8F0509094}" type="slidenum">
+              <a:rPr lang="ko-KR" altLang="en-US" smtClean="0"/>
+              <a:t>19</a:t>
+            </a:fld>
+            <a:endParaRPr lang="ko-KR" altLang="en-US"/>
+          </a:p>
+        </p:txBody>
+      </p:sp>
+      <p:sp>
+        <p:nvSpPr>
+          <p:cNvPr id="2" name="TextBox 1">
+            <a:extLst>
+              <a:ext uri="{FF2B5EF4-FFF2-40B4-BE49-F238E27FC236}">
+                <a16:creationId xmlns:a16="http://schemas.microsoft.com/office/drawing/2014/main" id="{477B03F6-012D-4F4A-93F7-A25D2200C66F}"/>
+              </a:ext>
+            </a:extLst>
+          </p:cNvPr>
+          <p:cNvSpPr txBox="1"/>
+          <p:nvPr/>
+        </p:nvSpPr>
+        <p:spPr>
+          <a:xfrm>
+            <a:off x="983688" y="1431646"/>
+            <a:ext cx="10224623" cy="1754326"/>
+          </a:xfrm>
+          <a:prstGeom prst="rect">
+            <a:avLst/>
+          </a:prstGeom>
+          <a:noFill/>
+        </p:spPr>
+        <p:txBody>
+          <a:bodyPr wrap="square" rtlCol="0">
+            <a:spAutoFit/>
+          </a:bodyPr>
+          <a:lstStyle/>
+          <a:p>
+            <a:r>
+              <a:rPr lang="ko-KR" altLang="en-US" dirty="0"/>
+              <a:t>참고</a:t>
+            </a:r>
+            <a:endParaRPr lang="en-US" altLang="ko-KR" dirty="0"/>
+          </a:p>
+          <a:p>
+            <a:pPr marL="285750" indent="-285750">
+              <a:buFontTx/>
+              <a:buChar char="-"/>
+            </a:pPr>
+            <a:r>
+              <a:rPr lang="en-US" altLang="ko-KR" dirty="0">
+                <a:hlinkClick r:id="rId4"/>
+              </a:rPr>
+              <a:t>https://www.yalco.kr/lectures/git-github/</a:t>
+            </a:r>
+            <a:endParaRPr lang="en-US" altLang="ko-KR" dirty="0"/>
+          </a:p>
+          <a:p>
+            <a:pPr marL="285750" indent="-285750">
+              <a:buFontTx/>
+              <a:buChar char="-"/>
+            </a:pPr>
+            <a:r>
+              <a:rPr lang="en-US" altLang="ko-KR" dirty="0">
+                <a:hlinkClick r:id="rId5"/>
+              </a:rPr>
+              <a:t>https://brunch.co.kr/@anonymdevoo/3</a:t>
+            </a:r>
+            <a:endParaRPr lang="en-US" altLang="ko-KR" dirty="0"/>
+          </a:p>
+          <a:p>
+            <a:pPr marL="285750" indent="-285750">
+              <a:buFontTx/>
+              <a:buChar char="-"/>
+            </a:pPr>
+            <a:r>
+              <a:rPr lang="en-US" altLang="ko-KR">
+                <a:hlinkClick r:id="rId6"/>
+              </a:rPr>
+              <a:t>https://backlog.com/git-tutorial/kr/</a:t>
+            </a:r>
+            <a:endParaRPr lang="en-US" altLang="ko-KR"/>
+          </a:p>
+          <a:p>
+            <a:endParaRPr lang="en-US" altLang="ko-KR" dirty="0"/>
+          </a:p>
+          <a:p>
+            <a:pPr marL="285750" indent="-285750">
+              <a:buFontTx/>
+              <a:buChar char="-"/>
+            </a:pPr>
+            <a:endParaRPr lang="ko-KR" altLang="en-US" dirty="0"/>
+          </a:p>
+        </p:txBody>
+      </p:sp>
+    </p:spTree>
+    <p:extLst>
+      <p:ext uri="{BB962C8B-B14F-4D97-AF65-F5344CB8AC3E}">
+        <p14:creationId xmlns:p14="http://schemas.microsoft.com/office/powerpoint/2010/main" val="1169165416"/>
+      </p:ext>
+    </p:extLst>
+  </p:cSld>
+  <p:clrMapOvr>
+    <a:masterClrMapping/>
+  </p:clrMapOvr>
+</p:sld>
+</file>
+
+<file path=ppt/slides/slide2.xml><?xml version="1.0" encoding="utf-8"?>
+<p:sld xmlns:a="http://schemas.openxmlformats.org/drawingml/2006/main" xmlns:r="http://schemas.openxmlformats.org/officeDocument/2006/relationships" xmlns:p="http://schemas.openxmlformats.org/presentationml/2006/main">
+  <p:cSld>
+    <p:spTree>
+      <p:nvGrpSpPr>
+        <p:cNvPr id="1" name=""/>
+        <p:cNvGrpSpPr/>
+        <p:nvPr/>
+      </p:nvGrpSpPr>
+      <p:grpSpPr>
+        <a:xfrm>
+          <a:off x="0" y="0"/>
+          <a:ext cx="0" cy="0"/>
+          <a:chOff x="0" y="0"/>
+          <a:chExt cx="0" cy="0"/>
+        </a:xfrm>
+      </p:grpSpPr>
+      <p:sp>
+        <p:nvSpPr>
+          <p:cNvPr id="6" name="사각형: 둥근 모서리 5">
+            <a:extLst>
+              <a:ext uri="{FF2B5EF4-FFF2-40B4-BE49-F238E27FC236}">
+                <a16:creationId xmlns:a16="http://schemas.microsoft.com/office/drawing/2014/main" id="{D521D6A5-D17A-4D08-BB10-BC0BB5A5AE3E}"/>
+              </a:ext>
+            </a:extLst>
+          </p:cNvPr>
+          <p:cNvSpPr/>
+          <p:nvPr/>
+        </p:nvSpPr>
+        <p:spPr>
+          <a:xfrm>
+            <a:off x="177282" y="83084"/>
+            <a:ext cx="11837436" cy="1046813"/>
+          </a:xfrm>
+          <a:prstGeom prst="roundRect">
+            <a:avLst>
+              <a:gd name="adj" fmla="val 50000"/>
+            </a:avLst>
+          </a:prstGeom>
+          <a:gradFill>
+            <a:gsLst>
+              <a:gs pos="0">
+                <a:srgbClr val="50829B"/>
+              </a:gs>
+              <a:gs pos="100000">
+                <a:srgbClr val="6C94B0"/>
+              </a:gs>
+            </a:gsLst>
+            <a:lin ang="0" scaled="1"/>
+          </a:gradFill>
+          <a:ln>
+            <a:noFill/>
+          </a:ln>
+        </p:spPr>
+        <p:style>
+          <a:lnRef idx="2">
+            <a:schemeClr val="accent1">
+              <a:shade val="50000"/>
+            </a:schemeClr>
+          </a:lnRef>
+          <a:fillRef idx="1">
+            <a:schemeClr val="accent1"/>
+          </a:fillRef>
+          <a:effectRef idx="0">
+            <a:schemeClr val="accent1"/>
+          </a:effectRef>
+          <a:fontRef idx="minor">
+            <a:schemeClr val="lt1"/>
+          </a:fontRef>
+        </p:style>
+        <p:txBody>
+          <a:bodyPr rtlCol="0" anchor="ctr"/>
+          <a:lstStyle/>
+          <a:p>
+            <a:pPr algn="ctr"/>
+            <a:r>
+              <a:rPr lang="en-US" altLang="ko-KR" sz="4800" dirty="0"/>
+              <a:t>Git, </a:t>
+            </a:r>
+            <a:r>
+              <a:rPr lang="ko-KR" altLang="en-US" sz="4800" dirty="0"/>
+              <a:t>분산형 버전 관리 시스템</a:t>
+            </a:r>
+          </a:p>
+        </p:txBody>
+      </p:sp>
+      <p:pic>
+        <p:nvPicPr>
+          <p:cNvPr id="5" name="내용 개체 틀 4">
+            <a:extLst>
+              <a:ext uri="{FF2B5EF4-FFF2-40B4-BE49-F238E27FC236}">
+                <a16:creationId xmlns:a16="http://schemas.microsoft.com/office/drawing/2014/main" id="{6093D086-2475-4361-85E1-FB4E78D43938}"/>
+              </a:ext>
+            </a:extLst>
+          </p:cNvPr>
+          <p:cNvPicPr>
+            <a:picLocks noGrp="1" noChangeAspect="1"/>
+          </p:cNvPicPr>
+          <p:nvPr>
+            <p:ph idx="1"/>
+          </p:nvPr>
+        </p:nvPicPr>
+        <p:blipFill>
+          <a:blip r:embed="rId2">
+            <a:extLst>
+              <a:ext uri="{28A0092B-C50C-407E-A947-70E740481C1C}">
+                <a14:useLocalDpi xmlns:a14="http://schemas.microsoft.com/office/drawing/2010/main" val="0"/>
+              </a:ext>
+            </a:extLst>
+          </a:blip>
+          <a:stretch>
+            <a:fillRect/>
+          </a:stretch>
+        </p:blipFill>
+        <p:spPr>
+          <a:xfrm>
+            <a:off x="177282" y="83083"/>
+            <a:ext cx="1045028" cy="1046814"/>
+          </a:xfrm>
+        </p:spPr>
+      </p:pic>
+      <p:pic>
+        <p:nvPicPr>
+          <p:cNvPr id="7" name="그림 6">
+            <a:extLst>
+              <a:ext uri="{FF2B5EF4-FFF2-40B4-BE49-F238E27FC236}">
+                <a16:creationId xmlns:a16="http://schemas.microsoft.com/office/drawing/2014/main" id="{DDC6EA06-E610-434E-89BF-1E4B0D6D167A}"/>
+              </a:ext>
+            </a:extLst>
+          </p:cNvPr>
+          <p:cNvPicPr>
+            <a:picLocks noChangeAspect="1"/>
+          </p:cNvPicPr>
+          <p:nvPr/>
+        </p:nvPicPr>
+        <p:blipFill>
+          <a:blip r:embed="rId3">
+            <a:extLst>
+              <a:ext uri="{28A0092B-C50C-407E-A947-70E740481C1C}">
+                <a14:useLocalDpi xmlns:a14="http://schemas.microsoft.com/office/drawing/2010/main" val="0"/>
+              </a:ext>
+            </a:extLst>
+          </a:blip>
+          <a:stretch>
+            <a:fillRect/>
+          </a:stretch>
+        </p:blipFill>
+        <p:spPr>
+          <a:xfrm>
+            <a:off x="5323347" y="6169298"/>
+            <a:ext cx="1545305" cy="605618"/>
+          </a:xfrm>
+          <a:prstGeom prst="rect">
+            <a:avLst/>
+          </a:prstGeom>
+        </p:spPr>
+      </p:pic>
+      <p:sp>
+        <p:nvSpPr>
+          <p:cNvPr id="8" name="슬라이드 번호 개체 틀 7">
+            <a:extLst>
+              <a:ext uri="{FF2B5EF4-FFF2-40B4-BE49-F238E27FC236}">
+                <a16:creationId xmlns:a16="http://schemas.microsoft.com/office/drawing/2014/main" id="{6E636F46-9B56-422B-B692-D9B59A622A4E}"/>
+              </a:ext>
+            </a:extLst>
+          </p:cNvPr>
+          <p:cNvSpPr>
+            <a:spLocks noGrp="1"/>
+          </p:cNvSpPr>
+          <p:nvPr>
+            <p:ph type="sldNum" sz="quarter" idx="12"/>
+          </p:nvPr>
+        </p:nvSpPr>
+        <p:spPr/>
+        <p:txBody>
+          <a:bodyPr/>
+          <a:lstStyle/>
+          <a:p>
+            <a:fld id="{A0C7D16C-659C-4003-998D-57A8F0509094}" type="slidenum">
+              <a:rPr lang="ko-KR" altLang="en-US" smtClean="0"/>
               <a:t>2</a:t>
             </a:fld>
             <a:endParaRPr lang="ko-KR" altLang="en-US"/>
+          </a:p>
+        </p:txBody>
+      </p:sp>
+      <p:sp>
+        <p:nvSpPr>
+          <p:cNvPr id="2" name="사각형: 둥근 모서리 1">
+            <a:extLst>
+              <a:ext uri="{FF2B5EF4-FFF2-40B4-BE49-F238E27FC236}">
+                <a16:creationId xmlns:a16="http://schemas.microsoft.com/office/drawing/2014/main" id="{AC13A409-B680-4446-9770-2E54F0E4C18F}"/>
+              </a:ext>
+            </a:extLst>
+          </p:cNvPr>
+          <p:cNvSpPr/>
+          <p:nvPr/>
+        </p:nvSpPr>
+        <p:spPr>
+          <a:xfrm>
+            <a:off x="177282" y="1244600"/>
+            <a:ext cx="11837435" cy="4809066"/>
+          </a:xfrm>
+          <a:prstGeom prst="roundRect">
+            <a:avLst/>
+          </a:prstGeom>
+          <a:noFill/>
+          <a:ln w="63500" cap="rnd">
+            <a:solidFill>
+              <a:srgbClr val="5887A1"/>
+            </a:solidFill>
+            <a:prstDash val="solid"/>
+            <a:miter lim="800000"/>
+          </a:ln>
+        </p:spPr>
+        <p:style>
+          <a:lnRef idx="2">
+            <a:schemeClr val="accent1">
+              <a:shade val="50000"/>
+            </a:schemeClr>
+          </a:lnRef>
+          <a:fillRef idx="1">
+            <a:schemeClr val="accent1"/>
+          </a:fillRef>
+          <a:effectRef idx="0">
+            <a:schemeClr val="accent1"/>
+          </a:effectRef>
+          <a:fontRef idx="minor">
+            <a:schemeClr val="lt1"/>
+          </a:fontRef>
+        </p:style>
+        <p:txBody>
+          <a:bodyPr rtlCol="0" anchor="ctr"/>
+          <a:lstStyle/>
+          <a:p>
+            <a:pPr algn="ctr"/>
+            <a:endParaRPr lang="ko-KR" altLang="en-US" dirty="0"/>
+          </a:p>
+        </p:txBody>
+      </p:sp>
+      <p:sp>
+        <p:nvSpPr>
+          <p:cNvPr id="3" name="TextBox 2">
+            <a:extLst>
+              <a:ext uri="{FF2B5EF4-FFF2-40B4-BE49-F238E27FC236}">
+                <a16:creationId xmlns:a16="http://schemas.microsoft.com/office/drawing/2014/main" id="{A7F10540-3C1E-4B8E-9416-9E27633350E5}"/>
+              </a:ext>
+            </a:extLst>
+          </p:cNvPr>
+          <p:cNvSpPr txBox="1"/>
+          <p:nvPr/>
+        </p:nvSpPr>
+        <p:spPr>
+          <a:xfrm>
+            <a:off x="927322" y="1244600"/>
+            <a:ext cx="1790507" cy="369332"/>
+          </a:xfrm>
+          <a:prstGeom prst="rect">
+            <a:avLst/>
+          </a:prstGeom>
+          <a:solidFill>
+            <a:schemeClr val="bg1"/>
+          </a:solidFill>
+          <a:ln w="47625">
+            <a:solidFill>
+              <a:srgbClr val="5887A1"/>
+            </a:solidFill>
+            <a:prstDash val="solid"/>
+          </a:ln>
+        </p:spPr>
+        <p:txBody>
+          <a:bodyPr wrap="square" rtlCol="0">
+            <a:spAutoFit/>
+          </a:bodyPr>
+          <a:lstStyle/>
+          <a:p>
+            <a:pPr algn="ctr"/>
+            <a:r>
+              <a:rPr lang="en-US" altLang="ko-KR" b="1" dirty="0"/>
+              <a:t>Repository</a:t>
+            </a:r>
+            <a:endParaRPr lang="ko-KR" altLang="en-US" b="1" dirty="0"/>
+          </a:p>
+        </p:txBody>
+      </p:sp>
+      <p:grpSp>
+        <p:nvGrpSpPr>
+          <p:cNvPr id="46" name="그룹 45">
+            <a:extLst>
+              <a:ext uri="{FF2B5EF4-FFF2-40B4-BE49-F238E27FC236}">
+                <a16:creationId xmlns:a16="http://schemas.microsoft.com/office/drawing/2014/main" id="{26E7C47B-5832-4347-A817-A37D6CA7586B}"/>
+              </a:ext>
+            </a:extLst>
+          </p:cNvPr>
+          <p:cNvGrpSpPr/>
+          <p:nvPr/>
+        </p:nvGrpSpPr>
+        <p:grpSpPr>
+          <a:xfrm>
+            <a:off x="1006150" y="1875452"/>
+            <a:ext cx="10179698" cy="3547362"/>
+            <a:chOff x="699796" y="1875451"/>
+            <a:chExt cx="10179698" cy="3547362"/>
+          </a:xfrm>
+        </p:grpSpPr>
+        <p:cxnSp>
+          <p:nvCxnSpPr>
+            <p:cNvPr id="17" name="직선 화살표 연결선 16">
+              <a:extLst>
+                <a:ext uri="{FF2B5EF4-FFF2-40B4-BE49-F238E27FC236}">
+                  <a16:creationId xmlns:a16="http://schemas.microsoft.com/office/drawing/2014/main" id="{BFDDBBF8-6322-4E76-A238-82E396A272A5}"/>
+                </a:ext>
+              </a:extLst>
+            </p:cNvPr>
+            <p:cNvCxnSpPr>
+              <a:stCxn id="4" idx="2"/>
+            </p:cNvCxnSpPr>
+            <p:nvPr/>
+          </p:nvCxnSpPr>
+          <p:spPr>
+            <a:xfrm flipV="1">
+              <a:off x="699796" y="2295273"/>
+              <a:ext cx="10179698" cy="42046"/>
+            </a:xfrm>
+            <a:prstGeom prst="straightConnector1">
+              <a:avLst/>
+            </a:prstGeom>
+            <a:ln w="101600">
+              <a:solidFill>
+                <a:srgbClr val="365164"/>
+              </a:solidFill>
+              <a:tailEnd type="arrow" w="sm" len="sm"/>
+            </a:ln>
+          </p:spPr>
+          <p:style>
+            <a:lnRef idx="1">
+              <a:schemeClr val="accent1"/>
+            </a:lnRef>
+            <a:fillRef idx="0">
+              <a:schemeClr val="accent1"/>
+            </a:fillRef>
+            <a:effectRef idx="0">
+              <a:schemeClr val="accent1"/>
+            </a:effectRef>
+            <a:fontRef idx="minor">
+              <a:schemeClr val="tx1"/>
+            </a:fontRef>
+          </p:style>
+        </p:cxnSp>
+        <p:cxnSp>
+          <p:nvCxnSpPr>
+            <p:cNvPr id="18" name="직선 화살표 연결선 17">
+              <a:extLst>
+                <a:ext uri="{FF2B5EF4-FFF2-40B4-BE49-F238E27FC236}">
+                  <a16:creationId xmlns:a16="http://schemas.microsoft.com/office/drawing/2014/main" id="{24192A3E-74F2-42AF-BD50-F7E62719BF03}"/>
+                </a:ext>
+              </a:extLst>
+            </p:cNvPr>
+            <p:cNvCxnSpPr>
+              <a:cxnSpLocks/>
+              <a:stCxn id="4" idx="2"/>
+              <a:endCxn id="12" idx="5"/>
+            </p:cNvCxnSpPr>
+            <p:nvPr/>
+          </p:nvCxnSpPr>
+          <p:spPr>
+            <a:xfrm>
+              <a:off x="699796" y="2337319"/>
+              <a:ext cx="2344620" cy="1638402"/>
+            </a:xfrm>
+            <a:prstGeom prst="straightConnector1">
+              <a:avLst/>
+            </a:prstGeom>
+            <a:ln w="101600">
+              <a:solidFill>
+                <a:srgbClr val="365164"/>
+              </a:solidFill>
+              <a:tailEnd type="arrow" w="med" len="lg"/>
+            </a:ln>
+          </p:spPr>
+          <p:style>
+            <a:lnRef idx="1">
+              <a:schemeClr val="accent1"/>
+            </a:lnRef>
+            <a:fillRef idx="0">
+              <a:schemeClr val="accent1"/>
+            </a:fillRef>
+            <a:effectRef idx="0">
+              <a:schemeClr val="accent1"/>
+            </a:effectRef>
+            <a:fontRef idx="minor">
+              <a:schemeClr val="tx1"/>
+            </a:fontRef>
+          </p:style>
+        </p:cxnSp>
+        <p:cxnSp>
+          <p:nvCxnSpPr>
+            <p:cNvPr id="21" name="직선 화살표 연결선 20">
+              <a:extLst>
+                <a:ext uri="{FF2B5EF4-FFF2-40B4-BE49-F238E27FC236}">
+                  <a16:creationId xmlns:a16="http://schemas.microsoft.com/office/drawing/2014/main" id="{D73B55A5-7875-49E9-8A90-7E04590BF548}"/>
+                </a:ext>
+              </a:extLst>
+            </p:cNvPr>
+            <p:cNvCxnSpPr>
+              <a:cxnSpLocks/>
+              <a:stCxn id="12" idx="2"/>
+              <a:endCxn id="14" idx="2"/>
+            </p:cNvCxnSpPr>
+            <p:nvPr/>
+          </p:nvCxnSpPr>
+          <p:spPr>
+            <a:xfrm>
+              <a:off x="2255962" y="3649133"/>
+              <a:ext cx="3112334" cy="0"/>
+            </a:xfrm>
+            <a:prstGeom prst="straightConnector1">
+              <a:avLst/>
+            </a:prstGeom>
+            <a:ln w="101600">
+              <a:solidFill>
+                <a:srgbClr val="365164"/>
+              </a:solidFill>
+              <a:tailEnd type="arrow" w="sm" len="sm"/>
+            </a:ln>
+          </p:spPr>
+          <p:style>
+            <a:lnRef idx="1">
+              <a:schemeClr val="accent1"/>
+            </a:lnRef>
+            <a:fillRef idx="0">
+              <a:schemeClr val="accent1"/>
+            </a:fillRef>
+            <a:effectRef idx="0">
+              <a:schemeClr val="accent1"/>
+            </a:effectRef>
+            <a:fontRef idx="minor">
+              <a:schemeClr val="tx1"/>
+            </a:fontRef>
+          </p:style>
+        </p:cxnSp>
+        <p:cxnSp>
+          <p:nvCxnSpPr>
+            <p:cNvPr id="24" name="직선 화살표 연결선 23">
+              <a:extLst>
+                <a:ext uri="{FF2B5EF4-FFF2-40B4-BE49-F238E27FC236}">
+                  <a16:creationId xmlns:a16="http://schemas.microsoft.com/office/drawing/2014/main" id="{DB9495A7-AB4B-4A06-8AC1-5A45F3F50BDD}"/>
+                </a:ext>
+              </a:extLst>
+            </p:cNvPr>
+            <p:cNvCxnSpPr>
+              <a:cxnSpLocks/>
+              <a:stCxn id="13" idx="2"/>
+              <a:endCxn id="15" idx="5"/>
+            </p:cNvCxnSpPr>
+            <p:nvPr/>
+          </p:nvCxnSpPr>
+          <p:spPr>
+            <a:xfrm>
+              <a:off x="3812129" y="3649133"/>
+              <a:ext cx="2344621" cy="1638403"/>
+            </a:xfrm>
+            <a:prstGeom prst="straightConnector1">
+              <a:avLst/>
+            </a:prstGeom>
+            <a:ln w="101600">
+              <a:solidFill>
+                <a:srgbClr val="365164"/>
+              </a:solidFill>
+              <a:tailEnd type="arrow" w="med" len="lg"/>
+            </a:ln>
+          </p:spPr>
+          <p:style>
+            <a:lnRef idx="1">
+              <a:schemeClr val="accent1"/>
+            </a:lnRef>
+            <a:fillRef idx="0">
+              <a:schemeClr val="accent1"/>
+            </a:fillRef>
+            <a:effectRef idx="0">
+              <a:schemeClr val="accent1"/>
+            </a:effectRef>
+            <a:fontRef idx="minor">
+              <a:schemeClr val="tx1"/>
+            </a:fontRef>
+          </p:style>
+        </p:cxnSp>
+        <p:cxnSp>
+          <p:nvCxnSpPr>
+            <p:cNvPr id="30" name="직선 화살표 연결선 29">
+              <a:extLst>
+                <a:ext uri="{FF2B5EF4-FFF2-40B4-BE49-F238E27FC236}">
+                  <a16:creationId xmlns:a16="http://schemas.microsoft.com/office/drawing/2014/main" id="{61169849-CC72-45E6-B74C-EA44E3D5F8D3}"/>
+                </a:ext>
+              </a:extLst>
+            </p:cNvPr>
+            <p:cNvCxnSpPr>
+              <a:cxnSpLocks/>
+              <a:stCxn id="15" idx="2"/>
+              <a:endCxn id="29" idx="2"/>
+            </p:cNvCxnSpPr>
+            <p:nvPr/>
+          </p:nvCxnSpPr>
+          <p:spPr>
+            <a:xfrm>
+              <a:off x="5368296" y="4960948"/>
+              <a:ext cx="1552303" cy="0"/>
+            </a:xfrm>
+            <a:prstGeom prst="straightConnector1">
+              <a:avLst/>
+            </a:prstGeom>
+            <a:ln w="101600">
+              <a:solidFill>
+                <a:srgbClr val="365164"/>
+              </a:solidFill>
+              <a:tailEnd type="arrow" w="sm" len="sm"/>
+            </a:ln>
+          </p:spPr>
+          <p:style>
+            <a:lnRef idx="1">
+              <a:schemeClr val="accent1"/>
+            </a:lnRef>
+            <a:fillRef idx="0">
+              <a:schemeClr val="accent1"/>
+            </a:fillRef>
+            <a:effectRef idx="0">
+              <a:schemeClr val="accent1"/>
+            </a:effectRef>
+            <a:fontRef idx="minor">
+              <a:schemeClr val="tx1"/>
+            </a:fontRef>
+          </p:style>
+        </p:cxnSp>
+        <p:cxnSp>
+          <p:nvCxnSpPr>
+            <p:cNvPr id="33" name="직선 화살표 연결선 32">
+              <a:extLst>
+                <a:ext uri="{FF2B5EF4-FFF2-40B4-BE49-F238E27FC236}">
+                  <a16:creationId xmlns:a16="http://schemas.microsoft.com/office/drawing/2014/main" id="{FD203865-D8A5-47B6-A771-B783CB2B4537}"/>
+                </a:ext>
+              </a:extLst>
+            </p:cNvPr>
+            <p:cNvCxnSpPr>
+              <a:cxnSpLocks/>
+              <a:stCxn id="29" idx="7"/>
+              <a:endCxn id="37" idx="3"/>
+            </p:cNvCxnSpPr>
+            <p:nvPr/>
+          </p:nvCxnSpPr>
+          <p:spPr>
+            <a:xfrm flipV="1">
+              <a:off x="7709053" y="2663905"/>
+              <a:ext cx="899123" cy="1970454"/>
+            </a:xfrm>
+            <a:prstGeom prst="straightConnector1">
+              <a:avLst/>
+            </a:prstGeom>
+            <a:ln w="101600">
+              <a:solidFill>
+                <a:srgbClr val="365164"/>
+              </a:solidFill>
+              <a:tailEnd type="arrow" w="sm" len="sm"/>
+            </a:ln>
+          </p:spPr>
+          <p:style>
+            <a:lnRef idx="1">
+              <a:schemeClr val="accent1"/>
+            </a:lnRef>
+            <a:fillRef idx="0">
+              <a:schemeClr val="accent1"/>
+            </a:fillRef>
+            <a:effectRef idx="0">
+              <a:schemeClr val="accent1"/>
+            </a:effectRef>
+            <a:fontRef idx="minor">
+              <a:schemeClr val="tx1"/>
+            </a:fontRef>
+          </p:style>
+        </p:cxnSp>
+        <p:sp>
+          <p:nvSpPr>
+            <p:cNvPr id="4" name="타원 3">
+              <a:extLst>
+                <a:ext uri="{FF2B5EF4-FFF2-40B4-BE49-F238E27FC236}">
+                  <a16:creationId xmlns:a16="http://schemas.microsoft.com/office/drawing/2014/main" id="{89BF08A5-A35B-4E42-8425-E3CD3C0B6388}"/>
+                </a:ext>
+              </a:extLst>
+            </p:cNvPr>
+            <p:cNvSpPr/>
+            <p:nvPr/>
+          </p:nvSpPr>
+          <p:spPr>
+            <a:xfrm>
+              <a:off x="699796" y="1875453"/>
+              <a:ext cx="923731" cy="923731"/>
+            </a:xfrm>
+            <a:prstGeom prst="ellipse">
+              <a:avLst/>
+            </a:prstGeom>
+            <a:solidFill>
+              <a:schemeClr val="bg1"/>
+            </a:solidFill>
+            <a:ln w="38100">
+              <a:solidFill>
+                <a:srgbClr val="6C94B0"/>
+              </a:solidFill>
+            </a:ln>
+          </p:spPr>
+          <p:style>
+            <a:lnRef idx="2">
+              <a:schemeClr val="accent1">
+                <a:shade val="50000"/>
+              </a:schemeClr>
+            </a:lnRef>
+            <a:fillRef idx="1">
+              <a:schemeClr val="accent1"/>
+            </a:fillRef>
+            <a:effectRef idx="0">
+              <a:schemeClr val="accent1"/>
+            </a:effectRef>
+            <a:fontRef idx="minor">
+              <a:schemeClr val="lt1"/>
+            </a:fontRef>
+          </p:style>
+          <p:txBody>
+            <a:bodyPr lIns="0" tIns="0" rIns="0" bIns="0" rtlCol="0" anchor="ctr"/>
+            <a:lstStyle/>
+            <a:p>
+              <a:pPr algn="ctr"/>
+              <a:r>
+                <a:rPr lang="en-US" altLang="ko-KR" sz="1400" dirty="0">
+                  <a:solidFill>
+                    <a:schemeClr val="tx1"/>
+                  </a:solidFill>
+                </a:rPr>
+                <a:t>Commit</a:t>
+              </a:r>
+              <a:endParaRPr lang="ko-KR" altLang="en-US" sz="1400" dirty="0">
+                <a:solidFill>
+                  <a:schemeClr val="tx1"/>
+                </a:solidFill>
+              </a:endParaRPr>
+            </a:p>
+          </p:txBody>
+        </p:sp>
+        <p:sp>
+          <p:nvSpPr>
+            <p:cNvPr id="9" name="타원 8">
+              <a:extLst>
+                <a:ext uri="{FF2B5EF4-FFF2-40B4-BE49-F238E27FC236}">
+                  <a16:creationId xmlns:a16="http://schemas.microsoft.com/office/drawing/2014/main" id="{E7AD67FF-5A62-488E-A588-4798833CB83B}"/>
+                </a:ext>
+              </a:extLst>
+            </p:cNvPr>
+            <p:cNvSpPr/>
+            <p:nvPr/>
+          </p:nvSpPr>
+          <p:spPr>
+            <a:xfrm>
+              <a:off x="2255963" y="1875453"/>
+              <a:ext cx="923731" cy="923731"/>
+            </a:xfrm>
+            <a:prstGeom prst="ellipse">
+              <a:avLst/>
+            </a:prstGeom>
+            <a:solidFill>
+              <a:schemeClr val="bg1"/>
+            </a:solidFill>
+            <a:ln w="38100">
+              <a:solidFill>
+                <a:srgbClr val="6C94B0"/>
+              </a:solidFill>
+            </a:ln>
+          </p:spPr>
+          <p:style>
+            <a:lnRef idx="2">
+              <a:schemeClr val="accent1">
+                <a:shade val="50000"/>
+              </a:schemeClr>
+            </a:lnRef>
+            <a:fillRef idx="1">
+              <a:schemeClr val="accent1"/>
+            </a:fillRef>
+            <a:effectRef idx="0">
+              <a:schemeClr val="accent1"/>
+            </a:effectRef>
+            <a:fontRef idx="minor">
+              <a:schemeClr val="lt1"/>
+            </a:fontRef>
+          </p:style>
+          <p:txBody>
+            <a:bodyPr lIns="0" tIns="0" rIns="0" bIns="0" rtlCol="0" anchor="ctr"/>
+            <a:lstStyle/>
+            <a:p>
+              <a:pPr algn="ctr"/>
+              <a:r>
+                <a:rPr lang="en-US" altLang="ko-KR" sz="1400" dirty="0">
+                  <a:solidFill>
+                    <a:schemeClr val="tx1"/>
+                  </a:solidFill>
+                </a:rPr>
+                <a:t>Commit</a:t>
+              </a:r>
+              <a:endParaRPr lang="ko-KR" altLang="en-US" sz="1400" dirty="0">
+                <a:solidFill>
+                  <a:schemeClr val="tx1"/>
+                </a:solidFill>
+              </a:endParaRPr>
+            </a:p>
+          </p:txBody>
+        </p:sp>
+        <p:sp>
+          <p:nvSpPr>
+            <p:cNvPr id="10" name="타원 9">
+              <a:extLst>
+                <a:ext uri="{FF2B5EF4-FFF2-40B4-BE49-F238E27FC236}">
+                  <a16:creationId xmlns:a16="http://schemas.microsoft.com/office/drawing/2014/main" id="{7416D02C-141E-4E73-A2A8-3447CC86EE8E}"/>
+                </a:ext>
+              </a:extLst>
+            </p:cNvPr>
+            <p:cNvSpPr/>
+            <p:nvPr/>
+          </p:nvSpPr>
+          <p:spPr>
+            <a:xfrm>
+              <a:off x="3812130" y="1875452"/>
+              <a:ext cx="923731" cy="923731"/>
+            </a:xfrm>
+            <a:prstGeom prst="ellipse">
+              <a:avLst/>
+            </a:prstGeom>
+            <a:solidFill>
+              <a:schemeClr val="bg1"/>
+            </a:solidFill>
+            <a:ln w="38100">
+              <a:solidFill>
+                <a:srgbClr val="6C94B0"/>
+              </a:solidFill>
+            </a:ln>
+          </p:spPr>
+          <p:style>
+            <a:lnRef idx="2">
+              <a:schemeClr val="accent1">
+                <a:shade val="50000"/>
+              </a:schemeClr>
+            </a:lnRef>
+            <a:fillRef idx="1">
+              <a:schemeClr val="accent1"/>
+            </a:fillRef>
+            <a:effectRef idx="0">
+              <a:schemeClr val="accent1"/>
+            </a:effectRef>
+            <a:fontRef idx="minor">
+              <a:schemeClr val="lt1"/>
+            </a:fontRef>
+          </p:style>
+          <p:txBody>
+            <a:bodyPr lIns="0" tIns="0" rIns="0" bIns="0" rtlCol="0" anchor="ctr"/>
+            <a:lstStyle/>
+            <a:p>
+              <a:pPr algn="ctr"/>
+              <a:r>
+                <a:rPr lang="en-US" altLang="ko-KR" sz="1400" dirty="0">
+                  <a:solidFill>
+                    <a:schemeClr val="tx1"/>
+                  </a:solidFill>
+                </a:rPr>
+                <a:t>Commit</a:t>
+              </a:r>
+              <a:endParaRPr lang="ko-KR" altLang="en-US" sz="1400" dirty="0">
+                <a:solidFill>
+                  <a:schemeClr val="tx1"/>
+                </a:solidFill>
+              </a:endParaRPr>
+            </a:p>
+          </p:txBody>
+        </p:sp>
+        <p:sp>
+          <p:nvSpPr>
+            <p:cNvPr id="11" name="타원 10">
+              <a:extLst>
+                <a:ext uri="{FF2B5EF4-FFF2-40B4-BE49-F238E27FC236}">
+                  <a16:creationId xmlns:a16="http://schemas.microsoft.com/office/drawing/2014/main" id="{3C003F49-252D-4124-927D-3990D972B95A}"/>
+                </a:ext>
+              </a:extLst>
+            </p:cNvPr>
+            <p:cNvSpPr/>
+            <p:nvPr/>
+          </p:nvSpPr>
+          <p:spPr>
+            <a:xfrm>
+              <a:off x="5368297" y="1875452"/>
+              <a:ext cx="923731" cy="923731"/>
+            </a:xfrm>
+            <a:prstGeom prst="ellipse">
+              <a:avLst/>
+            </a:prstGeom>
+            <a:solidFill>
+              <a:schemeClr val="bg1"/>
+            </a:solidFill>
+            <a:ln w="38100">
+              <a:solidFill>
+                <a:srgbClr val="6C94B0"/>
+              </a:solidFill>
+            </a:ln>
+          </p:spPr>
+          <p:style>
+            <a:lnRef idx="2">
+              <a:schemeClr val="accent1">
+                <a:shade val="50000"/>
+              </a:schemeClr>
+            </a:lnRef>
+            <a:fillRef idx="1">
+              <a:schemeClr val="accent1"/>
+            </a:fillRef>
+            <a:effectRef idx="0">
+              <a:schemeClr val="accent1"/>
+            </a:effectRef>
+            <a:fontRef idx="minor">
+              <a:schemeClr val="lt1"/>
+            </a:fontRef>
+          </p:style>
+          <p:txBody>
+            <a:bodyPr lIns="0" tIns="0" rIns="0" bIns="0" rtlCol="0" anchor="ctr"/>
+            <a:lstStyle/>
+            <a:p>
+              <a:pPr algn="ctr"/>
+              <a:r>
+                <a:rPr lang="en-US" altLang="ko-KR" sz="1400" dirty="0">
+                  <a:solidFill>
+                    <a:schemeClr val="tx1"/>
+                  </a:solidFill>
+                </a:rPr>
+                <a:t>Commit</a:t>
+              </a:r>
+              <a:endParaRPr lang="ko-KR" altLang="en-US" sz="1400" dirty="0">
+                <a:solidFill>
+                  <a:schemeClr val="tx1"/>
+                </a:solidFill>
+              </a:endParaRPr>
+            </a:p>
+          </p:txBody>
+        </p:sp>
+        <p:sp>
+          <p:nvSpPr>
+            <p:cNvPr id="12" name="타원 11">
+              <a:extLst>
+                <a:ext uri="{FF2B5EF4-FFF2-40B4-BE49-F238E27FC236}">
+                  <a16:creationId xmlns:a16="http://schemas.microsoft.com/office/drawing/2014/main" id="{BDCAB687-B9E7-4076-B448-A577B9C2D137}"/>
+                </a:ext>
+              </a:extLst>
+            </p:cNvPr>
+            <p:cNvSpPr/>
+            <p:nvPr/>
+          </p:nvSpPr>
+          <p:spPr>
+            <a:xfrm>
+              <a:off x="2255962" y="3187267"/>
+              <a:ext cx="923731" cy="923731"/>
+            </a:xfrm>
+            <a:prstGeom prst="ellipse">
+              <a:avLst/>
+            </a:prstGeom>
+            <a:solidFill>
+              <a:schemeClr val="bg1"/>
+            </a:solidFill>
+            <a:ln w="38100">
+              <a:solidFill>
+                <a:srgbClr val="6C94B0"/>
+              </a:solidFill>
+            </a:ln>
+          </p:spPr>
+          <p:style>
+            <a:lnRef idx="2">
+              <a:schemeClr val="accent1">
+                <a:shade val="50000"/>
+              </a:schemeClr>
+            </a:lnRef>
+            <a:fillRef idx="1">
+              <a:schemeClr val="accent1"/>
+            </a:fillRef>
+            <a:effectRef idx="0">
+              <a:schemeClr val="accent1"/>
+            </a:effectRef>
+            <a:fontRef idx="minor">
+              <a:schemeClr val="lt1"/>
+            </a:fontRef>
+          </p:style>
+          <p:txBody>
+            <a:bodyPr lIns="0" tIns="0" rIns="0" bIns="0" rtlCol="0" anchor="ctr"/>
+            <a:lstStyle/>
+            <a:p>
+              <a:pPr algn="ctr"/>
+              <a:r>
+                <a:rPr lang="en-US" altLang="ko-KR" sz="1400" dirty="0">
+                  <a:solidFill>
+                    <a:schemeClr val="tx1"/>
+                  </a:solidFill>
+                </a:rPr>
+                <a:t>Commit</a:t>
+              </a:r>
+              <a:endParaRPr lang="ko-KR" altLang="en-US" sz="1400" dirty="0">
+                <a:solidFill>
+                  <a:schemeClr val="tx1"/>
+                </a:solidFill>
+              </a:endParaRPr>
+            </a:p>
+          </p:txBody>
+        </p:sp>
+        <p:sp>
+          <p:nvSpPr>
+            <p:cNvPr id="13" name="타원 12">
+              <a:extLst>
+                <a:ext uri="{FF2B5EF4-FFF2-40B4-BE49-F238E27FC236}">
+                  <a16:creationId xmlns:a16="http://schemas.microsoft.com/office/drawing/2014/main" id="{1D5BAB66-79E3-425B-AD71-06076A21ACD9}"/>
+                </a:ext>
+              </a:extLst>
+            </p:cNvPr>
+            <p:cNvSpPr/>
+            <p:nvPr/>
+          </p:nvSpPr>
+          <p:spPr>
+            <a:xfrm>
+              <a:off x="3812129" y="3187267"/>
+              <a:ext cx="923731" cy="923731"/>
+            </a:xfrm>
+            <a:prstGeom prst="ellipse">
+              <a:avLst/>
+            </a:prstGeom>
+            <a:solidFill>
+              <a:schemeClr val="bg1"/>
+            </a:solidFill>
+            <a:ln w="38100">
+              <a:solidFill>
+                <a:srgbClr val="6C94B0"/>
+              </a:solidFill>
+            </a:ln>
+          </p:spPr>
+          <p:style>
+            <a:lnRef idx="2">
+              <a:schemeClr val="accent1">
+                <a:shade val="50000"/>
+              </a:schemeClr>
+            </a:lnRef>
+            <a:fillRef idx="1">
+              <a:schemeClr val="accent1"/>
+            </a:fillRef>
+            <a:effectRef idx="0">
+              <a:schemeClr val="accent1"/>
+            </a:effectRef>
+            <a:fontRef idx="minor">
+              <a:schemeClr val="lt1"/>
+            </a:fontRef>
+          </p:style>
+          <p:txBody>
+            <a:bodyPr lIns="0" tIns="0" rIns="0" bIns="0" rtlCol="0" anchor="ctr"/>
+            <a:lstStyle/>
+            <a:p>
+              <a:pPr algn="ctr"/>
+              <a:r>
+                <a:rPr lang="en-US" altLang="ko-KR" sz="1400" dirty="0">
+                  <a:solidFill>
+                    <a:schemeClr val="tx1"/>
+                  </a:solidFill>
+                </a:rPr>
+                <a:t>Commit</a:t>
+              </a:r>
+              <a:endParaRPr lang="ko-KR" altLang="en-US" sz="1400" dirty="0">
+                <a:solidFill>
+                  <a:schemeClr val="tx1"/>
+                </a:solidFill>
+              </a:endParaRPr>
+            </a:p>
+          </p:txBody>
+        </p:sp>
+        <p:sp>
+          <p:nvSpPr>
+            <p:cNvPr id="14" name="타원 13">
+              <a:extLst>
+                <a:ext uri="{FF2B5EF4-FFF2-40B4-BE49-F238E27FC236}">
+                  <a16:creationId xmlns:a16="http://schemas.microsoft.com/office/drawing/2014/main" id="{21E71767-E59E-4ED7-803B-C0DE476618F7}"/>
+                </a:ext>
+              </a:extLst>
+            </p:cNvPr>
+            <p:cNvSpPr/>
+            <p:nvPr/>
+          </p:nvSpPr>
+          <p:spPr>
+            <a:xfrm>
+              <a:off x="5368296" y="3187267"/>
+              <a:ext cx="923731" cy="923731"/>
+            </a:xfrm>
+            <a:prstGeom prst="ellipse">
+              <a:avLst/>
+            </a:prstGeom>
+            <a:solidFill>
+              <a:schemeClr val="bg1"/>
+            </a:solidFill>
+            <a:ln w="38100">
+              <a:solidFill>
+                <a:srgbClr val="6C94B0"/>
+              </a:solidFill>
+            </a:ln>
+          </p:spPr>
+          <p:style>
+            <a:lnRef idx="2">
+              <a:schemeClr val="accent1">
+                <a:shade val="50000"/>
+              </a:schemeClr>
+            </a:lnRef>
+            <a:fillRef idx="1">
+              <a:schemeClr val="accent1"/>
+            </a:fillRef>
+            <a:effectRef idx="0">
+              <a:schemeClr val="accent1"/>
+            </a:effectRef>
+            <a:fontRef idx="minor">
+              <a:schemeClr val="lt1"/>
+            </a:fontRef>
+          </p:style>
+          <p:txBody>
+            <a:bodyPr lIns="0" tIns="0" rIns="0" bIns="0" rtlCol="0" anchor="ctr"/>
+            <a:lstStyle/>
+            <a:p>
+              <a:pPr algn="ctr"/>
+              <a:r>
+                <a:rPr lang="en-US" altLang="ko-KR" sz="1400" dirty="0">
+                  <a:solidFill>
+                    <a:schemeClr val="tx1"/>
+                  </a:solidFill>
+                </a:rPr>
+                <a:t>Commit</a:t>
+              </a:r>
+              <a:endParaRPr lang="ko-KR" altLang="en-US" sz="1400" dirty="0">
+                <a:solidFill>
+                  <a:schemeClr val="tx1"/>
+                </a:solidFill>
+              </a:endParaRPr>
+            </a:p>
+          </p:txBody>
+        </p:sp>
+        <p:sp>
+          <p:nvSpPr>
+            <p:cNvPr id="15" name="타원 14">
+              <a:extLst>
+                <a:ext uri="{FF2B5EF4-FFF2-40B4-BE49-F238E27FC236}">
+                  <a16:creationId xmlns:a16="http://schemas.microsoft.com/office/drawing/2014/main" id="{0D030577-9B1B-45CC-9A96-9F2DB3E6A274}"/>
+                </a:ext>
+              </a:extLst>
+            </p:cNvPr>
+            <p:cNvSpPr/>
+            <p:nvPr/>
+          </p:nvSpPr>
+          <p:spPr>
+            <a:xfrm>
+              <a:off x="5368296" y="4499082"/>
+              <a:ext cx="923731" cy="923731"/>
+            </a:xfrm>
+            <a:prstGeom prst="ellipse">
+              <a:avLst/>
+            </a:prstGeom>
+            <a:solidFill>
+              <a:schemeClr val="bg1"/>
+            </a:solidFill>
+            <a:ln w="38100">
+              <a:solidFill>
+                <a:srgbClr val="6C94B0"/>
+              </a:solidFill>
+            </a:ln>
+          </p:spPr>
+          <p:style>
+            <a:lnRef idx="2">
+              <a:schemeClr val="accent1">
+                <a:shade val="50000"/>
+              </a:schemeClr>
+            </a:lnRef>
+            <a:fillRef idx="1">
+              <a:schemeClr val="accent1"/>
+            </a:fillRef>
+            <a:effectRef idx="0">
+              <a:schemeClr val="accent1"/>
+            </a:effectRef>
+            <a:fontRef idx="minor">
+              <a:schemeClr val="lt1"/>
+            </a:fontRef>
+          </p:style>
+          <p:txBody>
+            <a:bodyPr lIns="0" tIns="0" rIns="0" bIns="0" rtlCol="0" anchor="ctr"/>
+            <a:lstStyle/>
+            <a:p>
+              <a:pPr algn="ctr"/>
+              <a:r>
+                <a:rPr lang="en-US" altLang="ko-KR" sz="1400" dirty="0">
+                  <a:solidFill>
+                    <a:schemeClr val="tx1"/>
+                  </a:solidFill>
+                </a:rPr>
+                <a:t>Commit</a:t>
+              </a:r>
+              <a:endParaRPr lang="ko-KR" altLang="en-US" sz="1400" dirty="0">
+                <a:solidFill>
+                  <a:schemeClr val="tx1"/>
+                </a:solidFill>
+              </a:endParaRPr>
+            </a:p>
+          </p:txBody>
+        </p:sp>
+        <p:sp>
+          <p:nvSpPr>
+            <p:cNvPr id="29" name="타원 28">
+              <a:extLst>
+                <a:ext uri="{FF2B5EF4-FFF2-40B4-BE49-F238E27FC236}">
+                  <a16:creationId xmlns:a16="http://schemas.microsoft.com/office/drawing/2014/main" id="{436DD941-B534-4551-89FA-CF7F6E32CAE7}"/>
+                </a:ext>
+              </a:extLst>
+            </p:cNvPr>
+            <p:cNvSpPr/>
+            <p:nvPr/>
+          </p:nvSpPr>
+          <p:spPr>
+            <a:xfrm>
+              <a:off x="6920599" y="4499082"/>
+              <a:ext cx="923731" cy="923731"/>
+            </a:xfrm>
+            <a:prstGeom prst="ellipse">
+              <a:avLst/>
+            </a:prstGeom>
+            <a:solidFill>
+              <a:schemeClr val="bg1"/>
+            </a:solidFill>
+            <a:ln w="38100">
+              <a:solidFill>
+                <a:srgbClr val="6C94B0"/>
+              </a:solidFill>
+            </a:ln>
+          </p:spPr>
+          <p:style>
+            <a:lnRef idx="2">
+              <a:schemeClr val="accent1">
+                <a:shade val="50000"/>
+              </a:schemeClr>
+            </a:lnRef>
+            <a:fillRef idx="1">
+              <a:schemeClr val="accent1"/>
+            </a:fillRef>
+            <a:effectRef idx="0">
+              <a:schemeClr val="accent1"/>
+            </a:effectRef>
+            <a:fontRef idx="minor">
+              <a:schemeClr val="lt1"/>
+            </a:fontRef>
+          </p:style>
+          <p:txBody>
+            <a:bodyPr lIns="0" tIns="0" rIns="0" bIns="0" rtlCol="0" anchor="ctr"/>
+            <a:lstStyle/>
+            <a:p>
+              <a:pPr algn="ctr"/>
+              <a:r>
+                <a:rPr lang="en-US" altLang="ko-KR" sz="1400" dirty="0">
+                  <a:solidFill>
+                    <a:schemeClr val="tx1"/>
+                  </a:solidFill>
+                </a:rPr>
+                <a:t>Commit</a:t>
+              </a:r>
+              <a:endParaRPr lang="ko-KR" altLang="en-US" sz="1400" dirty="0">
+                <a:solidFill>
+                  <a:schemeClr val="tx1"/>
+                </a:solidFill>
+              </a:endParaRPr>
+            </a:p>
+          </p:txBody>
+        </p:sp>
+        <p:sp>
+          <p:nvSpPr>
+            <p:cNvPr id="37" name="타원 36">
+              <a:extLst>
+                <a:ext uri="{FF2B5EF4-FFF2-40B4-BE49-F238E27FC236}">
+                  <a16:creationId xmlns:a16="http://schemas.microsoft.com/office/drawing/2014/main" id="{EF871C24-999B-403F-AE20-B68FA91B9D07}"/>
+                </a:ext>
+              </a:extLst>
+            </p:cNvPr>
+            <p:cNvSpPr/>
+            <p:nvPr/>
+          </p:nvSpPr>
+          <p:spPr>
+            <a:xfrm>
+              <a:off x="8472899" y="1875451"/>
+              <a:ext cx="923731" cy="923731"/>
+            </a:xfrm>
+            <a:prstGeom prst="ellipse">
+              <a:avLst/>
+            </a:prstGeom>
+            <a:solidFill>
+              <a:schemeClr val="bg1"/>
+            </a:solidFill>
+            <a:ln w="38100">
+              <a:solidFill>
+                <a:srgbClr val="6C94B0"/>
+              </a:solidFill>
+            </a:ln>
+          </p:spPr>
+          <p:style>
+            <a:lnRef idx="2">
+              <a:schemeClr val="accent1">
+                <a:shade val="50000"/>
+              </a:schemeClr>
+            </a:lnRef>
+            <a:fillRef idx="1">
+              <a:schemeClr val="accent1"/>
+            </a:fillRef>
+            <a:effectRef idx="0">
+              <a:schemeClr val="accent1"/>
+            </a:effectRef>
+            <a:fontRef idx="minor">
+              <a:schemeClr val="lt1"/>
+            </a:fontRef>
+          </p:style>
+          <p:txBody>
+            <a:bodyPr lIns="0" tIns="0" rIns="0" bIns="0" rtlCol="0" anchor="ctr"/>
+            <a:lstStyle/>
+            <a:p>
+              <a:pPr algn="ctr"/>
+              <a:r>
+                <a:rPr lang="en-US" altLang="ko-KR" sz="1400" dirty="0">
+                  <a:solidFill>
+                    <a:schemeClr val="tx1"/>
+                  </a:solidFill>
+                </a:rPr>
+                <a:t>Commit</a:t>
+              </a:r>
+              <a:endParaRPr lang="ko-KR" altLang="en-US" sz="1400" dirty="0">
+                <a:solidFill>
+                  <a:schemeClr val="tx1"/>
+                </a:solidFill>
+              </a:endParaRPr>
+            </a:p>
+          </p:txBody>
+        </p:sp>
+      </p:grpSp>
+      <p:sp>
+        <p:nvSpPr>
+          <p:cNvPr id="48" name="TextBox 47">
+            <a:extLst>
+              <a:ext uri="{FF2B5EF4-FFF2-40B4-BE49-F238E27FC236}">
+                <a16:creationId xmlns:a16="http://schemas.microsoft.com/office/drawing/2014/main" id="{FCE07988-FE34-4344-ADC0-DDF7301D869E}"/>
+              </a:ext>
+            </a:extLst>
+          </p:cNvPr>
+          <p:cNvSpPr txBox="1"/>
+          <p:nvPr/>
+        </p:nvSpPr>
+        <p:spPr>
+          <a:xfrm>
+            <a:off x="7561522" y="3070275"/>
+            <a:ext cx="4282924" cy="1200329"/>
+          </a:xfrm>
+          <a:prstGeom prst="rect">
+            <a:avLst/>
+          </a:prstGeom>
+          <a:noFill/>
+          <a:ln w="47625">
+            <a:noFill/>
+            <a:prstDash val="solid"/>
+          </a:ln>
+        </p:spPr>
+        <p:txBody>
+          <a:bodyPr wrap="square" rtlCol="0">
+            <a:spAutoFit/>
+          </a:bodyPr>
+          <a:lstStyle/>
+          <a:p>
+            <a:pPr algn="ctr"/>
+            <a:r>
+              <a:rPr lang="en-US" altLang="ko-KR" b="1" dirty="0"/>
+              <a:t>Branch</a:t>
+            </a:r>
+          </a:p>
+          <a:p>
+            <a:pPr algn="ctr"/>
+            <a:r>
+              <a:rPr lang="en-US" altLang="ko-KR" dirty="0"/>
+              <a:t>Branch</a:t>
+            </a:r>
+            <a:r>
+              <a:rPr lang="ko-KR" altLang="en-US" dirty="0"/>
+              <a:t>를 통해 개발한 뒤</a:t>
+            </a:r>
+            <a:r>
+              <a:rPr lang="en-US" altLang="ko-KR" dirty="0"/>
+              <a:t>, </a:t>
+            </a:r>
+            <a:r>
+              <a:rPr lang="ko-KR" altLang="en-US" dirty="0"/>
+              <a:t>본 프로그램에 </a:t>
+            </a:r>
+            <a:r>
+              <a:rPr lang="en-US" altLang="ko-KR" dirty="0"/>
+              <a:t>Merge</a:t>
+            </a:r>
+            <a:r>
+              <a:rPr lang="ko-KR" altLang="en-US" dirty="0"/>
+              <a:t>하는 방식으로 여러 명이 동시에 작업하는 병렬 개발이 가능</a:t>
+            </a:r>
+            <a:endParaRPr lang="ko-KR" altLang="en-US" b="1" dirty="0"/>
+          </a:p>
+        </p:txBody>
+      </p:sp>
+      <p:sp>
+        <p:nvSpPr>
+          <p:cNvPr id="50" name="TextBox 49">
+            <a:extLst>
+              <a:ext uri="{FF2B5EF4-FFF2-40B4-BE49-F238E27FC236}">
+                <a16:creationId xmlns:a16="http://schemas.microsoft.com/office/drawing/2014/main" id="{F711D60B-1428-4A07-8D19-61EE1FF17818}"/>
+              </a:ext>
+            </a:extLst>
+          </p:cNvPr>
+          <p:cNvSpPr txBox="1"/>
+          <p:nvPr/>
+        </p:nvSpPr>
+        <p:spPr>
+          <a:xfrm>
+            <a:off x="293308" y="4305241"/>
+            <a:ext cx="4282924" cy="923330"/>
+          </a:xfrm>
+          <a:prstGeom prst="rect">
+            <a:avLst/>
+          </a:prstGeom>
+          <a:noFill/>
+          <a:ln w="47625">
+            <a:noFill/>
+            <a:prstDash val="solid"/>
+          </a:ln>
+        </p:spPr>
+        <p:txBody>
+          <a:bodyPr wrap="square" rtlCol="0">
+            <a:spAutoFit/>
+          </a:bodyPr>
+          <a:lstStyle/>
+          <a:p>
+            <a:pPr algn="ctr"/>
+            <a:r>
+              <a:rPr lang="ko-KR" altLang="en-US" b="1" dirty="0"/>
+              <a:t>분산형</a:t>
+            </a:r>
+            <a:endParaRPr lang="en-US" altLang="ko-KR" b="1" dirty="0"/>
+          </a:p>
+          <a:p>
+            <a:pPr algn="ctr"/>
+            <a:r>
+              <a:rPr lang="ko-KR" altLang="en-US" dirty="0"/>
+              <a:t>원격 저장소 뿐 아니라 모든 사용자의 </a:t>
+            </a:r>
+            <a:r>
+              <a:rPr lang="en-US" altLang="ko-KR" dirty="0"/>
+              <a:t>Local PC</a:t>
+            </a:r>
+            <a:r>
+              <a:rPr lang="ko-KR" altLang="en-US" dirty="0"/>
+              <a:t>에 분산되어 저장되어 있다</a:t>
+            </a:r>
+            <a:r>
+              <a:rPr lang="en-US" altLang="ko-KR" dirty="0"/>
+              <a:t>.</a:t>
+            </a:r>
+            <a:endParaRPr lang="ko-KR" altLang="en-US" b="1" dirty="0"/>
           </a:p>
         </p:txBody>
       </p:sp>
@@ -4447,6 +9368,3947 @@
     <p:extLst>
       <p:ext uri="{BB962C8B-B14F-4D97-AF65-F5344CB8AC3E}">
         <p14:creationId xmlns:p14="http://schemas.microsoft.com/office/powerpoint/2010/main" val="2653182103"/>
+      </p:ext>
+    </p:extLst>
+  </p:cSld>
+  <p:clrMapOvr>
+    <a:masterClrMapping/>
+  </p:clrMapOvr>
+</p:sld>
+</file>
+
+<file path=ppt/slides/slide3.xml><?xml version="1.0" encoding="utf-8"?>
+<p:sld xmlns:a="http://schemas.openxmlformats.org/drawingml/2006/main" xmlns:r="http://schemas.openxmlformats.org/officeDocument/2006/relationships" xmlns:p="http://schemas.openxmlformats.org/presentationml/2006/main">
+  <p:cSld>
+    <p:spTree>
+      <p:nvGrpSpPr>
+        <p:cNvPr id="1" name=""/>
+        <p:cNvGrpSpPr/>
+        <p:nvPr/>
+      </p:nvGrpSpPr>
+      <p:grpSpPr>
+        <a:xfrm>
+          <a:off x="0" y="0"/>
+          <a:ext cx="0" cy="0"/>
+          <a:chOff x="0" y="0"/>
+          <a:chExt cx="0" cy="0"/>
+        </a:xfrm>
+      </p:grpSpPr>
+      <p:sp>
+        <p:nvSpPr>
+          <p:cNvPr id="6" name="사각형: 둥근 모서리 5">
+            <a:extLst>
+              <a:ext uri="{FF2B5EF4-FFF2-40B4-BE49-F238E27FC236}">
+                <a16:creationId xmlns:a16="http://schemas.microsoft.com/office/drawing/2014/main" id="{D521D6A5-D17A-4D08-BB10-BC0BB5A5AE3E}"/>
+              </a:ext>
+            </a:extLst>
+          </p:cNvPr>
+          <p:cNvSpPr/>
+          <p:nvPr/>
+        </p:nvSpPr>
+        <p:spPr>
+          <a:xfrm>
+            <a:off x="177282" y="83084"/>
+            <a:ext cx="11837436" cy="1046813"/>
+          </a:xfrm>
+          <a:prstGeom prst="roundRect">
+            <a:avLst>
+              <a:gd name="adj" fmla="val 50000"/>
+            </a:avLst>
+          </a:prstGeom>
+          <a:gradFill>
+            <a:gsLst>
+              <a:gs pos="0">
+                <a:srgbClr val="50829B"/>
+              </a:gs>
+              <a:gs pos="100000">
+                <a:srgbClr val="6C94B0"/>
+              </a:gs>
+            </a:gsLst>
+            <a:lin ang="0" scaled="1"/>
+          </a:gradFill>
+          <a:ln>
+            <a:noFill/>
+          </a:ln>
+        </p:spPr>
+        <p:style>
+          <a:lnRef idx="2">
+            <a:schemeClr val="accent1">
+              <a:shade val="50000"/>
+            </a:schemeClr>
+          </a:lnRef>
+          <a:fillRef idx="1">
+            <a:schemeClr val="accent1"/>
+          </a:fillRef>
+          <a:effectRef idx="0">
+            <a:schemeClr val="accent1"/>
+          </a:effectRef>
+          <a:fontRef idx="minor">
+            <a:schemeClr val="lt1"/>
+          </a:fontRef>
+        </p:style>
+        <p:txBody>
+          <a:bodyPr rtlCol="0" anchor="ctr"/>
+          <a:lstStyle/>
+          <a:p>
+            <a:pPr algn="ctr"/>
+            <a:r>
+              <a:rPr lang="en-US" altLang="ko-KR" sz="4800" dirty="0"/>
+              <a:t>Github, Git</a:t>
+            </a:r>
+            <a:r>
+              <a:rPr lang="ko-KR" altLang="en-US" sz="4800" dirty="0"/>
+              <a:t>을 지원하는 원격저장소</a:t>
+            </a:r>
+          </a:p>
+        </p:txBody>
+      </p:sp>
+      <p:pic>
+        <p:nvPicPr>
+          <p:cNvPr id="5" name="내용 개체 틀 4">
+            <a:extLst>
+              <a:ext uri="{FF2B5EF4-FFF2-40B4-BE49-F238E27FC236}">
+                <a16:creationId xmlns:a16="http://schemas.microsoft.com/office/drawing/2014/main" id="{6093D086-2475-4361-85E1-FB4E78D43938}"/>
+              </a:ext>
+            </a:extLst>
+          </p:cNvPr>
+          <p:cNvPicPr>
+            <a:picLocks noGrp="1" noChangeAspect="1"/>
+          </p:cNvPicPr>
+          <p:nvPr>
+            <p:ph idx="1"/>
+          </p:nvPr>
+        </p:nvPicPr>
+        <p:blipFill>
+          <a:blip r:embed="rId2">
+            <a:extLst>
+              <a:ext uri="{28A0092B-C50C-407E-A947-70E740481C1C}">
+                <a14:useLocalDpi xmlns:a14="http://schemas.microsoft.com/office/drawing/2010/main" val="0"/>
+              </a:ext>
+            </a:extLst>
+          </a:blip>
+          <a:stretch>
+            <a:fillRect/>
+          </a:stretch>
+        </p:blipFill>
+        <p:spPr>
+          <a:xfrm>
+            <a:off x="177282" y="83083"/>
+            <a:ext cx="1045028" cy="1046814"/>
+          </a:xfrm>
+        </p:spPr>
+      </p:pic>
+      <p:pic>
+        <p:nvPicPr>
+          <p:cNvPr id="7" name="그림 6">
+            <a:extLst>
+              <a:ext uri="{FF2B5EF4-FFF2-40B4-BE49-F238E27FC236}">
+                <a16:creationId xmlns:a16="http://schemas.microsoft.com/office/drawing/2014/main" id="{DDC6EA06-E610-434E-89BF-1E4B0D6D167A}"/>
+              </a:ext>
+            </a:extLst>
+          </p:cNvPr>
+          <p:cNvPicPr>
+            <a:picLocks noChangeAspect="1"/>
+          </p:cNvPicPr>
+          <p:nvPr/>
+        </p:nvPicPr>
+        <p:blipFill>
+          <a:blip r:embed="rId3">
+            <a:extLst>
+              <a:ext uri="{28A0092B-C50C-407E-A947-70E740481C1C}">
+                <a14:useLocalDpi xmlns:a14="http://schemas.microsoft.com/office/drawing/2010/main" val="0"/>
+              </a:ext>
+            </a:extLst>
+          </a:blip>
+          <a:stretch>
+            <a:fillRect/>
+          </a:stretch>
+        </p:blipFill>
+        <p:spPr>
+          <a:xfrm>
+            <a:off x="5323347" y="6169298"/>
+            <a:ext cx="1545305" cy="605618"/>
+          </a:xfrm>
+          <a:prstGeom prst="rect">
+            <a:avLst/>
+          </a:prstGeom>
+        </p:spPr>
+      </p:pic>
+      <p:sp>
+        <p:nvSpPr>
+          <p:cNvPr id="8" name="슬라이드 번호 개체 틀 7">
+            <a:extLst>
+              <a:ext uri="{FF2B5EF4-FFF2-40B4-BE49-F238E27FC236}">
+                <a16:creationId xmlns:a16="http://schemas.microsoft.com/office/drawing/2014/main" id="{6E636F46-9B56-422B-B692-D9B59A622A4E}"/>
+              </a:ext>
+            </a:extLst>
+          </p:cNvPr>
+          <p:cNvSpPr>
+            <a:spLocks noGrp="1"/>
+          </p:cNvSpPr>
+          <p:nvPr>
+            <p:ph type="sldNum" sz="quarter" idx="12"/>
+          </p:nvPr>
+        </p:nvSpPr>
+        <p:spPr/>
+        <p:txBody>
+          <a:bodyPr/>
+          <a:lstStyle/>
+          <a:p>
+            <a:fld id="{A0C7D16C-659C-4003-998D-57A8F0509094}" type="slidenum">
+              <a:rPr lang="ko-KR" altLang="en-US" smtClean="0"/>
+              <a:t>3</a:t>
+            </a:fld>
+            <a:endParaRPr lang="ko-KR" altLang="en-US"/>
+          </a:p>
+        </p:txBody>
+      </p:sp>
+      <p:sp>
+        <p:nvSpPr>
+          <p:cNvPr id="27" name="사각형: 둥근 모서리 26">
+            <a:extLst>
+              <a:ext uri="{FF2B5EF4-FFF2-40B4-BE49-F238E27FC236}">
+                <a16:creationId xmlns:a16="http://schemas.microsoft.com/office/drawing/2014/main" id="{8E942232-1EEB-4E17-A09F-62F31C8FA5AE}"/>
+              </a:ext>
+            </a:extLst>
+          </p:cNvPr>
+          <p:cNvSpPr/>
+          <p:nvPr/>
+        </p:nvSpPr>
+        <p:spPr>
+          <a:xfrm>
+            <a:off x="839756" y="1813768"/>
+            <a:ext cx="1558212" cy="798804"/>
+          </a:xfrm>
+          <a:prstGeom prst="roundRect">
+            <a:avLst/>
+          </a:prstGeom>
+          <a:noFill/>
+          <a:ln w="63500" cap="rnd">
+            <a:solidFill>
+              <a:srgbClr val="5887A1"/>
+            </a:solidFill>
+            <a:prstDash val="solid"/>
+            <a:miter lim="800000"/>
+          </a:ln>
+        </p:spPr>
+        <p:style>
+          <a:lnRef idx="2">
+            <a:schemeClr val="accent1">
+              <a:shade val="50000"/>
+            </a:schemeClr>
+          </a:lnRef>
+          <a:fillRef idx="1">
+            <a:schemeClr val="accent1"/>
+          </a:fillRef>
+          <a:effectRef idx="0">
+            <a:schemeClr val="accent1"/>
+          </a:effectRef>
+          <a:fontRef idx="minor">
+            <a:schemeClr val="lt1"/>
+          </a:fontRef>
+        </p:style>
+        <p:txBody>
+          <a:bodyPr rtlCol="0" anchor="ctr"/>
+          <a:lstStyle/>
+          <a:p>
+            <a:pPr algn="ctr"/>
+            <a:r>
+              <a:rPr lang="en-US" altLang="ko-KR" dirty="0">
+                <a:solidFill>
+                  <a:schemeClr val="tx1"/>
+                </a:solidFill>
+              </a:rPr>
+              <a:t>Local PC</a:t>
+            </a:r>
+            <a:endParaRPr lang="ko-KR" altLang="en-US" dirty="0">
+              <a:solidFill>
+                <a:schemeClr val="tx1"/>
+              </a:solidFill>
+            </a:endParaRPr>
+          </a:p>
+        </p:txBody>
+      </p:sp>
+      <p:sp>
+        <p:nvSpPr>
+          <p:cNvPr id="28" name="사각형: 둥근 모서리 27">
+            <a:extLst>
+              <a:ext uri="{FF2B5EF4-FFF2-40B4-BE49-F238E27FC236}">
+                <a16:creationId xmlns:a16="http://schemas.microsoft.com/office/drawing/2014/main" id="{F5D38851-8D4B-4F6C-AEA5-90A9A66B9393}"/>
+              </a:ext>
+            </a:extLst>
+          </p:cNvPr>
+          <p:cNvSpPr/>
+          <p:nvPr/>
+        </p:nvSpPr>
+        <p:spPr>
+          <a:xfrm>
+            <a:off x="839756" y="2919445"/>
+            <a:ext cx="1558212" cy="798804"/>
+          </a:xfrm>
+          <a:prstGeom prst="roundRect">
+            <a:avLst/>
+          </a:prstGeom>
+          <a:noFill/>
+          <a:ln w="63500" cap="rnd">
+            <a:solidFill>
+              <a:srgbClr val="5887A1"/>
+            </a:solidFill>
+            <a:prstDash val="solid"/>
+            <a:miter lim="800000"/>
+          </a:ln>
+        </p:spPr>
+        <p:style>
+          <a:lnRef idx="2">
+            <a:schemeClr val="accent1">
+              <a:shade val="50000"/>
+            </a:schemeClr>
+          </a:lnRef>
+          <a:fillRef idx="1">
+            <a:schemeClr val="accent1"/>
+          </a:fillRef>
+          <a:effectRef idx="0">
+            <a:schemeClr val="accent1"/>
+          </a:effectRef>
+          <a:fontRef idx="minor">
+            <a:schemeClr val="lt1"/>
+          </a:fontRef>
+        </p:style>
+        <p:txBody>
+          <a:bodyPr rtlCol="0" anchor="ctr"/>
+          <a:lstStyle/>
+          <a:p>
+            <a:pPr algn="ctr"/>
+            <a:r>
+              <a:rPr lang="en-US" altLang="ko-KR" dirty="0">
+                <a:solidFill>
+                  <a:schemeClr val="tx1"/>
+                </a:solidFill>
+              </a:rPr>
+              <a:t>Local PC</a:t>
+            </a:r>
+            <a:endParaRPr lang="ko-KR" altLang="en-US" dirty="0">
+              <a:solidFill>
+                <a:schemeClr val="tx1"/>
+              </a:solidFill>
+            </a:endParaRPr>
+          </a:p>
+        </p:txBody>
+      </p:sp>
+      <p:sp>
+        <p:nvSpPr>
+          <p:cNvPr id="31" name="사각형: 둥근 모서리 30">
+            <a:extLst>
+              <a:ext uri="{FF2B5EF4-FFF2-40B4-BE49-F238E27FC236}">
+                <a16:creationId xmlns:a16="http://schemas.microsoft.com/office/drawing/2014/main" id="{F7E05FE5-807B-463F-A5BB-34DA813523EE}"/>
+              </a:ext>
+            </a:extLst>
+          </p:cNvPr>
+          <p:cNvSpPr/>
+          <p:nvPr/>
+        </p:nvSpPr>
+        <p:spPr>
+          <a:xfrm>
+            <a:off x="1222310" y="4025122"/>
+            <a:ext cx="1558212" cy="798804"/>
+          </a:xfrm>
+          <a:prstGeom prst="roundRect">
+            <a:avLst/>
+          </a:prstGeom>
+          <a:noFill/>
+          <a:ln w="63500" cap="rnd">
+            <a:solidFill>
+              <a:srgbClr val="5887A1"/>
+            </a:solidFill>
+            <a:prstDash val="solid"/>
+            <a:miter lim="800000"/>
+          </a:ln>
+        </p:spPr>
+        <p:style>
+          <a:lnRef idx="2">
+            <a:schemeClr val="accent1">
+              <a:shade val="50000"/>
+            </a:schemeClr>
+          </a:lnRef>
+          <a:fillRef idx="1">
+            <a:schemeClr val="accent1"/>
+          </a:fillRef>
+          <a:effectRef idx="0">
+            <a:schemeClr val="accent1"/>
+          </a:effectRef>
+          <a:fontRef idx="minor">
+            <a:schemeClr val="lt1"/>
+          </a:fontRef>
+        </p:style>
+        <p:txBody>
+          <a:bodyPr rtlCol="0" anchor="ctr"/>
+          <a:lstStyle/>
+          <a:p>
+            <a:pPr algn="ctr"/>
+            <a:r>
+              <a:rPr lang="en-US" altLang="ko-KR" dirty="0">
+                <a:solidFill>
+                  <a:schemeClr val="tx1"/>
+                </a:solidFill>
+              </a:rPr>
+              <a:t>Local PC</a:t>
+            </a:r>
+            <a:endParaRPr lang="ko-KR" altLang="en-US" dirty="0">
+              <a:solidFill>
+                <a:schemeClr val="tx1"/>
+              </a:solidFill>
+            </a:endParaRPr>
+          </a:p>
+        </p:txBody>
+      </p:sp>
+      <p:grpSp>
+        <p:nvGrpSpPr>
+          <p:cNvPr id="16" name="그룹 15">
+            <a:extLst>
+              <a:ext uri="{FF2B5EF4-FFF2-40B4-BE49-F238E27FC236}">
+                <a16:creationId xmlns:a16="http://schemas.microsoft.com/office/drawing/2014/main" id="{DE0DA3FE-0742-430B-8351-2C272061AB70}"/>
+              </a:ext>
+            </a:extLst>
+          </p:cNvPr>
+          <p:cNvGrpSpPr/>
+          <p:nvPr/>
+        </p:nvGrpSpPr>
+        <p:grpSpPr>
+          <a:xfrm>
+            <a:off x="4302386" y="1924635"/>
+            <a:ext cx="3587227" cy="3587227"/>
+            <a:chOff x="4302386" y="1635386"/>
+            <a:chExt cx="3587227" cy="3587227"/>
+          </a:xfrm>
+        </p:grpSpPr>
+        <p:sp>
+          <p:nvSpPr>
+            <p:cNvPr id="32" name="타원 31">
+              <a:extLst>
+                <a:ext uri="{FF2B5EF4-FFF2-40B4-BE49-F238E27FC236}">
+                  <a16:creationId xmlns:a16="http://schemas.microsoft.com/office/drawing/2014/main" id="{5F15FCBA-9D8C-4346-A020-8505C882740F}"/>
+                </a:ext>
+              </a:extLst>
+            </p:cNvPr>
+            <p:cNvSpPr/>
+            <p:nvPr/>
+          </p:nvSpPr>
+          <p:spPr>
+            <a:xfrm>
+              <a:off x="4302386" y="1635386"/>
+              <a:ext cx="3587227" cy="3587227"/>
+            </a:xfrm>
+            <a:prstGeom prst="ellipse">
+              <a:avLst/>
+            </a:prstGeom>
+            <a:solidFill>
+              <a:schemeClr val="bg1"/>
+            </a:solidFill>
+            <a:ln w="38100">
+              <a:solidFill>
+                <a:srgbClr val="6C94B0"/>
+              </a:solidFill>
+            </a:ln>
+          </p:spPr>
+          <p:style>
+            <a:lnRef idx="2">
+              <a:schemeClr val="accent1">
+                <a:shade val="50000"/>
+              </a:schemeClr>
+            </a:lnRef>
+            <a:fillRef idx="1">
+              <a:schemeClr val="accent1"/>
+            </a:fillRef>
+            <a:effectRef idx="0">
+              <a:schemeClr val="accent1"/>
+            </a:effectRef>
+            <a:fontRef idx="minor">
+              <a:schemeClr val="lt1"/>
+            </a:fontRef>
+          </p:style>
+          <p:txBody>
+            <a:bodyPr lIns="0" tIns="0" rIns="0" bIns="0" rtlCol="0" anchor="ctr"/>
+            <a:lstStyle/>
+            <a:p>
+              <a:pPr algn="ctr"/>
+              <a:endParaRPr lang="ko-KR" altLang="en-US" sz="1400" dirty="0">
+                <a:solidFill>
+                  <a:schemeClr val="tx1"/>
+                </a:solidFill>
+              </a:endParaRPr>
+            </a:p>
+          </p:txBody>
+        </p:sp>
+        <p:pic>
+          <p:nvPicPr>
+            <p:cNvPr id="1026" name="Picture 2" descr="Git push 결과물이 Github 잔디에 반영이 안될 때 해결하기 | by Ryan Kim | Medium">
+              <a:extLst>
+                <a:ext uri="{FF2B5EF4-FFF2-40B4-BE49-F238E27FC236}">
+                  <a16:creationId xmlns:a16="http://schemas.microsoft.com/office/drawing/2014/main" id="{6CA50AB9-EFDD-4132-A9CF-08F151535EC0}"/>
+                </a:ext>
+              </a:extLst>
+            </p:cNvPr>
+            <p:cNvPicPr>
+              <a:picLocks noChangeAspect="1" noChangeArrowheads="1"/>
+            </p:cNvPicPr>
+            <p:nvPr/>
+          </p:nvPicPr>
+          <p:blipFill>
+            <a:blip r:embed="rId4">
+              <a:extLst>
+                <a:ext uri="{28A0092B-C50C-407E-A947-70E740481C1C}">
+                  <a14:useLocalDpi xmlns:a14="http://schemas.microsoft.com/office/drawing/2010/main" val="0"/>
+                </a:ext>
+              </a:extLst>
+            </a:blip>
+            <a:srcRect/>
+            <a:stretch>
+              <a:fillRect/>
+            </a:stretch>
+          </p:blipFill>
+          <p:spPr bwMode="auto">
+            <a:xfrm>
+              <a:off x="4695824" y="2614611"/>
+              <a:ext cx="2800350" cy="1628775"/>
+            </a:xfrm>
+            <a:prstGeom prst="rect">
+              <a:avLst/>
+            </a:prstGeom>
+            <a:noFill/>
+            <a:extLst>
+              <a:ext uri="{909E8E84-426E-40DD-AFC4-6F175D3DCCD1}">
+                <a14:hiddenFill xmlns:a14="http://schemas.microsoft.com/office/drawing/2010/main">
+                  <a:solidFill>
+                    <a:srgbClr val="FFFFFF"/>
+                  </a:solidFill>
+                </a14:hiddenFill>
+              </a:ext>
+            </a:extLst>
+          </p:spPr>
+        </p:pic>
+      </p:grpSp>
+      <p:sp>
+        <p:nvSpPr>
+          <p:cNvPr id="34" name="사각형: 둥근 모서리 33">
+            <a:extLst>
+              <a:ext uri="{FF2B5EF4-FFF2-40B4-BE49-F238E27FC236}">
+                <a16:creationId xmlns:a16="http://schemas.microsoft.com/office/drawing/2014/main" id="{9626A020-544E-4AB7-9B95-315F2C78FD0B}"/>
+              </a:ext>
+            </a:extLst>
+          </p:cNvPr>
+          <p:cNvSpPr/>
+          <p:nvPr/>
+        </p:nvSpPr>
+        <p:spPr>
+          <a:xfrm>
+            <a:off x="9794031" y="1809103"/>
+            <a:ext cx="1558212" cy="798804"/>
+          </a:xfrm>
+          <a:prstGeom prst="roundRect">
+            <a:avLst/>
+          </a:prstGeom>
+          <a:noFill/>
+          <a:ln w="63500" cap="rnd">
+            <a:solidFill>
+              <a:srgbClr val="5887A1"/>
+            </a:solidFill>
+            <a:prstDash val="solid"/>
+            <a:miter lim="800000"/>
+          </a:ln>
+        </p:spPr>
+        <p:style>
+          <a:lnRef idx="2">
+            <a:schemeClr val="accent1">
+              <a:shade val="50000"/>
+            </a:schemeClr>
+          </a:lnRef>
+          <a:fillRef idx="1">
+            <a:schemeClr val="accent1"/>
+          </a:fillRef>
+          <a:effectRef idx="0">
+            <a:schemeClr val="accent1"/>
+          </a:effectRef>
+          <a:fontRef idx="minor">
+            <a:schemeClr val="lt1"/>
+          </a:fontRef>
+        </p:style>
+        <p:txBody>
+          <a:bodyPr rtlCol="0" anchor="ctr"/>
+          <a:lstStyle/>
+          <a:p>
+            <a:pPr algn="ctr"/>
+            <a:r>
+              <a:rPr lang="en-US" altLang="ko-KR" dirty="0">
+                <a:solidFill>
+                  <a:schemeClr val="tx1"/>
+                </a:solidFill>
+              </a:rPr>
+              <a:t>Local PC</a:t>
+            </a:r>
+            <a:endParaRPr lang="ko-KR" altLang="en-US" dirty="0">
+              <a:solidFill>
+                <a:schemeClr val="tx1"/>
+              </a:solidFill>
+            </a:endParaRPr>
+          </a:p>
+        </p:txBody>
+      </p:sp>
+      <p:sp>
+        <p:nvSpPr>
+          <p:cNvPr id="35" name="사각형: 둥근 모서리 34">
+            <a:extLst>
+              <a:ext uri="{FF2B5EF4-FFF2-40B4-BE49-F238E27FC236}">
+                <a16:creationId xmlns:a16="http://schemas.microsoft.com/office/drawing/2014/main" id="{CAD21B92-38E5-4639-9AD6-767D8BEFFD73}"/>
+              </a:ext>
+            </a:extLst>
+          </p:cNvPr>
+          <p:cNvSpPr/>
+          <p:nvPr/>
+        </p:nvSpPr>
+        <p:spPr>
+          <a:xfrm>
+            <a:off x="9794031" y="2914780"/>
+            <a:ext cx="1558212" cy="798804"/>
+          </a:xfrm>
+          <a:prstGeom prst="roundRect">
+            <a:avLst/>
+          </a:prstGeom>
+          <a:noFill/>
+          <a:ln w="63500" cap="rnd">
+            <a:solidFill>
+              <a:srgbClr val="5887A1"/>
+            </a:solidFill>
+            <a:prstDash val="solid"/>
+            <a:miter lim="800000"/>
+          </a:ln>
+        </p:spPr>
+        <p:style>
+          <a:lnRef idx="2">
+            <a:schemeClr val="accent1">
+              <a:shade val="50000"/>
+            </a:schemeClr>
+          </a:lnRef>
+          <a:fillRef idx="1">
+            <a:schemeClr val="accent1"/>
+          </a:fillRef>
+          <a:effectRef idx="0">
+            <a:schemeClr val="accent1"/>
+          </a:effectRef>
+          <a:fontRef idx="minor">
+            <a:schemeClr val="lt1"/>
+          </a:fontRef>
+        </p:style>
+        <p:txBody>
+          <a:bodyPr rtlCol="0" anchor="ctr"/>
+          <a:lstStyle/>
+          <a:p>
+            <a:pPr algn="ctr"/>
+            <a:r>
+              <a:rPr lang="en-US" altLang="ko-KR" dirty="0">
+                <a:solidFill>
+                  <a:schemeClr val="tx1"/>
+                </a:solidFill>
+              </a:rPr>
+              <a:t>Local PC</a:t>
+            </a:r>
+            <a:endParaRPr lang="ko-KR" altLang="en-US" dirty="0">
+              <a:solidFill>
+                <a:schemeClr val="tx1"/>
+              </a:solidFill>
+            </a:endParaRPr>
+          </a:p>
+        </p:txBody>
+      </p:sp>
+      <p:sp>
+        <p:nvSpPr>
+          <p:cNvPr id="36" name="사각형: 둥근 모서리 35">
+            <a:extLst>
+              <a:ext uri="{FF2B5EF4-FFF2-40B4-BE49-F238E27FC236}">
+                <a16:creationId xmlns:a16="http://schemas.microsoft.com/office/drawing/2014/main" id="{DC595FE4-9666-4DE4-BC8B-CF64CA3010FC}"/>
+              </a:ext>
+            </a:extLst>
+          </p:cNvPr>
+          <p:cNvSpPr/>
+          <p:nvPr/>
+        </p:nvSpPr>
+        <p:spPr>
+          <a:xfrm>
+            <a:off x="9411477" y="4020457"/>
+            <a:ext cx="1558212" cy="798804"/>
+          </a:xfrm>
+          <a:prstGeom prst="roundRect">
+            <a:avLst/>
+          </a:prstGeom>
+          <a:noFill/>
+          <a:ln w="63500" cap="rnd">
+            <a:solidFill>
+              <a:srgbClr val="5887A1"/>
+            </a:solidFill>
+            <a:prstDash val="solid"/>
+            <a:miter lim="800000"/>
+          </a:ln>
+        </p:spPr>
+        <p:style>
+          <a:lnRef idx="2">
+            <a:schemeClr val="accent1">
+              <a:shade val="50000"/>
+            </a:schemeClr>
+          </a:lnRef>
+          <a:fillRef idx="1">
+            <a:schemeClr val="accent1"/>
+          </a:fillRef>
+          <a:effectRef idx="0">
+            <a:schemeClr val="accent1"/>
+          </a:effectRef>
+          <a:fontRef idx="minor">
+            <a:schemeClr val="lt1"/>
+          </a:fontRef>
+        </p:style>
+        <p:txBody>
+          <a:bodyPr rtlCol="0" anchor="ctr"/>
+          <a:lstStyle/>
+          <a:p>
+            <a:pPr algn="ctr"/>
+            <a:r>
+              <a:rPr lang="en-US" altLang="ko-KR" dirty="0">
+                <a:solidFill>
+                  <a:schemeClr val="tx1"/>
+                </a:solidFill>
+              </a:rPr>
+              <a:t>Local PC</a:t>
+            </a:r>
+            <a:endParaRPr lang="ko-KR" altLang="en-US" dirty="0">
+              <a:solidFill>
+                <a:schemeClr val="tx1"/>
+              </a:solidFill>
+            </a:endParaRPr>
+          </a:p>
+        </p:txBody>
+      </p:sp>
+      <p:cxnSp>
+        <p:nvCxnSpPr>
+          <p:cNvPr id="38" name="직선 화살표 연결선 37">
+            <a:extLst>
+              <a:ext uri="{FF2B5EF4-FFF2-40B4-BE49-F238E27FC236}">
+                <a16:creationId xmlns:a16="http://schemas.microsoft.com/office/drawing/2014/main" id="{9D606FA9-A9FB-465F-A35E-CC9ACCF130B3}"/>
+              </a:ext>
+            </a:extLst>
+          </p:cNvPr>
+          <p:cNvCxnSpPr>
+            <a:cxnSpLocks/>
+            <a:stCxn id="27" idx="3"/>
+            <a:endCxn id="32" idx="2"/>
+          </p:cNvCxnSpPr>
+          <p:nvPr/>
+        </p:nvCxnSpPr>
+        <p:spPr>
+          <a:xfrm>
+            <a:off x="2397968" y="2213170"/>
+            <a:ext cx="1904418" cy="1505079"/>
+          </a:xfrm>
+          <a:prstGeom prst="straightConnector1">
+            <a:avLst/>
+          </a:prstGeom>
+          <a:ln w="101600">
+            <a:solidFill>
+              <a:srgbClr val="365164"/>
+            </a:solidFill>
+            <a:tailEnd type="arrow" w="sm" len="sm"/>
+          </a:ln>
+        </p:spPr>
+        <p:style>
+          <a:lnRef idx="1">
+            <a:schemeClr val="accent1"/>
+          </a:lnRef>
+          <a:fillRef idx="0">
+            <a:schemeClr val="accent1"/>
+          </a:fillRef>
+          <a:effectRef idx="0">
+            <a:schemeClr val="accent1"/>
+          </a:effectRef>
+          <a:fontRef idx="minor">
+            <a:schemeClr val="tx1"/>
+          </a:fontRef>
+        </p:style>
+      </p:cxnSp>
+      <p:cxnSp>
+        <p:nvCxnSpPr>
+          <p:cNvPr id="39" name="직선 화살표 연결선 38">
+            <a:extLst>
+              <a:ext uri="{FF2B5EF4-FFF2-40B4-BE49-F238E27FC236}">
+                <a16:creationId xmlns:a16="http://schemas.microsoft.com/office/drawing/2014/main" id="{384344B9-67CF-4B8E-A9D7-F992166177B9}"/>
+              </a:ext>
+            </a:extLst>
+          </p:cNvPr>
+          <p:cNvCxnSpPr>
+            <a:cxnSpLocks/>
+            <a:stCxn id="28" idx="3"/>
+            <a:endCxn id="32" idx="2"/>
+          </p:cNvCxnSpPr>
+          <p:nvPr/>
+        </p:nvCxnSpPr>
+        <p:spPr>
+          <a:xfrm>
+            <a:off x="2397968" y="3318847"/>
+            <a:ext cx="1904418" cy="399402"/>
+          </a:xfrm>
+          <a:prstGeom prst="straightConnector1">
+            <a:avLst/>
+          </a:prstGeom>
+          <a:ln w="101600">
+            <a:solidFill>
+              <a:srgbClr val="365164"/>
+            </a:solidFill>
+            <a:tailEnd type="arrow" w="sm" len="sm"/>
+          </a:ln>
+        </p:spPr>
+        <p:style>
+          <a:lnRef idx="1">
+            <a:schemeClr val="accent1"/>
+          </a:lnRef>
+          <a:fillRef idx="0">
+            <a:schemeClr val="accent1"/>
+          </a:fillRef>
+          <a:effectRef idx="0">
+            <a:schemeClr val="accent1"/>
+          </a:effectRef>
+          <a:fontRef idx="minor">
+            <a:schemeClr val="tx1"/>
+          </a:fontRef>
+        </p:style>
+      </p:cxnSp>
+      <p:cxnSp>
+        <p:nvCxnSpPr>
+          <p:cNvPr id="42" name="직선 화살표 연결선 41">
+            <a:extLst>
+              <a:ext uri="{FF2B5EF4-FFF2-40B4-BE49-F238E27FC236}">
+                <a16:creationId xmlns:a16="http://schemas.microsoft.com/office/drawing/2014/main" id="{2E2E3601-C92A-46F1-8704-ECC67789D2C0}"/>
+              </a:ext>
+            </a:extLst>
+          </p:cNvPr>
+          <p:cNvCxnSpPr>
+            <a:cxnSpLocks/>
+            <a:endCxn id="32" idx="2"/>
+          </p:cNvCxnSpPr>
+          <p:nvPr/>
+        </p:nvCxnSpPr>
+        <p:spPr>
+          <a:xfrm flipV="1">
+            <a:off x="2892490" y="3718249"/>
+            <a:ext cx="1409896" cy="723122"/>
+          </a:xfrm>
+          <a:prstGeom prst="straightConnector1">
+            <a:avLst/>
+          </a:prstGeom>
+          <a:ln w="101600">
+            <a:solidFill>
+              <a:srgbClr val="365164"/>
+            </a:solidFill>
+            <a:tailEnd type="arrow" w="sm" len="sm"/>
+          </a:ln>
+        </p:spPr>
+        <p:style>
+          <a:lnRef idx="1">
+            <a:schemeClr val="accent1"/>
+          </a:lnRef>
+          <a:fillRef idx="0">
+            <a:schemeClr val="accent1"/>
+          </a:fillRef>
+          <a:effectRef idx="0">
+            <a:schemeClr val="accent1"/>
+          </a:effectRef>
+          <a:fontRef idx="minor">
+            <a:schemeClr val="tx1"/>
+          </a:fontRef>
+        </p:style>
+      </p:cxnSp>
+      <p:cxnSp>
+        <p:nvCxnSpPr>
+          <p:cNvPr id="45" name="직선 화살표 연결선 44">
+            <a:extLst>
+              <a:ext uri="{FF2B5EF4-FFF2-40B4-BE49-F238E27FC236}">
+                <a16:creationId xmlns:a16="http://schemas.microsoft.com/office/drawing/2014/main" id="{3EBED7FD-F35B-461D-93BB-C5CB31F2327B}"/>
+              </a:ext>
+            </a:extLst>
+          </p:cNvPr>
+          <p:cNvCxnSpPr>
+            <a:cxnSpLocks/>
+            <a:stCxn id="34" idx="1"/>
+            <a:endCxn id="32" idx="6"/>
+          </p:cNvCxnSpPr>
+          <p:nvPr/>
+        </p:nvCxnSpPr>
+        <p:spPr>
+          <a:xfrm flipH="1">
+            <a:off x="7889613" y="2208505"/>
+            <a:ext cx="1904418" cy="1509744"/>
+          </a:xfrm>
+          <a:prstGeom prst="straightConnector1">
+            <a:avLst/>
+          </a:prstGeom>
+          <a:ln w="101600">
+            <a:solidFill>
+              <a:srgbClr val="365164"/>
+            </a:solidFill>
+            <a:tailEnd type="arrow" w="sm" len="sm"/>
+          </a:ln>
+        </p:spPr>
+        <p:style>
+          <a:lnRef idx="1">
+            <a:schemeClr val="accent1"/>
+          </a:lnRef>
+          <a:fillRef idx="0">
+            <a:schemeClr val="accent1"/>
+          </a:fillRef>
+          <a:effectRef idx="0">
+            <a:schemeClr val="accent1"/>
+          </a:effectRef>
+          <a:fontRef idx="minor">
+            <a:schemeClr val="tx1"/>
+          </a:fontRef>
+        </p:style>
+      </p:cxnSp>
+      <p:cxnSp>
+        <p:nvCxnSpPr>
+          <p:cNvPr id="47" name="직선 화살표 연결선 46">
+            <a:extLst>
+              <a:ext uri="{FF2B5EF4-FFF2-40B4-BE49-F238E27FC236}">
+                <a16:creationId xmlns:a16="http://schemas.microsoft.com/office/drawing/2014/main" id="{9DC1A022-27D7-49B0-8AC4-5F762F3AE0F7}"/>
+              </a:ext>
+            </a:extLst>
+          </p:cNvPr>
+          <p:cNvCxnSpPr>
+            <a:cxnSpLocks/>
+            <a:stCxn id="35" idx="1"/>
+            <a:endCxn id="32" idx="6"/>
+          </p:cNvCxnSpPr>
+          <p:nvPr/>
+        </p:nvCxnSpPr>
+        <p:spPr>
+          <a:xfrm flipH="1">
+            <a:off x="7889613" y="3314182"/>
+            <a:ext cx="1904418" cy="404067"/>
+          </a:xfrm>
+          <a:prstGeom prst="straightConnector1">
+            <a:avLst/>
+          </a:prstGeom>
+          <a:ln w="101600">
+            <a:solidFill>
+              <a:srgbClr val="365164"/>
+            </a:solidFill>
+            <a:tailEnd type="arrow" w="sm" len="sm"/>
+          </a:ln>
+        </p:spPr>
+        <p:style>
+          <a:lnRef idx="1">
+            <a:schemeClr val="accent1"/>
+          </a:lnRef>
+          <a:fillRef idx="0">
+            <a:schemeClr val="accent1"/>
+          </a:fillRef>
+          <a:effectRef idx="0">
+            <a:schemeClr val="accent1"/>
+          </a:effectRef>
+          <a:fontRef idx="minor">
+            <a:schemeClr val="tx1"/>
+          </a:fontRef>
+        </p:style>
+      </p:cxnSp>
+      <p:cxnSp>
+        <p:nvCxnSpPr>
+          <p:cNvPr id="49" name="직선 화살표 연결선 48">
+            <a:extLst>
+              <a:ext uri="{FF2B5EF4-FFF2-40B4-BE49-F238E27FC236}">
+                <a16:creationId xmlns:a16="http://schemas.microsoft.com/office/drawing/2014/main" id="{0F62DBDA-EB3E-4AF2-8C72-CE07DBC5D594}"/>
+              </a:ext>
+            </a:extLst>
+          </p:cNvPr>
+          <p:cNvCxnSpPr>
+            <a:cxnSpLocks/>
+            <a:stCxn id="36" idx="1"/>
+            <a:endCxn id="32" idx="6"/>
+          </p:cNvCxnSpPr>
+          <p:nvPr/>
+        </p:nvCxnSpPr>
+        <p:spPr>
+          <a:xfrm flipH="1" flipV="1">
+            <a:off x="7889613" y="3718249"/>
+            <a:ext cx="1521864" cy="701610"/>
+          </a:xfrm>
+          <a:prstGeom prst="straightConnector1">
+            <a:avLst/>
+          </a:prstGeom>
+          <a:ln w="101600">
+            <a:solidFill>
+              <a:srgbClr val="365164"/>
+            </a:solidFill>
+            <a:tailEnd type="arrow" w="sm" len="sm"/>
+          </a:ln>
+        </p:spPr>
+        <p:style>
+          <a:lnRef idx="1">
+            <a:schemeClr val="accent1"/>
+          </a:lnRef>
+          <a:fillRef idx="0">
+            <a:schemeClr val="accent1"/>
+          </a:fillRef>
+          <a:effectRef idx="0">
+            <a:schemeClr val="accent1"/>
+          </a:effectRef>
+          <a:fontRef idx="minor">
+            <a:schemeClr val="tx1"/>
+          </a:fontRef>
+        </p:style>
+      </p:cxnSp>
+    </p:spTree>
+    <p:extLst>
+      <p:ext uri="{BB962C8B-B14F-4D97-AF65-F5344CB8AC3E}">
+        <p14:creationId xmlns:p14="http://schemas.microsoft.com/office/powerpoint/2010/main" val="2579065239"/>
+      </p:ext>
+    </p:extLst>
+  </p:cSld>
+  <p:clrMapOvr>
+    <a:masterClrMapping/>
+  </p:clrMapOvr>
+</p:sld>
+</file>
+
+<file path=ppt/slides/slide4.xml><?xml version="1.0" encoding="utf-8"?>
+<p:sld xmlns:a="http://schemas.openxmlformats.org/drawingml/2006/main" xmlns:r="http://schemas.openxmlformats.org/officeDocument/2006/relationships" xmlns:p="http://schemas.openxmlformats.org/presentationml/2006/main">
+  <p:cSld>
+    <p:spTree>
+      <p:nvGrpSpPr>
+        <p:cNvPr id="1" name=""/>
+        <p:cNvGrpSpPr/>
+        <p:nvPr/>
+      </p:nvGrpSpPr>
+      <p:grpSpPr>
+        <a:xfrm>
+          <a:off x="0" y="0"/>
+          <a:ext cx="0" cy="0"/>
+          <a:chOff x="0" y="0"/>
+          <a:chExt cx="0" cy="0"/>
+        </a:xfrm>
+      </p:grpSpPr>
+      <p:sp>
+        <p:nvSpPr>
+          <p:cNvPr id="6" name="사각형: 둥근 모서리 5">
+            <a:extLst>
+              <a:ext uri="{FF2B5EF4-FFF2-40B4-BE49-F238E27FC236}">
+                <a16:creationId xmlns:a16="http://schemas.microsoft.com/office/drawing/2014/main" id="{D521D6A5-D17A-4D08-BB10-BC0BB5A5AE3E}"/>
+              </a:ext>
+            </a:extLst>
+          </p:cNvPr>
+          <p:cNvSpPr/>
+          <p:nvPr/>
+        </p:nvSpPr>
+        <p:spPr>
+          <a:xfrm>
+            <a:off x="177282" y="83084"/>
+            <a:ext cx="11837436" cy="1046813"/>
+          </a:xfrm>
+          <a:prstGeom prst="roundRect">
+            <a:avLst>
+              <a:gd name="adj" fmla="val 50000"/>
+            </a:avLst>
+          </a:prstGeom>
+          <a:gradFill>
+            <a:gsLst>
+              <a:gs pos="0">
+                <a:srgbClr val="50829B"/>
+              </a:gs>
+              <a:gs pos="100000">
+                <a:srgbClr val="6C94B0"/>
+              </a:gs>
+            </a:gsLst>
+            <a:lin ang="0" scaled="1"/>
+          </a:gradFill>
+          <a:ln>
+            <a:noFill/>
+          </a:ln>
+        </p:spPr>
+        <p:style>
+          <a:lnRef idx="2">
+            <a:schemeClr val="accent1">
+              <a:shade val="50000"/>
+            </a:schemeClr>
+          </a:lnRef>
+          <a:fillRef idx="1">
+            <a:schemeClr val="accent1"/>
+          </a:fillRef>
+          <a:effectRef idx="0">
+            <a:schemeClr val="accent1"/>
+          </a:effectRef>
+          <a:fontRef idx="minor">
+            <a:schemeClr val="lt1"/>
+          </a:fontRef>
+        </p:style>
+        <p:txBody>
+          <a:bodyPr rtlCol="0" anchor="ctr"/>
+          <a:lstStyle/>
+          <a:p>
+            <a:pPr algn="ctr"/>
+            <a:r>
+              <a:rPr lang="en-US" altLang="ko-KR" sz="4800" dirty="0"/>
+              <a:t>AI </a:t>
+            </a:r>
+            <a:r>
+              <a:rPr lang="ko-KR" altLang="en-US" sz="4800" dirty="0"/>
+              <a:t>그룹활동에 필요한 내용만</a:t>
+            </a:r>
+            <a:r>
+              <a:rPr lang="en-US" altLang="ko-KR" sz="4800" dirty="0"/>
+              <a:t>!</a:t>
+            </a:r>
+            <a:endParaRPr lang="ko-KR" altLang="en-US" sz="4800" dirty="0"/>
+          </a:p>
+        </p:txBody>
+      </p:sp>
+      <p:pic>
+        <p:nvPicPr>
+          <p:cNvPr id="5" name="내용 개체 틀 4">
+            <a:extLst>
+              <a:ext uri="{FF2B5EF4-FFF2-40B4-BE49-F238E27FC236}">
+                <a16:creationId xmlns:a16="http://schemas.microsoft.com/office/drawing/2014/main" id="{6093D086-2475-4361-85E1-FB4E78D43938}"/>
+              </a:ext>
+            </a:extLst>
+          </p:cNvPr>
+          <p:cNvPicPr>
+            <a:picLocks noGrp="1" noChangeAspect="1"/>
+          </p:cNvPicPr>
+          <p:nvPr>
+            <p:ph idx="1"/>
+          </p:nvPr>
+        </p:nvPicPr>
+        <p:blipFill>
+          <a:blip r:embed="rId2">
+            <a:extLst>
+              <a:ext uri="{28A0092B-C50C-407E-A947-70E740481C1C}">
+                <a14:useLocalDpi xmlns:a14="http://schemas.microsoft.com/office/drawing/2010/main" val="0"/>
+              </a:ext>
+            </a:extLst>
+          </a:blip>
+          <a:stretch>
+            <a:fillRect/>
+          </a:stretch>
+        </p:blipFill>
+        <p:spPr>
+          <a:xfrm>
+            <a:off x="177282" y="83083"/>
+            <a:ext cx="1045028" cy="1046814"/>
+          </a:xfrm>
+        </p:spPr>
+      </p:pic>
+      <p:pic>
+        <p:nvPicPr>
+          <p:cNvPr id="7" name="그림 6">
+            <a:extLst>
+              <a:ext uri="{FF2B5EF4-FFF2-40B4-BE49-F238E27FC236}">
+                <a16:creationId xmlns:a16="http://schemas.microsoft.com/office/drawing/2014/main" id="{DDC6EA06-E610-434E-89BF-1E4B0D6D167A}"/>
+              </a:ext>
+            </a:extLst>
+          </p:cNvPr>
+          <p:cNvPicPr>
+            <a:picLocks noChangeAspect="1"/>
+          </p:cNvPicPr>
+          <p:nvPr/>
+        </p:nvPicPr>
+        <p:blipFill>
+          <a:blip r:embed="rId3">
+            <a:extLst>
+              <a:ext uri="{28A0092B-C50C-407E-A947-70E740481C1C}">
+                <a14:useLocalDpi xmlns:a14="http://schemas.microsoft.com/office/drawing/2010/main" val="0"/>
+              </a:ext>
+            </a:extLst>
+          </a:blip>
+          <a:stretch>
+            <a:fillRect/>
+          </a:stretch>
+        </p:blipFill>
+        <p:spPr>
+          <a:xfrm>
+            <a:off x="5323347" y="6169298"/>
+            <a:ext cx="1545305" cy="605618"/>
+          </a:xfrm>
+          <a:prstGeom prst="rect">
+            <a:avLst/>
+          </a:prstGeom>
+        </p:spPr>
+      </p:pic>
+      <p:sp>
+        <p:nvSpPr>
+          <p:cNvPr id="8" name="슬라이드 번호 개체 틀 7">
+            <a:extLst>
+              <a:ext uri="{FF2B5EF4-FFF2-40B4-BE49-F238E27FC236}">
+                <a16:creationId xmlns:a16="http://schemas.microsoft.com/office/drawing/2014/main" id="{6E636F46-9B56-422B-B692-D9B59A622A4E}"/>
+              </a:ext>
+            </a:extLst>
+          </p:cNvPr>
+          <p:cNvSpPr>
+            <a:spLocks noGrp="1"/>
+          </p:cNvSpPr>
+          <p:nvPr>
+            <p:ph type="sldNum" sz="quarter" idx="12"/>
+          </p:nvPr>
+        </p:nvSpPr>
+        <p:spPr/>
+        <p:txBody>
+          <a:bodyPr/>
+          <a:lstStyle/>
+          <a:p>
+            <a:fld id="{A0C7D16C-659C-4003-998D-57A8F0509094}" type="slidenum">
+              <a:rPr lang="ko-KR" altLang="en-US" smtClean="0"/>
+              <a:t>4</a:t>
+            </a:fld>
+            <a:endParaRPr lang="ko-KR" altLang="en-US"/>
+          </a:p>
+        </p:txBody>
+      </p:sp>
+      <p:sp>
+        <p:nvSpPr>
+          <p:cNvPr id="2" name="TextBox 1">
+            <a:extLst>
+              <a:ext uri="{FF2B5EF4-FFF2-40B4-BE49-F238E27FC236}">
+                <a16:creationId xmlns:a16="http://schemas.microsoft.com/office/drawing/2014/main" id="{F42B1679-6463-4CF2-823C-C471207D5E21}"/>
+              </a:ext>
+            </a:extLst>
+          </p:cNvPr>
+          <p:cNvSpPr txBox="1"/>
+          <p:nvPr/>
+        </p:nvSpPr>
+        <p:spPr>
+          <a:xfrm>
+            <a:off x="699796" y="1504747"/>
+            <a:ext cx="10654004" cy="369332"/>
+          </a:xfrm>
+          <a:prstGeom prst="rect">
+            <a:avLst/>
+          </a:prstGeom>
+          <a:noFill/>
+        </p:spPr>
+        <p:txBody>
+          <a:bodyPr wrap="square" rtlCol="0">
+            <a:spAutoFit/>
+          </a:bodyPr>
+          <a:lstStyle/>
+          <a:p>
+            <a:pPr marL="342900" indent="-342900">
+              <a:buAutoNum type="arabicPeriod"/>
+            </a:pPr>
+            <a:r>
+              <a:rPr lang="en-US" altLang="ko-KR" dirty="0"/>
+              <a:t>Git </a:t>
+            </a:r>
+            <a:r>
+              <a:rPr lang="ko-KR" altLang="en-US" dirty="0"/>
+              <a:t>설치 및 환경 설정</a:t>
+            </a:r>
+            <a:endParaRPr lang="en-US" altLang="ko-KR" dirty="0"/>
+          </a:p>
+        </p:txBody>
+      </p:sp>
+      <p:sp>
+        <p:nvSpPr>
+          <p:cNvPr id="3" name="직사각형 2">
+            <a:extLst>
+              <a:ext uri="{FF2B5EF4-FFF2-40B4-BE49-F238E27FC236}">
+                <a16:creationId xmlns:a16="http://schemas.microsoft.com/office/drawing/2014/main" id="{7EC9227B-8517-49C4-83B9-1ABC396E0FB6}"/>
+              </a:ext>
+            </a:extLst>
+          </p:cNvPr>
+          <p:cNvSpPr/>
+          <p:nvPr/>
+        </p:nvSpPr>
+        <p:spPr>
+          <a:xfrm>
+            <a:off x="699796" y="2248929"/>
+            <a:ext cx="4912563" cy="369332"/>
+          </a:xfrm>
+          <a:prstGeom prst="rect">
+            <a:avLst/>
+          </a:prstGeom>
+        </p:spPr>
+        <p:txBody>
+          <a:bodyPr wrap="none">
+            <a:spAutoFit/>
+          </a:bodyPr>
+          <a:lstStyle/>
+          <a:p>
+            <a:r>
+              <a:rPr lang="ko-KR" altLang="en-US" dirty="0"/>
+              <a:t>설치 경로</a:t>
+            </a:r>
+            <a:r>
+              <a:rPr lang="en-US" altLang="ko-KR" dirty="0"/>
+              <a:t>: </a:t>
+            </a:r>
+            <a:r>
+              <a:rPr lang="ko-KR" altLang="en-US" dirty="0">
+                <a:hlinkClick r:id="rId4"/>
+              </a:rPr>
+              <a:t>http://git-scm.com/download/win</a:t>
+            </a:r>
+            <a:r>
+              <a:rPr lang="ko-KR" altLang="en-US" dirty="0"/>
+              <a:t> </a:t>
+            </a:r>
+          </a:p>
+        </p:txBody>
+      </p:sp>
+      <p:sp>
+        <p:nvSpPr>
+          <p:cNvPr id="4" name="직사각형 3">
+            <a:extLst>
+              <a:ext uri="{FF2B5EF4-FFF2-40B4-BE49-F238E27FC236}">
+                <a16:creationId xmlns:a16="http://schemas.microsoft.com/office/drawing/2014/main" id="{C5AA94CB-64A9-4D6A-B2A6-F0D3F3822B9B}"/>
+              </a:ext>
+            </a:extLst>
+          </p:cNvPr>
+          <p:cNvSpPr/>
+          <p:nvPr/>
+        </p:nvSpPr>
+        <p:spPr>
+          <a:xfrm>
+            <a:off x="699796" y="2782669"/>
+            <a:ext cx="4497129" cy="646331"/>
+          </a:xfrm>
+          <a:prstGeom prst="rect">
+            <a:avLst/>
+          </a:prstGeom>
+        </p:spPr>
+        <p:txBody>
+          <a:bodyPr wrap="none">
+            <a:spAutoFit/>
+          </a:bodyPr>
+          <a:lstStyle/>
+          <a:p>
+            <a:r>
+              <a:rPr lang="ko-KR" altLang="en-US" dirty="0"/>
+              <a:t>설치 도움</a:t>
+            </a:r>
+            <a:r>
+              <a:rPr lang="en-US" altLang="ko-KR" dirty="0"/>
+              <a:t>: </a:t>
+            </a:r>
+            <a:r>
+              <a:rPr lang="ko-KR" altLang="en-US" dirty="0">
+                <a:hlinkClick r:id="rId5"/>
+              </a:rPr>
+              <a:t>https://taewow.tistory.com/13</a:t>
+            </a:r>
+            <a:r>
+              <a:rPr lang="ko-KR" altLang="en-US" dirty="0"/>
+              <a:t> </a:t>
+            </a:r>
+            <a:endParaRPr lang="en-US" altLang="ko-KR" dirty="0"/>
+          </a:p>
+          <a:p>
+            <a:r>
+              <a:rPr lang="ko-KR" altLang="en-US" dirty="0"/>
+              <a:t>대부분은 그냥 </a:t>
+            </a:r>
+            <a:r>
+              <a:rPr lang="en-US" altLang="ko-KR" u="sng" dirty="0"/>
+              <a:t>Next</a:t>
+            </a:r>
+            <a:r>
+              <a:rPr lang="ko-KR" altLang="en-US" dirty="0"/>
+              <a:t>를 누르면 됩니다</a:t>
+            </a:r>
+            <a:r>
+              <a:rPr lang="en-US" altLang="ko-KR" dirty="0"/>
+              <a:t>.</a:t>
+            </a:r>
+          </a:p>
+        </p:txBody>
+      </p:sp>
+      <p:sp>
+        <p:nvSpPr>
+          <p:cNvPr id="24" name="직사각형 23">
+            <a:extLst>
+              <a:ext uri="{FF2B5EF4-FFF2-40B4-BE49-F238E27FC236}">
+                <a16:creationId xmlns:a16="http://schemas.microsoft.com/office/drawing/2014/main" id="{FDC33A37-5595-44A2-9CEF-E5C6584B90A6}"/>
+              </a:ext>
+            </a:extLst>
+          </p:cNvPr>
+          <p:cNvSpPr/>
+          <p:nvPr/>
+        </p:nvSpPr>
+        <p:spPr>
+          <a:xfrm>
+            <a:off x="701142" y="3541277"/>
+            <a:ext cx="4495783" cy="646331"/>
+          </a:xfrm>
+          <a:prstGeom prst="rect">
+            <a:avLst/>
+          </a:prstGeom>
+        </p:spPr>
+        <p:txBody>
+          <a:bodyPr wrap="none">
+            <a:spAutoFit/>
+          </a:bodyPr>
+          <a:lstStyle/>
+          <a:p>
+            <a:r>
+              <a:rPr lang="ko-KR" altLang="en-US" dirty="0"/>
+              <a:t>터미널</a:t>
+            </a:r>
+            <a:r>
+              <a:rPr lang="en-US" altLang="ko-KR" dirty="0"/>
+              <a:t>(</a:t>
+            </a:r>
+            <a:r>
+              <a:rPr lang="ko-KR" altLang="en-US" dirty="0" err="1"/>
+              <a:t>파워쉘</a:t>
+            </a:r>
+            <a:r>
+              <a:rPr lang="en-US" altLang="ko-KR" dirty="0"/>
+              <a:t>, </a:t>
+            </a:r>
+            <a:r>
+              <a:rPr lang="ko-KR" altLang="en-US" dirty="0"/>
+              <a:t>층</a:t>
+            </a:r>
+            <a:r>
+              <a:rPr lang="en-US" altLang="ko-KR" dirty="0"/>
+              <a:t>, git-bash)</a:t>
+            </a:r>
+            <a:r>
+              <a:rPr lang="ko-KR" altLang="en-US" dirty="0"/>
+              <a:t>를 열고 </a:t>
+            </a:r>
+            <a:r>
+              <a:rPr lang="en-US" altLang="ko-KR" dirty="0"/>
+              <a:t>git</a:t>
+            </a:r>
+            <a:r>
+              <a:rPr lang="ko-KR" altLang="en-US" dirty="0"/>
+              <a:t>을 </a:t>
+            </a:r>
+            <a:endParaRPr lang="en-US" altLang="ko-KR" dirty="0"/>
+          </a:p>
+          <a:p>
+            <a:r>
+              <a:rPr lang="ko-KR" altLang="en-US" dirty="0"/>
+              <a:t>치면 우측과 같이 출력되야 합니다</a:t>
+            </a:r>
+            <a:r>
+              <a:rPr lang="en-US" altLang="ko-KR" dirty="0"/>
+              <a:t>.</a:t>
+            </a:r>
+          </a:p>
+        </p:txBody>
+      </p:sp>
+      <p:pic>
+        <p:nvPicPr>
+          <p:cNvPr id="9" name="그림 8">
+            <a:extLst>
+              <a:ext uri="{FF2B5EF4-FFF2-40B4-BE49-F238E27FC236}">
+                <a16:creationId xmlns:a16="http://schemas.microsoft.com/office/drawing/2014/main" id="{8BA3F45F-4EE9-4680-BC82-B2AF8193DBE6}"/>
+              </a:ext>
+            </a:extLst>
+          </p:cNvPr>
+          <p:cNvPicPr>
+            <a:picLocks noChangeAspect="1"/>
+          </p:cNvPicPr>
+          <p:nvPr/>
+        </p:nvPicPr>
+        <p:blipFill>
+          <a:blip r:embed="rId6"/>
+          <a:stretch>
+            <a:fillRect/>
+          </a:stretch>
+        </p:blipFill>
+        <p:spPr>
+          <a:xfrm>
+            <a:off x="5323347" y="1327072"/>
+            <a:ext cx="6467227" cy="3738947"/>
+          </a:xfrm>
+          <a:prstGeom prst="rect">
+            <a:avLst/>
+          </a:prstGeom>
+        </p:spPr>
+      </p:pic>
+      <p:sp>
+        <p:nvSpPr>
+          <p:cNvPr id="26" name="직사각형 25">
+            <a:extLst>
+              <a:ext uri="{FF2B5EF4-FFF2-40B4-BE49-F238E27FC236}">
+                <a16:creationId xmlns:a16="http://schemas.microsoft.com/office/drawing/2014/main" id="{2ED82218-124A-4917-9DA9-9248E3B2148D}"/>
+              </a:ext>
+            </a:extLst>
+          </p:cNvPr>
+          <p:cNvSpPr/>
+          <p:nvPr/>
+        </p:nvSpPr>
+        <p:spPr>
+          <a:xfrm>
+            <a:off x="699796" y="4189593"/>
+            <a:ext cx="6354147" cy="2308324"/>
+          </a:xfrm>
+          <a:prstGeom prst="rect">
+            <a:avLst/>
+          </a:prstGeom>
+        </p:spPr>
+        <p:txBody>
+          <a:bodyPr wrap="square">
+            <a:spAutoFit/>
+          </a:bodyPr>
+          <a:lstStyle/>
+          <a:p>
+            <a:r>
+              <a:rPr lang="ko-KR" altLang="en-US" dirty="0"/>
+              <a:t>이후 아래 명령어를 입력합니다</a:t>
+            </a:r>
+            <a:r>
+              <a:rPr lang="en-US" altLang="ko-KR" dirty="0"/>
+              <a:t>.</a:t>
+            </a:r>
+          </a:p>
+          <a:p>
+            <a:r>
+              <a:rPr lang="en-US" altLang="ko-KR" dirty="0"/>
+              <a:t>git config --global </a:t>
+            </a:r>
+            <a:r>
+              <a:rPr lang="en-US" altLang="ko-KR" dirty="0" err="1"/>
+              <a:t>user.email</a:t>
+            </a:r>
+            <a:r>
+              <a:rPr lang="en-US" altLang="ko-KR" dirty="0"/>
+              <a:t> “Github </a:t>
+            </a:r>
+            <a:r>
+              <a:rPr lang="ko-KR" altLang="en-US" dirty="0"/>
+              <a:t>이메일</a:t>
+            </a:r>
+            <a:r>
+              <a:rPr lang="en-US" altLang="ko-KR" dirty="0"/>
+              <a:t>”</a:t>
+            </a:r>
+          </a:p>
+          <a:p>
+            <a:r>
+              <a:rPr lang="en-US" altLang="ko-KR" dirty="0"/>
+              <a:t>git config --global user.name “Github </a:t>
+            </a:r>
+            <a:r>
+              <a:rPr lang="ko-KR" altLang="en-US" dirty="0"/>
+              <a:t>이름</a:t>
+            </a:r>
+            <a:r>
+              <a:rPr lang="en-US" altLang="ko-KR" dirty="0"/>
+              <a:t>”</a:t>
+            </a:r>
+          </a:p>
+          <a:p>
+            <a:endParaRPr lang="en-US" altLang="ko-KR" dirty="0"/>
+          </a:p>
+          <a:p>
+            <a:r>
+              <a:rPr lang="ko-KR" altLang="en-US" b="1" dirty="0"/>
+              <a:t>예시</a:t>
+            </a:r>
+            <a:endParaRPr lang="en-US" altLang="ko-KR" b="1" dirty="0"/>
+          </a:p>
+          <a:p>
+            <a:r>
+              <a:rPr lang="en-US" altLang="ko-KR" dirty="0"/>
+              <a:t>git config --global </a:t>
+            </a:r>
+            <a:r>
+              <a:rPr lang="en-US" altLang="ko-KR" dirty="0" err="1"/>
+              <a:t>user.email</a:t>
+            </a:r>
+            <a:r>
+              <a:rPr lang="en-US" altLang="ko-KR" dirty="0"/>
+              <a:t> “sinabero3271@gmail.com”</a:t>
+            </a:r>
+          </a:p>
+          <a:p>
+            <a:r>
+              <a:rPr lang="en-US" altLang="ko-KR" dirty="0"/>
+              <a:t>git config --global user.name “</a:t>
+            </a:r>
+            <a:r>
+              <a:rPr lang="en-US" altLang="ko-KR" dirty="0" err="1"/>
+              <a:t>sina</a:t>
+            </a:r>
+            <a:r>
+              <a:rPr lang="en-US" altLang="ko-KR" dirty="0"/>
+              <a:t>-Kim”</a:t>
+            </a:r>
+          </a:p>
+          <a:p>
+            <a:endParaRPr lang="en-US" altLang="ko-KR" dirty="0"/>
+          </a:p>
+        </p:txBody>
+      </p:sp>
+    </p:spTree>
+    <p:extLst>
+      <p:ext uri="{BB962C8B-B14F-4D97-AF65-F5344CB8AC3E}">
+        <p14:creationId xmlns:p14="http://schemas.microsoft.com/office/powerpoint/2010/main" val="132804965"/>
+      </p:ext>
+    </p:extLst>
+  </p:cSld>
+  <p:clrMapOvr>
+    <a:masterClrMapping/>
+  </p:clrMapOvr>
+</p:sld>
+</file>
+
+<file path=ppt/slides/slide5.xml><?xml version="1.0" encoding="utf-8"?>
+<p:sld xmlns:a="http://schemas.openxmlformats.org/drawingml/2006/main" xmlns:r="http://schemas.openxmlformats.org/officeDocument/2006/relationships" xmlns:p="http://schemas.openxmlformats.org/presentationml/2006/main">
+  <p:cSld>
+    <p:spTree>
+      <p:nvGrpSpPr>
+        <p:cNvPr id="1" name=""/>
+        <p:cNvGrpSpPr/>
+        <p:nvPr/>
+      </p:nvGrpSpPr>
+      <p:grpSpPr>
+        <a:xfrm>
+          <a:off x="0" y="0"/>
+          <a:ext cx="0" cy="0"/>
+          <a:chOff x="0" y="0"/>
+          <a:chExt cx="0" cy="0"/>
+        </a:xfrm>
+      </p:grpSpPr>
+      <p:sp>
+        <p:nvSpPr>
+          <p:cNvPr id="6" name="사각형: 둥근 모서리 5">
+            <a:extLst>
+              <a:ext uri="{FF2B5EF4-FFF2-40B4-BE49-F238E27FC236}">
+                <a16:creationId xmlns:a16="http://schemas.microsoft.com/office/drawing/2014/main" id="{D521D6A5-D17A-4D08-BB10-BC0BB5A5AE3E}"/>
+              </a:ext>
+            </a:extLst>
+          </p:cNvPr>
+          <p:cNvSpPr/>
+          <p:nvPr/>
+        </p:nvSpPr>
+        <p:spPr>
+          <a:xfrm>
+            <a:off x="177282" y="83084"/>
+            <a:ext cx="11837436" cy="1046813"/>
+          </a:xfrm>
+          <a:prstGeom prst="roundRect">
+            <a:avLst>
+              <a:gd name="adj" fmla="val 50000"/>
+            </a:avLst>
+          </a:prstGeom>
+          <a:gradFill>
+            <a:gsLst>
+              <a:gs pos="0">
+                <a:srgbClr val="50829B"/>
+              </a:gs>
+              <a:gs pos="100000">
+                <a:srgbClr val="6C94B0"/>
+              </a:gs>
+            </a:gsLst>
+            <a:lin ang="0" scaled="1"/>
+          </a:gradFill>
+          <a:ln>
+            <a:noFill/>
+          </a:ln>
+        </p:spPr>
+        <p:style>
+          <a:lnRef idx="2">
+            <a:schemeClr val="accent1">
+              <a:shade val="50000"/>
+            </a:schemeClr>
+          </a:lnRef>
+          <a:fillRef idx="1">
+            <a:schemeClr val="accent1"/>
+          </a:fillRef>
+          <a:effectRef idx="0">
+            <a:schemeClr val="accent1"/>
+          </a:effectRef>
+          <a:fontRef idx="minor">
+            <a:schemeClr val="lt1"/>
+          </a:fontRef>
+        </p:style>
+        <p:txBody>
+          <a:bodyPr rtlCol="0" anchor="ctr"/>
+          <a:lstStyle/>
+          <a:p>
+            <a:pPr algn="ctr"/>
+            <a:r>
+              <a:rPr lang="en-US" altLang="ko-KR" sz="4800" dirty="0"/>
+              <a:t>AI </a:t>
+            </a:r>
+            <a:r>
+              <a:rPr lang="ko-KR" altLang="en-US" sz="4800" dirty="0"/>
+              <a:t>그룹활동에 필요한 내용만</a:t>
+            </a:r>
+            <a:r>
+              <a:rPr lang="en-US" altLang="ko-KR" sz="4800" dirty="0"/>
+              <a:t>!</a:t>
+            </a:r>
+            <a:endParaRPr lang="ko-KR" altLang="en-US" sz="4800" dirty="0"/>
+          </a:p>
+        </p:txBody>
+      </p:sp>
+      <p:pic>
+        <p:nvPicPr>
+          <p:cNvPr id="5" name="내용 개체 틀 4">
+            <a:extLst>
+              <a:ext uri="{FF2B5EF4-FFF2-40B4-BE49-F238E27FC236}">
+                <a16:creationId xmlns:a16="http://schemas.microsoft.com/office/drawing/2014/main" id="{6093D086-2475-4361-85E1-FB4E78D43938}"/>
+              </a:ext>
+            </a:extLst>
+          </p:cNvPr>
+          <p:cNvPicPr>
+            <a:picLocks noGrp="1" noChangeAspect="1"/>
+          </p:cNvPicPr>
+          <p:nvPr>
+            <p:ph idx="1"/>
+          </p:nvPr>
+        </p:nvPicPr>
+        <p:blipFill>
+          <a:blip r:embed="rId2">
+            <a:extLst>
+              <a:ext uri="{28A0092B-C50C-407E-A947-70E740481C1C}">
+                <a14:useLocalDpi xmlns:a14="http://schemas.microsoft.com/office/drawing/2010/main" val="0"/>
+              </a:ext>
+            </a:extLst>
+          </a:blip>
+          <a:stretch>
+            <a:fillRect/>
+          </a:stretch>
+        </p:blipFill>
+        <p:spPr>
+          <a:xfrm>
+            <a:off x="177282" y="83083"/>
+            <a:ext cx="1045028" cy="1046814"/>
+          </a:xfrm>
+        </p:spPr>
+      </p:pic>
+      <p:pic>
+        <p:nvPicPr>
+          <p:cNvPr id="7" name="그림 6">
+            <a:extLst>
+              <a:ext uri="{FF2B5EF4-FFF2-40B4-BE49-F238E27FC236}">
+                <a16:creationId xmlns:a16="http://schemas.microsoft.com/office/drawing/2014/main" id="{DDC6EA06-E610-434E-89BF-1E4B0D6D167A}"/>
+              </a:ext>
+            </a:extLst>
+          </p:cNvPr>
+          <p:cNvPicPr>
+            <a:picLocks noChangeAspect="1"/>
+          </p:cNvPicPr>
+          <p:nvPr/>
+        </p:nvPicPr>
+        <p:blipFill>
+          <a:blip r:embed="rId3">
+            <a:extLst>
+              <a:ext uri="{28A0092B-C50C-407E-A947-70E740481C1C}">
+                <a14:useLocalDpi xmlns:a14="http://schemas.microsoft.com/office/drawing/2010/main" val="0"/>
+              </a:ext>
+            </a:extLst>
+          </a:blip>
+          <a:stretch>
+            <a:fillRect/>
+          </a:stretch>
+        </p:blipFill>
+        <p:spPr>
+          <a:xfrm>
+            <a:off x="5323347" y="6169298"/>
+            <a:ext cx="1545305" cy="605618"/>
+          </a:xfrm>
+          <a:prstGeom prst="rect">
+            <a:avLst/>
+          </a:prstGeom>
+        </p:spPr>
+      </p:pic>
+      <p:sp>
+        <p:nvSpPr>
+          <p:cNvPr id="8" name="슬라이드 번호 개체 틀 7">
+            <a:extLst>
+              <a:ext uri="{FF2B5EF4-FFF2-40B4-BE49-F238E27FC236}">
+                <a16:creationId xmlns:a16="http://schemas.microsoft.com/office/drawing/2014/main" id="{6E636F46-9B56-422B-B692-D9B59A622A4E}"/>
+              </a:ext>
+            </a:extLst>
+          </p:cNvPr>
+          <p:cNvSpPr>
+            <a:spLocks noGrp="1"/>
+          </p:cNvSpPr>
+          <p:nvPr>
+            <p:ph type="sldNum" sz="quarter" idx="12"/>
+          </p:nvPr>
+        </p:nvSpPr>
+        <p:spPr/>
+        <p:txBody>
+          <a:bodyPr/>
+          <a:lstStyle/>
+          <a:p>
+            <a:fld id="{A0C7D16C-659C-4003-998D-57A8F0509094}" type="slidenum">
+              <a:rPr lang="ko-KR" altLang="en-US" smtClean="0"/>
+              <a:t>5</a:t>
+            </a:fld>
+            <a:endParaRPr lang="ko-KR" altLang="en-US"/>
+          </a:p>
+        </p:txBody>
+      </p:sp>
+      <p:sp>
+        <p:nvSpPr>
+          <p:cNvPr id="2" name="TextBox 1">
+            <a:extLst>
+              <a:ext uri="{FF2B5EF4-FFF2-40B4-BE49-F238E27FC236}">
+                <a16:creationId xmlns:a16="http://schemas.microsoft.com/office/drawing/2014/main" id="{F42B1679-6463-4CF2-823C-C471207D5E21}"/>
+              </a:ext>
+            </a:extLst>
+          </p:cNvPr>
+          <p:cNvSpPr txBox="1"/>
+          <p:nvPr/>
+        </p:nvSpPr>
+        <p:spPr>
+          <a:xfrm>
+            <a:off x="699796" y="1504747"/>
+            <a:ext cx="10654004" cy="369332"/>
+          </a:xfrm>
+          <a:prstGeom prst="rect">
+            <a:avLst/>
+          </a:prstGeom>
+          <a:noFill/>
+        </p:spPr>
+        <p:txBody>
+          <a:bodyPr wrap="square" rtlCol="0">
+            <a:spAutoFit/>
+          </a:bodyPr>
+          <a:lstStyle/>
+          <a:p>
+            <a:r>
+              <a:rPr lang="en-US" altLang="ko-KR" dirty="0"/>
+              <a:t>2. </a:t>
+            </a:r>
+            <a:r>
+              <a:rPr lang="ko-KR" altLang="en-US" dirty="0" err="1"/>
+              <a:t>레포지토리</a:t>
+            </a:r>
+            <a:r>
+              <a:rPr lang="ko-KR" altLang="en-US" dirty="0"/>
+              <a:t> 복사하기</a:t>
+            </a:r>
+            <a:endParaRPr lang="en-US" altLang="ko-KR" dirty="0"/>
+          </a:p>
+        </p:txBody>
+      </p:sp>
+      <p:pic>
+        <p:nvPicPr>
+          <p:cNvPr id="10" name="그림 9">
+            <a:extLst>
+              <a:ext uri="{FF2B5EF4-FFF2-40B4-BE49-F238E27FC236}">
+                <a16:creationId xmlns:a16="http://schemas.microsoft.com/office/drawing/2014/main" id="{9349556E-EB60-4614-97A8-E308742269BA}"/>
+              </a:ext>
+            </a:extLst>
+          </p:cNvPr>
+          <p:cNvPicPr>
+            <a:picLocks noChangeAspect="1"/>
+          </p:cNvPicPr>
+          <p:nvPr/>
+        </p:nvPicPr>
+        <p:blipFill>
+          <a:blip r:embed="rId4"/>
+          <a:stretch>
+            <a:fillRect/>
+          </a:stretch>
+        </p:blipFill>
+        <p:spPr>
+          <a:xfrm>
+            <a:off x="699138" y="1936003"/>
+            <a:ext cx="3834883" cy="2900824"/>
+          </a:xfrm>
+          <a:prstGeom prst="rect">
+            <a:avLst/>
+          </a:prstGeom>
+        </p:spPr>
+      </p:pic>
+      <p:sp>
+        <p:nvSpPr>
+          <p:cNvPr id="11" name="직사각형 10">
+            <a:extLst>
+              <a:ext uri="{FF2B5EF4-FFF2-40B4-BE49-F238E27FC236}">
+                <a16:creationId xmlns:a16="http://schemas.microsoft.com/office/drawing/2014/main" id="{36A0ED74-6876-4B0F-B3AB-9B14D92F76C2}"/>
+              </a:ext>
+            </a:extLst>
+          </p:cNvPr>
+          <p:cNvSpPr/>
+          <p:nvPr/>
+        </p:nvSpPr>
+        <p:spPr>
+          <a:xfrm>
+            <a:off x="2202024" y="2479128"/>
+            <a:ext cx="1250302" cy="1210098"/>
+          </a:xfrm>
+          <a:prstGeom prst="rect">
+            <a:avLst/>
+          </a:prstGeom>
+          <a:noFill/>
+          <a:ln w="38100">
+            <a:solidFill>
+              <a:srgbClr val="6C94B0"/>
+            </a:solidFill>
+          </a:ln>
+        </p:spPr>
+        <p:style>
+          <a:lnRef idx="2">
+            <a:schemeClr val="accent1">
+              <a:shade val="50000"/>
+            </a:schemeClr>
+          </a:lnRef>
+          <a:fillRef idx="1">
+            <a:schemeClr val="accent1"/>
+          </a:fillRef>
+          <a:effectRef idx="0">
+            <a:schemeClr val="accent1"/>
+          </a:effectRef>
+          <a:fontRef idx="minor">
+            <a:schemeClr val="lt1"/>
+          </a:fontRef>
+        </p:style>
+        <p:txBody>
+          <a:bodyPr rtlCol="0" anchor="ctr"/>
+          <a:lstStyle/>
+          <a:p>
+            <a:pPr algn="ctr"/>
+            <a:endParaRPr lang="ko-KR" altLang="en-US"/>
+          </a:p>
+        </p:txBody>
+      </p:sp>
+      <p:cxnSp>
+        <p:nvCxnSpPr>
+          <p:cNvPr id="14" name="직선 연결선 13">
+            <a:extLst>
+              <a:ext uri="{FF2B5EF4-FFF2-40B4-BE49-F238E27FC236}">
+                <a16:creationId xmlns:a16="http://schemas.microsoft.com/office/drawing/2014/main" id="{615BD156-5FF9-4118-8F6D-C5360A7A6433}"/>
+              </a:ext>
+            </a:extLst>
+          </p:cNvPr>
+          <p:cNvCxnSpPr>
+            <a:cxnSpLocks/>
+          </p:cNvCxnSpPr>
+          <p:nvPr/>
+        </p:nvCxnSpPr>
+        <p:spPr>
+          <a:xfrm flipV="1">
+            <a:off x="2183363" y="1279590"/>
+            <a:ext cx="3139984" cy="1199538"/>
+          </a:xfrm>
+          <a:prstGeom prst="line">
+            <a:avLst/>
+          </a:prstGeom>
+          <a:ln w="38100">
+            <a:solidFill>
+              <a:srgbClr val="6C94B0"/>
+            </a:solidFill>
+          </a:ln>
+        </p:spPr>
+        <p:style>
+          <a:lnRef idx="1">
+            <a:schemeClr val="accent1"/>
+          </a:lnRef>
+          <a:fillRef idx="0">
+            <a:schemeClr val="accent1"/>
+          </a:fillRef>
+          <a:effectRef idx="0">
+            <a:schemeClr val="accent1"/>
+          </a:effectRef>
+          <a:fontRef idx="minor">
+            <a:schemeClr val="tx1"/>
+          </a:fontRef>
+        </p:style>
+      </p:cxnSp>
+      <p:cxnSp>
+        <p:nvCxnSpPr>
+          <p:cNvPr id="17" name="직선 연결선 16">
+            <a:extLst>
+              <a:ext uri="{FF2B5EF4-FFF2-40B4-BE49-F238E27FC236}">
+                <a16:creationId xmlns:a16="http://schemas.microsoft.com/office/drawing/2014/main" id="{62D26927-A352-48C3-AAE2-4EC9481BFB7B}"/>
+              </a:ext>
+            </a:extLst>
+          </p:cNvPr>
+          <p:cNvCxnSpPr>
+            <a:cxnSpLocks/>
+          </p:cNvCxnSpPr>
+          <p:nvPr/>
+        </p:nvCxnSpPr>
+        <p:spPr>
+          <a:xfrm>
+            <a:off x="2183363" y="3689226"/>
+            <a:ext cx="3211287" cy="1922942"/>
+          </a:xfrm>
+          <a:prstGeom prst="line">
+            <a:avLst/>
+          </a:prstGeom>
+          <a:ln w="38100">
+            <a:solidFill>
+              <a:srgbClr val="6C94B0"/>
+            </a:solidFill>
+          </a:ln>
+        </p:spPr>
+        <p:style>
+          <a:lnRef idx="1">
+            <a:schemeClr val="accent1"/>
+          </a:lnRef>
+          <a:fillRef idx="0">
+            <a:schemeClr val="accent1"/>
+          </a:fillRef>
+          <a:effectRef idx="0">
+            <a:schemeClr val="accent1"/>
+          </a:effectRef>
+          <a:fontRef idx="minor">
+            <a:schemeClr val="tx1"/>
+          </a:fontRef>
+        </p:style>
+      </p:cxnSp>
+      <p:cxnSp>
+        <p:nvCxnSpPr>
+          <p:cNvPr id="20" name="직선 연결선 19">
+            <a:extLst>
+              <a:ext uri="{FF2B5EF4-FFF2-40B4-BE49-F238E27FC236}">
+                <a16:creationId xmlns:a16="http://schemas.microsoft.com/office/drawing/2014/main" id="{FE47CB34-EDE6-4252-B5F4-AF3C50055F36}"/>
+              </a:ext>
+            </a:extLst>
+          </p:cNvPr>
+          <p:cNvCxnSpPr>
+            <a:cxnSpLocks/>
+          </p:cNvCxnSpPr>
+          <p:nvPr/>
+        </p:nvCxnSpPr>
+        <p:spPr>
+          <a:xfrm flipV="1">
+            <a:off x="3433665" y="1279590"/>
+            <a:ext cx="6952862" cy="1199538"/>
+          </a:xfrm>
+          <a:prstGeom prst="line">
+            <a:avLst/>
+          </a:prstGeom>
+          <a:ln w="38100">
+            <a:solidFill>
+              <a:srgbClr val="6C94B0"/>
+            </a:solidFill>
+          </a:ln>
+        </p:spPr>
+        <p:style>
+          <a:lnRef idx="1">
+            <a:schemeClr val="accent1"/>
+          </a:lnRef>
+          <a:fillRef idx="0">
+            <a:schemeClr val="accent1"/>
+          </a:fillRef>
+          <a:effectRef idx="0">
+            <a:schemeClr val="accent1"/>
+          </a:effectRef>
+          <a:fontRef idx="minor">
+            <a:schemeClr val="tx1"/>
+          </a:fontRef>
+        </p:style>
+      </p:cxnSp>
+      <p:cxnSp>
+        <p:nvCxnSpPr>
+          <p:cNvPr id="23" name="직선 연결선 22">
+            <a:extLst>
+              <a:ext uri="{FF2B5EF4-FFF2-40B4-BE49-F238E27FC236}">
+                <a16:creationId xmlns:a16="http://schemas.microsoft.com/office/drawing/2014/main" id="{63F5F3B0-1F8B-4E03-8293-2AF6EABEC8C1}"/>
+              </a:ext>
+            </a:extLst>
+          </p:cNvPr>
+          <p:cNvCxnSpPr>
+            <a:cxnSpLocks/>
+          </p:cNvCxnSpPr>
+          <p:nvPr/>
+        </p:nvCxnSpPr>
+        <p:spPr>
+          <a:xfrm>
+            <a:off x="3433665" y="3689226"/>
+            <a:ext cx="6952862" cy="1922942"/>
+          </a:xfrm>
+          <a:prstGeom prst="line">
+            <a:avLst/>
+          </a:prstGeom>
+          <a:ln w="38100">
+            <a:solidFill>
+              <a:srgbClr val="6C94B0"/>
+            </a:solidFill>
+          </a:ln>
+        </p:spPr>
+        <p:style>
+          <a:lnRef idx="1">
+            <a:schemeClr val="accent1"/>
+          </a:lnRef>
+          <a:fillRef idx="0">
+            <a:schemeClr val="accent1"/>
+          </a:fillRef>
+          <a:effectRef idx="0">
+            <a:schemeClr val="accent1"/>
+          </a:effectRef>
+          <a:fontRef idx="minor">
+            <a:schemeClr val="tx1"/>
+          </a:fontRef>
+        </p:style>
+      </p:cxnSp>
+      <p:pic>
+        <p:nvPicPr>
+          <p:cNvPr id="13" name="그림 12">
+            <a:extLst>
+              <a:ext uri="{FF2B5EF4-FFF2-40B4-BE49-F238E27FC236}">
+                <a16:creationId xmlns:a16="http://schemas.microsoft.com/office/drawing/2014/main" id="{D48DAFA3-7EEF-41AC-8081-CB832718633D}"/>
+              </a:ext>
+            </a:extLst>
+          </p:cNvPr>
+          <p:cNvPicPr>
+            <a:picLocks noChangeAspect="1"/>
+          </p:cNvPicPr>
+          <p:nvPr/>
+        </p:nvPicPr>
+        <p:blipFill rotWithShape="1">
+          <a:blip r:embed="rId4"/>
+          <a:srcRect l="37632" t="17575" r="23682" b="38037"/>
+          <a:stretch/>
+        </p:blipFill>
+        <p:spPr>
+          <a:xfrm>
+            <a:off x="5394650" y="1279589"/>
+            <a:ext cx="4991877" cy="4332579"/>
+          </a:xfrm>
+          <a:prstGeom prst="rect">
+            <a:avLst/>
+          </a:prstGeom>
+          <a:ln w="44450">
+            <a:solidFill>
+              <a:srgbClr val="6C94B0"/>
+            </a:solidFill>
+          </a:ln>
+        </p:spPr>
+      </p:pic>
+      <p:sp>
+        <p:nvSpPr>
+          <p:cNvPr id="25" name="타원 24">
+            <a:extLst>
+              <a:ext uri="{FF2B5EF4-FFF2-40B4-BE49-F238E27FC236}">
+                <a16:creationId xmlns:a16="http://schemas.microsoft.com/office/drawing/2014/main" id="{B68AF99A-BAF4-478C-BC85-AA58EDD15176}"/>
+              </a:ext>
+            </a:extLst>
+          </p:cNvPr>
+          <p:cNvSpPr/>
+          <p:nvPr/>
+        </p:nvSpPr>
+        <p:spPr>
+          <a:xfrm>
+            <a:off x="8843864" y="1279589"/>
+            <a:ext cx="909539" cy="909539"/>
+          </a:xfrm>
+          <a:prstGeom prst="ellipse">
+            <a:avLst/>
+          </a:prstGeom>
+          <a:noFill/>
+          <a:ln w="31750">
+            <a:solidFill>
+              <a:schemeClr val="accent2"/>
+            </a:solidFill>
+          </a:ln>
+        </p:spPr>
+        <p:style>
+          <a:lnRef idx="2">
+            <a:schemeClr val="accent1">
+              <a:shade val="50000"/>
+            </a:schemeClr>
+          </a:lnRef>
+          <a:fillRef idx="1">
+            <a:schemeClr val="accent1"/>
+          </a:fillRef>
+          <a:effectRef idx="0">
+            <a:schemeClr val="accent1"/>
+          </a:effectRef>
+          <a:fontRef idx="minor">
+            <a:schemeClr val="lt1"/>
+          </a:fontRef>
+        </p:style>
+        <p:txBody>
+          <a:bodyPr rtlCol="0" anchor="ctr"/>
+          <a:lstStyle/>
+          <a:p>
+            <a:pPr algn="ctr"/>
+            <a:endParaRPr lang="ko-KR" altLang="en-US"/>
+          </a:p>
+        </p:txBody>
+      </p:sp>
+      <p:sp>
+        <p:nvSpPr>
+          <p:cNvPr id="27" name="타원 26">
+            <a:extLst>
+              <a:ext uri="{FF2B5EF4-FFF2-40B4-BE49-F238E27FC236}">
+                <a16:creationId xmlns:a16="http://schemas.microsoft.com/office/drawing/2014/main" id="{CAC9594B-8206-4F59-ABC5-5C21C49536EA}"/>
+              </a:ext>
+            </a:extLst>
+          </p:cNvPr>
+          <p:cNvSpPr/>
+          <p:nvPr/>
+        </p:nvSpPr>
+        <p:spPr>
+          <a:xfrm>
+            <a:off x="9002486" y="2679320"/>
+            <a:ext cx="523412" cy="523412"/>
+          </a:xfrm>
+          <a:prstGeom prst="ellipse">
+            <a:avLst/>
+          </a:prstGeom>
+          <a:noFill/>
+          <a:ln w="31750">
+            <a:solidFill>
+              <a:schemeClr val="accent2"/>
+            </a:solidFill>
+          </a:ln>
+        </p:spPr>
+        <p:style>
+          <a:lnRef idx="2">
+            <a:schemeClr val="accent1">
+              <a:shade val="50000"/>
+            </a:schemeClr>
+          </a:lnRef>
+          <a:fillRef idx="1">
+            <a:schemeClr val="accent1"/>
+          </a:fillRef>
+          <a:effectRef idx="0">
+            <a:schemeClr val="accent1"/>
+          </a:effectRef>
+          <a:fontRef idx="minor">
+            <a:schemeClr val="lt1"/>
+          </a:fontRef>
+        </p:style>
+        <p:txBody>
+          <a:bodyPr rtlCol="0" anchor="ctr"/>
+          <a:lstStyle/>
+          <a:p>
+            <a:pPr algn="ctr"/>
+            <a:endParaRPr lang="ko-KR" altLang="en-US"/>
+          </a:p>
+        </p:txBody>
+      </p:sp>
+      <p:sp>
+        <p:nvSpPr>
+          <p:cNvPr id="32" name="직사각형 31">
+            <a:extLst>
+              <a:ext uri="{FF2B5EF4-FFF2-40B4-BE49-F238E27FC236}">
+                <a16:creationId xmlns:a16="http://schemas.microsoft.com/office/drawing/2014/main" id="{D10D4D67-ABD3-4058-BE34-2761D7A906E9}"/>
+              </a:ext>
+            </a:extLst>
+          </p:cNvPr>
+          <p:cNvSpPr/>
+          <p:nvPr/>
+        </p:nvSpPr>
+        <p:spPr>
+          <a:xfrm>
+            <a:off x="699138" y="4967403"/>
+            <a:ext cx="6354147" cy="1200329"/>
+          </a:xfrm>
+          <a:prstGeom prst="rect">
+            <a:avLst/>
+          </a:prstGeom>
+        </p:spPr>
+        <p:txBody>
+          <a:bodyPr wrap="square">
+            <a:spAutoFit/>
+          </a:bodyPr>
+          <a:lstStyle/>
+          <a:p>
+            <a:r>
+              <a:rPr lang="ko-KR" altLang="en-US" dirty="0"/>
+              <a:t>터미널 클론을 희망하는 디렉터리로 이동</a:t>
+            </a:r>
+            <a:endParaRPr lang="en-US" altLang="ko-KR" dirty="0"/>
+          </a:p>
+          <a:p>
+            <a:r>
+              <a:rPr lang="en-US" altLang="ko-KR" dirty="0"/>
+              <a:t>(cd) </a:t>
+            </a:r>
+            <a:r>
+              <a:rPr lang="ko-KR" altLang="en-US" dirty="0"/>
+              <a:t>한 후</a:t>
+            </a:r>
+            <a:r>
+              <a:rPr lang="en-US" altLang="ko-KR" dirty="0"/>
+              <a:t>,</a:t>
+            </a:r>
+          </a:p>
+          <a:p>
+            <a:endParaRPr lang="en-US" altLang="ko-KR" dirty="0"/>
+          </a:p>
+          <a:p>
+            <a:r>
+              <a:rPr lang="en-US" altLang="ko-KR" dirty="0"/>
+              <a:t>git clone [</a:t>
+            </a:r>
+            <a:r>
+              <a:rPr lang="en-US" altLang="ko-KR" dirty="0" err="1"/>
+              <a:t>github</a:t>
+            </a:r>
+            <a:r>
+              <a:rPr lang="en-US" altLang="ko-KR" dirty="0"/>
+              <a:t> repository web </a:t>
+            </a:r>
+            <a:r>
+              <a:rPr lang="en-US" altLang="ko-KR" dirty="0" err="1"/>
+              <a:t>url</a:t>
+            </a:r>
+            <a:r>
+              <a:rPr lang="en-US" altLang="ko-KR" dirty="0"/>
+              <a:t>]</a:t>
+            </a:r>
+          </a:p>
+        </p:txBody>
+      </p:sp>
+    </p:spTree>
+    <p:extLst>
+      <p:ext uri="{BB962C8B-B14F-4D97-AF65-F5344CB8AC3E}">
+        <p14:creationId xmlns:p14="http://schemas.microsoft.com/office/powerpoint/2010/main" val="1729572157"/>
+      </p:ext>
+    </p:extLst>
+  </p:cSld>
+  <p:clrMapOvr>
+    <a:masterClrMapping/>
+  </p:clrMapOvr>
+</p:sld>
+</file>
+
+<file path=ppt/slides/slide6.xml><?xml version="1.0" encoding="utf-8"?>
+<p:sld xmlns:a="http://schemas.openxmlformats.org/drawingml/2006/main" xmlns:r="http://schemas.openxmlformats.org/officeDocument/2006/relationships" xmlns:p="http://schemas.openxmlformats.org/presentationml/2006/main">
+  <p:cSld>
+    <p:spTree>
+      <p:nvGrpSpPr>
+        <p:cNvPr id="1" name=""/>
+        <p:cNvGrpSpPr/>
+        <p:nvPr/>
+      </p:nvGrpSpPr>
+      <p:grpSpPr>
+        <a:xfrm>
+          <a:off x="0" y="0"/>
+          <a:ext cx="0" cy="0"/>
+          <a:chOff x="0" y="0"/>
+          <a:chExt cx="0" cy="0"/>
+        </a:xfrm>
+      </p:grpSpPr>
+      <p:sp>
+        <p:nvSpPr>
+          <p:cNvPr id="6" name="사각형: 둥근 모서리 5">
+            <a:extLst>
+              <a:ext uri="{FF2B5EF4-FFF2-40B4-BE49-F238E27FC236}">
+                <a16:creationId xmlns:a16="http://schemas.microsoft.com/office/drawing/2014/main" id="{D521D6A5-D17A-4D08-BB10-BC0BB5A5AE3E}"/>
+              </a:ext>
+            </a:extLst>
+          </p:cNvPr>
+          <p:cNvSpPr/>
+          <p:nvPr/>
+        </p:nvSpPr>
+        <p:spPr>
+          <a:xfrm>
+            <a:off x="177282" y="83084"/>
+            <a:ext cx="11837436" cy="1046813"/>
+          </a:xfrm>
+          <a:prstGeom prst="roundRect">
+            <a:avLst>
+              <a:gd name="adj" fmla="val 50000"/>
+            </a:avLst>
+          </a:prstGeom>
+          <a:gradFill>
+            <a:gsLst>
+              <a:gs pos="0">
+                <a:srgbClr val="50829B"/>
+              </a:gs>
+              <a:gs pos="100000">
+                <a:srgbClr val="6C94B0"/>
+              </a:gs>
+            </a:gsLst>
+            <a:lin ang="0" scaled="1"/>
+          </a:gradFill>
+          <a:ln>
+            <a:noFill/>
+          </a:ln>
+        </p:spPr>
+        <p:style>
+          <a:lnRef idx="2">
+            <a:schemeClr val="accent1">
+              <a:shade val="50000"/>
+            </a:schemeClr>
+          </a:lnRef>
+          <a:fillRef idx="1">
+            <a:schemeClr val="accent1"/>
+          </a:fillRef>
+          <a:effectRef idx="0">
+            <a:schemeClr val="accent1"/>
+          </a:effectRef>
+          <a:fontRef idx="minor">
+            <a:schemeClr val="lt1"/>
+          </a:fontRef>
+        </p:style>
+        <p:txBody>
+          <a:bodyPr rtlCol="0" anchor="ctr"/>
+          <a:lstStyle/>
+          <a:p>
+            <a:pPr algn="ctr"/>
+            <a:r>
+              <a:rPr lang="en-US" altLang="ko-KR" sz="4800" dirty="0"/>
+              <a:t>AI </a:t>
+            </a:r>
+            <a:r>
+              <a:rPr lang="ko-KR" altLang="en-US" sz="4800" dirty="0"/>
+              <a:t>그룹활동에 필요한 내용만</a:t>
+            </a:r>
+            <a:r>
+              <a:rPr lang="en-US" altLang="ko-KR" sz="4800" dirty="0"/>
+              <a:t>!</a:t>
+            </a:r>
+            <a:endParaRPr lang="ko-KR" altLang="en-US" sz="4800" dirty="0"/>
+          </a:p>
+        </p:txBody>
+      </p:sp>
+      <p:pic>
+        <p:nvPicPr>
+          <p:cNvPr id="5" name="내용 개체 틀 4">
+            <a:extLst>
+              <a:ext uri="{FF2B5EF4-FFF2-40B4-BE49-F238E27FC236}">
+                <a16:creationId xmlns:a16="http://schemas.microsoft.com/office/drawing/2014/main" id="{6093D086-2475-4361-85E1-FB4E78D43938}"/>
+              </a:ext>
+            </a:extLst>
+          </p:cNvPr>
+          <p:cNvPicPr>
+            <a:picLocks noGrp="1" noChangeAspect="1"/>
+          </p:cNvPicPr>
+          <p:nvPr>
+            <p:ph idx="1"/>
+          </p:nvPr>
+        </p:nvPicPr>
+        <p:blipFill>
+          <a:blip r:embed="rId2">
+            <a:extLst>
+              <a:ext uri="{28A0092B-C50C-407E-A947-70E740481C1C}">
+                <a14:useLocalDpi xmlns:a14="http://schemas.microsoft.com/office/drawing/2010/main" val="0"/>
+              </a:ext>
+            </a:extLst>
+          </a:blip>
+          <a:stretch>
+            <a:fillRect/>
+          </a:stretch>
+        </p:blipFill>
+        <p:spPr>
+          <a:xfrm>
+            <a:off x="177282" y="83083"/>
+            <a:ext cx="1045028" cy="1046814"/>
+          </a:xfrm>
+        </p:spPr>
+      </p:pic>
+      <p:pic>
+        <p:nvPicPr>
+          <p:cNvPr id="7" name="그림 6">
+            <a:extLst>
+              <a:ext uri="{FF2B5EF4-FFF2-40B4-BE49-F238E27FC236}">
+                <a16:creationId xmlns:a16="http://schemas.microsoft.com/office/drawing/2014/main" id="{DDC6EA06-E610-434E-89BF-1E4B0D6D167A}"/>
+              </a:ext>
+            </a:extLst>
+          </p:cNvPr>
+          <p:cNvPicPr>
+            <a:picLocks noChangeAspect="1"/>
+          </p:cNvPicPr>
+          <p:nvPr/>
+        </p:nvPicPr>
+        <p:blipFill>
+          <a:blip r:embed="rId3">
+            <a:extLst>
+              <a:ext uri="{28A0092B-C50C-407E-A947-70E740481C1C}">
+                <a14:useLocalDpi xmlns:a14="http://schemas.microsoft.com/office/drawing/2010/main" val="0"/>
+              </a:ext>
+            </a:extLst>
+          </a:blip>
+          <a:stretch>
+            <a:fillRect/>
+          </a:stretch>
+        </p:blipFill>
+        <p:spPr>
+          <a:xfrm>
+            <a:off x="5323347" y="6169298"/>
+            <a:ext cx="1545305" cy="605618"/>
+          </a:xfrm>
+          <a:prstGeom prst="rect">
+            <a:avLst/>
+          </a:prstGeom>
+        </p:spPr>
+      </p:pic>
+      <p:sp>
+        <p:nvSpPr>
+          <p:cNvPr id="8" name="슬라이드 번호 개체 틀 7">
+            <a:extLst>
+              <a:ext uri="{FF2B5EF4-FFF2-40B4-BE49-F238E27FC236}">
+                <a16:creationId xmlns:a16="http://schemas.microsoft.com/office/drawing/2014/main" id="{6E636F46-9B56-422B-B692-D9B59A622A4E}"/>
+              </a:ext>
+            </a:extLst>
+          </p:cNvPr>
+          <p:cNvSpPr>
+            <a:spLocks noGrp="1"/>
+          </p:cNvSpPr>
+          <p:nvPr>
+            <p:ph type="sldNum" sz="quarter" idx="12"/>
+          </p:nvPr>
+        </p:nvSpPr>
+        <p:spPr/>
+        <p:txBody>
+          <a:bodyPr/>
+          <a:lstStyle/>
+          <a:p>
+            <a:fld id="{A0C7D16C-659C-4003-998D-57A8F0509094}" type="slidenum">
+              <a:rPr lang="ko-KR" altLang="en-US" smtClean="0"/>
+              <a:t>6</a:t>
+            </a:fld>
+            <a:endParaRPr lang="ko-KR" altLang="en-US"/>
+          </a:p>
+        </p:txBody>
+      </p:sp>
+      <p:sp>
+        <p:nvSpPr>
+          <p:cNvPr id="2" name="TextBox 1">
+            <a:extLst>
+              <a:ext uri="{FF2B5EF4-FFF2-40B4-BE49-F238E27FC236}">
+                <a16:creationId xmlns:a16="http://schemas.microsoft.com/office/drawing/2014/main" id="{F42B1679-6463-4CF2-823C-C471207D5E21}"/>
+              </a:ext>
+            </a:extLst>
+          </p:cNvPr>
+          <p:cNvSpPr txBox="1"/>
+          <p:nvPr/>
+        </p:nvSpPr>
+        <p:spPr>
+          <a:xfrm>
+            <a:off x="699796" y="1504747"/>
+            <a:ext cx="10654004" cy="369332"/>
+          </a:xfrm>
+          <a:prstGeom prst="rect">
+            <a:avLst/>
+          </a:prstGeom>
+          <a:noFill/>
+        </p:spPr>
+        <p:txBody>
+          <a:bodyPr wrap="square" rtlCol="0">
+            <a:spAutoFit/>
+          </a:bodyPr>
+          <a:lstStyle/>
+          <a:p>
+            <a:r>
+              <a:rPr lang="en-US" altLang="ko-KR" dirty="0"/>
+              <a:t>2. </a:t>
+            </a:r>
+            <a:r>
+              <a:rPr lang="ko-KR" altLang="en-US" dirty="0" err="1"/>
+              <a:t>레포지토리</a:t>
+            </a:r>
+            <a:r>
+              <a:rPr lang="ko-KR" altLang="en-US" dirty="0"/>
+              <a:t> 복사하기</a:t>
+            </a:r>
+            <a:endParaRPr lang="en-US" altLang="ko-KR" dirty="0"/>
+          </a:p>
+        </p:txBody>
+      </p:sp>
+      <p:pic>
+        <p:nvPicPr>
+          <p:cNvPr id="18" name="그림 17">
+            <a:extLst>
+              <a:ext uri="{FF2B5EF4-FFF2-40B4-BE49-F238E27FC236}">
+                <a16:creationId xmlns:a16="http://schemas.microsoft.com/office/drawing/2014/main" id="{EFE6A8EF-0F2B-4AD9-9939-B03A53513ABF}"/>
+              </a:ext>
+            </a:extLst>
+          </p:cNvPr>
+          <p:cNvPicPr>
+            <a:picLocks noChangeAspect="1"/>
+          </p:cNvPicPr>
+          <p:nvPr/>
+        </p:nvPicPr>
+        <p:blipFill>
+          <a:blip r:embed="rId4"/>
+          <a:stretch>
+            <a:fillRect/>
+          </a:stretch>
+        </p:blipFill>
+        <p:spPr>
+          <a:xfrm>
+            <a:off x="2163924" y="2225602"/>
+            <a:ext cx="7725747" cy="3248325"/>
+          </a:xfrm>
+          <a:prstGeom prst="rect">
+            <a:avLst/>
+          </a:prstGeom>
+        </p:spPr>
+      </p:pic>
+    </p:spTree>
+    <p:extLst>
+      <p:ext uri="{BB962C8B-B14F-4D97-AF65-F5344CB8AC3E}">
+        <p14:creationId xmlns:p14="http://schemas.microsoft.com/office/powerpoint/2010/main" val="2751124056"/>
+      </p:ext>
+    </p:extLst>
+  </p:cSld>
+  <p:clrMapOvr>
+    <a:masterClrMapping/>
+  </p:clrMapOvr>
+</p:sld>
+</file>
+
+<file path=ppt/slides/slide7.xml><?xml version="1.0" encoding="utf-8"?>
+<p:sld xmlns:a="http://schemas.openxmlformats.org/drawingml/2006/main" xmlns:r="http://schemas.openxmlformats.org/officeDocument/2006/relationships" xmlns:p="http://schemas.openxmlformats.org/presentationml/2006/main">
+  <p:cSld>
+    <p:spTree>
+      <p:nvGrpSpPr>
+        <p:cNvPr id="1" name=""/>
+        <p:cNvGrpSpPr/>
+        <p:nvPr/>
+      </p:nvGrpSpPr>
+      <p:grpSpPr>
+        <a:xfrm>
+          <a:off x="0" y="0"/>
+          <a:ext cx="0" cy="0"/>
+          <a:chOff x="0" y="0"/>
+          <a:chExt cx="0" cy="0"/>
+        </a:xfrm>
+      </p:grpSpPr>
+      <p:sp>
+        <p:nvSpPr>
+          <p:cNvPr id="6" name="사각형: 둥근 모서리 5">
+            <a:extLst>
+              <a:ext uri="{FF2B5EF4-FFF2-40B4-BE49-F238E27FC236}">
+                <a16:creationId xmlns:a16="http://schemas.microsoft.com/office/drawing/2014/main" id="{D521D6A5-D17A-4D08-BB10-BC0BB5A5AE3E}"/>
+              </a:ext>
+            </a:extLst>
+          </p:cNvPr>
+          <p:cNvSpPr/>
+          <p:nvPr/>
+        </p:nvSpPr>
+        <p:spPr>
+          <a:xfrm>
+            <a:off x="177282" y="83084"/>
+            <a:ext cx="11837436" cy="1046813"/>
+          </a:xfrm>
+          <a:prstGeom prst="roundRect">
+            <a:avLst>
+              <a:gd name="adj" fmla="val 50000"/>
+            </a:avLst>
+          </a:prstGeom>
+          <a:gradFill>
+            <a:gsLst>
+              <a:gs pos="0">
+                <a:srgbClr val="50829B"/>
+              </a:gs>
+              <a:gs pos="100000">
+                <a:srgbClr val="6C94B0"/>
+              </a:gs>
+            </a:gsLst>
+            <a:lin ang="0" scaled="1"/>
+          </a:gradFill>
+          <a:ln>
+            <a:noFill/>
+          </a:ln>
+        </p:spPr>
+        <p:style>
+          <a:lnRef idx="2">
+            <a:schemeClr val="accent1">
+              <a:shade val="50000"/>
+            </a:schemeClr>
+          </a:lnRef>
+          <a:fillRef idx="1">
+            <a:schemeClr val="accent1"/>
+          </a:fillRef>
+          <a:effectRef idx="0">
+            <a:schemeClr val="accent1"/>
+          </a:effectRef>
+          <a:fontRef idx="minor">
+            <a:schemeClr val="lt1"/>
+          </a:fontRef>
+        </p:style>
+        <p:txBody>
+          <a:bodyPr rtlCol="0" anchor="ctr"/>
+          <a:lstStyle/>
+          <a:p>
+            <a:pPr algn="ctr"/>
+            <a:r>
+              <a:rPr lang="en-US" altLang="ko-KR" sz="4800" dirty="0"/>
+              <a:t>AI </a:t>
+            </a:r>
+            <a:r>
+              <a:rPr lang="ko-KR" altLang="en-US" sz="4800" dirty="0"/>
+              <a:t>그룹활동에 필요한 내용만</a:t>
+            </a:r>
+            <a:r>
+              <a:rPr lang="en-US" altLang="ko-KR" sz="4800" dirty="0"/>
+              <a:t>!</a:t>
+            </a:r>
+            <a:endParaRPr lang="ko-KR" altLang="en-US" sz="4800" dirty="0"/>
+          </a:p>
+        </p:txBody>
+      </p:sp>
+      <p:pic>
+        <p:nvPicPr>
+          <p:cNvPr id="5" name="내용 개체 틀 4">
+            <a:extLst>
+              <a:ext uri="{FF2B5EF4-FFF2-40B4-BE49-F238E27FC236}">
+                <a16:creationId xmlns:a16="http://schemas.microsoft.com/office/drawing/2014/main" id="{6093D086-2475-4361-85E1-FB4E78D43938}"/>
+              </a:ext>
+            </a:extLst>
+          </p:cNvPr>
+          <p:cNvPicPr>
+            <a:picLocks noGrp="1" noChangeAspect="1"/>
+          </p:cNvPicPr>
+          <p:nvPr>
+            <p:ph idx="1"/>
+          </p:nvPr>
+        </p:nvPicPr>
+        <p:blipFill>
+          <a:blip r:embed="rId2">
+            <a:extLst>
+              <a:ext uri="{28A0092B-C50C-407E-A947-70E740481C1C}">
+                <a14:useLocalDpi xmlns:a14="http://schemas.microsoft.com/office/drawing/2010/main" val="0"/>
+              </a:ext>
+            </a:extLst>
+          </a:blip>
+          <a:stretch>
+            <a:fillRect/>
+          </a:stretch>
+        </p:blipFill>
+        <p:spPr>
+          <a:xfrm>
+            <a:off x="177282" y="83083"/>
+            <a:ext cx="1045028" cy="1046814"/>
+          </a:xfrm>
+        </p:spPr>
+      </p:pic>
+      <p:pic>
+        <p:nvPicPr>
+          <p:cNvPr id="7" name="그림 6">
+            <a:extLst>
+              <a:ext uri="{FF2B5EF4-FFF2-40B4-BE49-F238E27FC236}">
+                <a16:creationId xmlns:a16="http://schemas.microsoft.com/office/drawing/2014/main" id="{DDC6EA06-E610-434E-89BF-1E4B0D6D167A}"/>
+              </a:ext>
+            </a:extLst>
+          </p:cNvPr>
+          <p:cNvPicPr>
+            <a:picLocks noChangeAspect="1"/>
+          </p:cNvPicPr>
+          <p:nvPr/>
+        </p:nvPicPr>
+        <p:blipFill>
+          <a:blip r:embed="rId3">
+            <a:extLst>
+              <a:ext uri="{28A0092B-C50C-407E-A947-70E740481C1C}">
+                <a14:useLocalDpi xmlns:a14="http://schemas.microsoft.com/office/drawing/2010/main" val="0"/>
+              </a:ext>
+            </a:extLst>
+          </a:blip>
+          <a:stretch>
+            <a:fillRect/>
+          </a:stretch>
+        </p:blipFill>
+        <p:spPr>
+          <a:xfrm>
+            <a:off x="5323347" y="6169298"/>
+            <a:ext cx="1545305" cy="605618"/>
+          </a:xfrm>
+          <a:prstGeom prst="rect">
+            <a:avLst/>
+          </a:prstGeom>
+        </p:spPr>
+      </p:pic>
+      <p:sp>
+        <p:nvSpPr>
+          <p:cNvPr id="8" name="슬라이드 번호 개체 틀 7">
+            <a:extLst>
+              <a:ext uri="{FF2B5EF4-FFF2-40B4-BE49-F238E27FC236}">
+                <a16:creationId xmlns:a16="http://schemas.microsoft.com/office/drawing/2014/main" id="{6E636F46-9B56-422B-B692-D9B59A622A4E}"/>
+              </a:ext>
+            </a:extLst>
+          </p:cNvPr>
+          <p:cNvSpPr>
+            <a:spLocks noGrp="1"/>
+          </p:cNvSpPr>
+          <p:nvPr>
+            <p:ph type="sldNum" sz="quarter" idx="12"/>
+          </p:nvPr>
+        </p:nvSpPr>
+        <p:spPr/>
+        <p:txBody>
+          <a:bodyPr/>
+          <a:lstStyle/>
+          <a:p>
+            <a:fld id="{A0C7D16C-659C-4003-998D-57A8F0509094}" type="slidenum">
+              <a:rPr lang="ko-KR" altLang="en-US" smtClean="0"/>
+              <a:t>7</a:t>
+            </a:fld>
+            <a:endParaRPr lang="ko-KR" altLang="en-US"/>
+          </a:p>
+        </p:txBody>
+      </p:sp>
+      <p:sp>
+        <p:nvSpPr>
+          <p:cNvPr id="2" name="TextBox 1">
+            <a:extLst>
+              <a:ext uri="{FF2B5EF4-FFF2-40B4-BE49-F238E27FC236}">
+                <a16:creationId xmlns:a16="http://schemas.microsoft.com/office/drawing/2014/main" id="{F42B1679-6463-4CF2-823C-C471207D5E21}"/>
+              </a:ext>
+            </a:extLst>
+          </p:cNvPr>
+          <p:cNvSpPr txBox="1"/>
+          <p:nvPr/>
+        </p:nvSpPr>
+        <p:spPr>
+          <a:xfrm>
+            <a:off x="699796" y="1504747"/>
+            <a:ext cx="10654004" cy="369332"/>
+          </a:xfrm>
+          <a:prstGeom prst="rect">
+            <a:avLst/>
+          </a:prstGeom>
+          <a:noFill/>
+        </p:spPr>
+        <p:txBody>
+          <a:bodyPr wrap="square" rtlCol="0">
+            <a:spAutoFit/>
+          </a:bodyPr>
+          <a:lstStyle/>
+          <a:p>
+            <a:r>
+              <a:rPr lang="en-US" altLang="ko-KR" dirty="0"/>
+              <a:t>3. branch </a:t>
+            </a:r>
+            <a:r>
+              <a:rPr lang="ko-KR" altLang="en-US" dirty="0"/>
+              <a:t>생성하기</a:t>
+            </a:r>
+            <a:endParaRPr lang="en-US" altLang="ko-KR" dirty="0"/>
+          </a:p>
+        </p:txBody>
+      </p:sp>
+      <p:sp>
+        <p:nvSpPr>
+          <p:cNvPr id="32" name="직사각형 31">
+            <a:extLst>
+              <a:ext uri="{FF2B5EF4-FFF2-40B4-BE49-F238E27FC236}">
+                <a16:creationId xmlns:a16="http://schemas.microsoft.com/office/drawing/2014/main" id="{D10D4D67-ABD3-4058-BE34-2761D7A906E9}"/>
+              </a:ext>
+            </a:extLst>
+          </p:cNvPr>
+          <p:cNvSpPr/>
+          <p:nvPr/>
+        </p:nvSpPr>
+        <p:spPr>
+          <a:xfrm>
+            <a:off x="699796" y="2170703"/>
+            <a:ext cx="6354147" cy="2585323"/>
+          </a:xfrm>
+          <a:prstGeom prst="rect">
+            <a:avLst/>
+          </a:prstGeom>
+        </p:spPr>
+        <p:txBody>
+          <a:bodyPr wrap="square">
+            <a:spAutoFit/>
+          </a:bodyPr>
+          <a:lstStyle/>
+          <a:p>
+            <a:r>
+              <a:rPr lang="ko-KR" altLang="en-US" dirty="0"/>
+              <a:t>복제된 </a:t>
+            </a:r>
+            <a:r>
+              <a:rPr lang="ko-KR" altLang="en-US" dirty="0" err="1"/>
+              <a:t>레포지토리</a:t>
+            </a:r>
+            <a:r>
+              <a:rPr lang="ko-KR" altLang="en-US" dirty="0"/>
+              <a:t> 디렉터리로 이동 후</a:t>
+            </a:r>
+            <a:endParaRPr lang="en-US" altLang="ko-KR" dirty="0"/>
+          </a:p>
+          <a:p>
+            <a:endParaRPr lang="en-US" altLang="ko-KR" dirty="0"/>
+          </a:p>
+          <a:p>
+            <a:r>
+              <a:rPr lang="en-US" altLang="ko-KR" b="1" dirty="0"/>
+              <a:t>* </a:t>
+            </a:r>
+            <a:r>
+              <a:rPr lang="ko-KR" altLang="en-US" b="1" dirty="0"/>
+              <a:t>아래 작업은 </a:t>
+            </a:r>
+            <a:r>
+              <a:rPr lang="en-US" altLang="ko-KR" b="1" dirty="0"/>
+              <a:t>Local</a:t>
+            </a:r>
+            <a:r>
+              <a:rPr lang="ko-KR" altLang="en-US" b="1" dirty="0"/>
+              <a:t>에서 이뤄집니다</a:t>
+            </a:r>
+            <a:r>
+              <a:rPr lang="en-US" altLang="ko-KR" b="1" dirty="0"/>
+              <a:t>!</a:t>
+            </a:r>
+          </a:p>
+          <a:p>
+            <a:r>
+              <a:rPr lang="en-US" altLang="ko-KR" dirty="0"/>
+              <a:t>git branch [</a:t>
+            </a:r>
+            <a:r>
+              <a:rPr lang="en-US" altLang="ko-KR" dirty="0" err="1"/>
+              <a:t>github</a:t>
+            </a:r>
+            <a:r>
+              <a:rPr lang="en-US" altLang="ko-KR" dirty="0"/>
+              <a:t> </a:t>
+            </a:r>
+            <a:r>
+              <a:rPr lang="ko-KR" altLang="en-US" dirty="0"/>
+              <a:t>사용자명</a:t>
+            </a:r>
+            <a:r>
+              <a:rPr lang="en-US" altLang="ko-KR" dirty="0"/>
+              <a:t>]/[Issue </a:t>
+            </a:r>
+            <a:r>
+              <a:rPr lang="ko-KR" altLang="en-US" dirty="0"/>
+              <a:t>명 </a:t>
+            </a:r>
+            <a:r>
+              <a:rPr lang="en-US" altLang="ko-KR" dirty="0"/>
+              <a:t>or </a:t>
+            </a:r>
+            <a:r>
+              <a:rPr lang="ko-KR" altLang="en-US" dirty="0"/>
+              <a:t>목적</a:t>
+            </a:r>
+            <a:r>
+              <a:rPr lang="en-US" altLang="ko-KR" dirty="0"/>
+              <a:t>]</a:t>
+            </a:r>
+          </a:p>
+          <a:p>
+            <a:r>
+              <a:rPr lang="en-US" altLang="ko-KR" dirty="0"/>
+              <a:t>	=&gt; </a:t>
+            </a:r>
+            <a:r>
+              <a:rPr lang="ko-KR" altLang="en-US" dirty="0"/>
+              <a:t>해당 </a:t>
+            </a:r>
+            <a:r>
+              <a:rPr lang="ko-KR" altLang="en-US" dirty="0" err="1"/>
+              <a:t>브랜치</a:t>
+            </a:r>
+            <a:r>
+              <a:rPr lang="ko-KR" altLang="en-US" dirty="0"/>
+              <a:t> 생성</a:t>
+            </a:r>
+            <a:endParaRPr lang="en-US" altLang="ko-KR" dirty="0"/>
+          </a:p>
+          <a:p>
+            <a:r>
+              <a:rPr lang="en-US" altLang="ko-KR" dirty="0"/>
+              <a:t>git checkout [</a:t>
+            </a:r>
+            <a:r>
+              <a:rPr lang="ko-KR" altLang="en-US" dirty="0"/>
+              <a:t>위에서 작성한 </a:t>
+            </a:r>
+            <a:r>
+              <a:rPr lang="ko-KR" altLang="en-US" dirty="0" err="1"/>
+              <a:t>브랜치이름</a:t>
+            </a:r>
+            <a:r>
+              <a:rPr lang="en-US" altLang="ko-KR" dirty="0"/>
+              <a:t>]</a:t>
+            </a:r>
+          </a:p>
+          <a:p>
+            <a:r>
+              <a:rPr lang="en-US" altLang="ko-KR" dirty="0"/>
+              <a:t>	=&gt; </a:t>
+            </a:r>
+            <a:r>
+              <a:rPr lang="ko-KR" altLang="en-US" dirty="0"/>
+              <a:t>해당 </a:t>
+            </a:r>
+            <a:r>
+              <a:rPr lang="ko-KR" altLang="en-US" dirty="0" err="1"/>
+              <a:t>브랜치로</a:t>
+            </a:r>
+            <a:r>
+              <a:rPr lang="ko-KR" altLang="en-US" dirty="0"/>
+              <a:t> 이동</a:t>
+            </a:r>
+            <a:endParaRPr lang="en-US" altLang="ko-KR" dirty="0"/>
+          </a:p>
+          <a:p>
+            <a:endParaRPr lang="en-US" altLang="ko-KR" dirty="0"/>
+          </a:p>
+          <a:p>
+            <a:r>
+              <a:rPr lang="ko-KR" altLang="en-US" dirty="0"/>
+              <a:t>목적에 따라서 코드 생성</a:t>
+            </a:r>
+            <a:r>
+              <a:rPr lang="en-US" altLang="ko-KR" dirty="0"/>
+              <a:t>/</a:t>
+            </a:r>
+            <a:r>
+              <a:rPr lang="ko-KR" altLang="en-US" dirty="0"/>
+              <a:t>수정</a:t>
+            </a:r>
+            <a:endParaRPr lang="en-US" altLang="ko-KR" dirty="0"/>
+          </a:p>
+        </p:txBody>
+      </p:sp>
+    </p:spTree>
+    <p:extLst>
+      <p:ext uri="{BB962C8B-B14F-4D97-AF65-F5344CB8AC3E}">
+        <p14:creationId xmlns:p14="http://schemas.microsoft.com/office/powerpoint/2010/main" val="2032834027"/>
+      </p:ext>
+    </p:extLst>
+  </p:cSld>
+  <p:clrMapOvr>
+    <a:masterClrMapping/>
+  </p:clrMapOvr>
+</p:sld>
+</file>
+
+<file path=ppt/slides/slide8.xml><?xml version="1.0" encoding="utf-8"?>
+<p:sld xmlns:a="http://schemas.openxmlformats.org/drawingml/2006/main" xmlns:r="http://schemas.openxmlformats.org/officeDocument/2006/relationships" xmlns:p="http://schemas.openxmlformats.org/presentationml/2006/main">
+  <p:cSld>
+    <p:spTree>
+      <p:nvGrpSpPr>
+        <p:cNvPr id="1" name=""/>
+        <p:cNvGrpSpPr/>
+        <p:nvPr/>
+      </p:nvGrpSpPr>
+      <p:grpSpPr>
+        <a:xfrm>
+          <a:off x="0" y="0"/>
+          <a:ext cx="0" cy="0"/>
+          <a:chOff x="0" y="0"/>
+          <a:chExt cx="0" cy="0"/>
+        </a:xfrm>
+      </p:grpSpPr>
+      <p:sp>
+        <p:nvSpPr>
+          <p:cNvPr id="6" name="사각형: 둥근 모서리 5">
+            <a:extLst>
+              <a:ext uri="{FF2B5EF4-FFF2-40B4-BE49-F238E27FC236}">
+                <a16:creationId xmlns:a16="http://schemas.microsoft.com/office/drawing/2014/main" id="{D521D6A5-D17A-4D08-BB10-BC0BB5A5AE3E}"/>
+              </a:ext>
+            </a:extLst>
+          </p:cNvPr>
+          <p:cNvSpPr/>
+          <p:nvPr/>
+        </p:nvSpPr>
+        <p:spPr>
+          <a:xfrm>
+            <a:off x="177282" y="83084"/>
+            <a:ext cx="11837436" cy="1046813"/>
+          </a:xfrm>
+          <a:prstGeom prst="roundRect">
+            <a:avLst>
+              <a:gd name="adj" fmla="val 50000"/>
+            </a:avLst>
+          </a:prstGeom>
+          <a:gradFill>
+            <a:gsLst>
+              <a:gs pos="0">
+                <a:srgbClr val="50829B"/>
+              </a:gs>
+              <a:gs pos="100000">
+                <a:srgbClr val="6C94B0"/>
+              </a:gs>
+            </a:gsLst>
+            <a:lin ang="0" scaled="1"/>
+          </a:gradFill>
+          <a:ln>
+            <a:noFill/>
+          </a:ln>
+        </p:spPr>
+        <p:style>
+          <a:lnRef idx="2">
+            <a:schemeClr val="accent1">
+              <a:shade val="50000"/>
+            </a:schemeClr>
+          </a:lnRef>
+          <a:fillRef idx="1">
+            <a:schemeClr val="accent1"/>
+          </a:fillRef>
+          <a:effectRef idx="0">
+            <a:schemeClr val="accent1"/>
+          </a:effectRef>
+          <a:fontRef idx="minor">
+            <a:schemeClr val="lt1"/>
+          </a:fontRef>
+        </p:style>
+        <p:txBody>
+          <a:bodyPr rtlCol="0" anchor="ctr"/>
+          <a:lstStyle/>
+          <a:p>
+            <a:pPr algn="ctr"/>
+            <a:r>
+              <a:rPr lang="en-US" altLang="ko-KR" sz="4800" dirty="0"/>
+              <a:t>AI </a:t>
+            </a:r>
+            <a:r>
+              <a:rPr lang="ko-KR" altLang="en-US" sz="4800" dirty="0"/>
+              <a:t>그룹활동에 필요한 내용만</a:t>
+            </a:r>
+            <a:r>
+              <a:rPr lang="en-US" altLang="ko-KR" sz="4800" dirty="0"/>
+              <a:t>!</a:t>
+            </a:r>
+            <a:endParaRPr lang="ko-KR" altLang="en-US" sz="4800" dirty="0"/>
+          </a:p>
+        </p:txBody>
+      </p:sp>
+      <p:pic>
+        <p:nvPicPr>
+          <p:cNvPr id="5" name="내용 개체 틀 4">
+            <a:extLst>
+              <a:ext uri="{FF2B5EF4-FFF2-40B4-BE49-F238E27FC236}">
+                <a16:creationId xmlns:a16="http://schemas.microsoft.com/office/drawing/2014/main" id="{6093D086-2475-4361-85E1-FB4E78D43938}"/>
+              </a:ext>
+            </a:extLst>
+          </p:cNvPr>
+          <p:cNvPicPr>
+            <a:picLocks noGrp="1" noChangeAspect="1"/>
+          </p:cNvPicPr>
+          <p:nvPr>
+            <p:ph idx="1"/>
+          </p:nvPr>
+        </p:nvPicPr>
+        <p:blipFill>
+          <a:blip r:embed="rId2">
+            <a:extLst>
+              <a:ext uri="{28A0092B-C50C-407E-A947-70E740481C1C}">
+                <a14:useLocalDpi xmlns:a14="http://schemas.microsoft.com/office/drawing/2010/main" val="0"/>
+              </a:ext>
+            </a:extLst>
+          </a:blip>
+          <a:stretch>
+            <a:fillRect/>
+          </a:stretch>
+        </p:blipFill>
+        <p:spPr>
+          <a:xfrm>
+            <a:off x="177282" y="83083"/>
+            <a:ext cx="1045028" cy="1046814"/>
+          </a:xfrm>
+        </p:spPr>
+      </p:pic>
+      <p:pic>
+        <p:nvPicPr>
+          <p:cNvPr id="7" name="그림 6">
+            <a:extLst>
+              <a:ext uri="{FF2B5EF4-FFF2-40B4-BE49-F238E27FC236}">
+                <a16:creationId xmlns:a16="http://schemas.microsoft.com/office/drawing/2014/main" id="{DDC6EA06-E610-434E-89BF-1E4B0D6D167A}"/>
+              </a:ext>
+            </a:extLst>
+          </p:cNvPr>
+          <p:cNvPicPr>
+            <a:picLocks noChangeAspect="1"/>
+          </p:cNvPicPr>
+          <p:nvPr/>
+        </p:nvPicPr>
+        <p:blipFill>
+          <a:blip r:embed="rId3">
+            <a:extLst>
+              <a:ext uri="{28A0092B-C50C-407E-A947-70E740481C1C}">
+                <a14:useLocalDpi xmlns:a14="http://schemas.microsoft.com/office/drawing/2010/main" val="0"/>
+              </a:ext>
+            </a:extLst>
+          </a:blip>
+          <a:stretch>
+            <a:fillRect/>
+          </a:stretch>
+        </p:blipFill>
+        <p:spPr>
+          <a:xfrm>
+            <a:off x="5323347" y="6169298"/>
+            <a:ext cx="1545305" cy="605618"/>
+          </a:xfrm>
+          <a:prstGeom prst="rect">
+            <a:avLst/>
+          </a:prstGeom>
+        </p:spPr>
+      </p:pic>
+      <p:sp>
+        <p:nvSpPr>
+          <p:cNvPr id="8" name="슬라이드 번호 개체 틀 7">
+            <a:extLst>
+              <a:ext uri="{FF2B5EF4-FFF2-40B4-BE49-F238E27FC236}">
+                <a16:creationId xmlns:a16="http://schemas.microsoft.com/office/drawing/2014/main" id="{6E636F46-9B56-422B-B692-D9B59A622A4E}"/>
+              </a:ext>
+            </a:extLst>
+          </p:cNvPr>
+          <p:cNvSpPr>
+            <a:spLocks noGrp="1"/>
+          </p:cNvSpPr>
+          <p:nvPr>
+            <p:ph type="sldNum" sz="quarter" idx="12"/>
+          </p:nvPr>
+        </p:nvSpPr>
+        <p:spPr/>
+        <p:txBody>
+          <a:bodyPr/>
+          <a:lstStyle/>
+          <a:p>
+            <a:fld id="{A0C7D16C-659C-4003-998D-57A8F0509094}" type="slidenum">
+              <a:rPr lang="ko-KR" altLang="en-US" smtClean="0"/>
+              <a:t>8</a:t>
+            </a:fld>
+            <a:endParaRPr lang="ko-KR" altLang="en-US"/>
+          </a:p>
+        </p:txBody>
+      </p:sp>
+      <p:sp>
+        <p:nvSpPr>
+          <p:cNvPr id="2" name="TextBox 1">
+            <a:extLst>
+              <a:ext uri="{FF2B5EF4-FFF2-40B4-BE49-F238E27FC236}">
+                <a16:creationId xmlns:a16="http://schemas.microsoft.com/office/drawing/2014/main" id="{F42B1679-6463-4CF2-823C-C471207D5E21}"/>
+              </a:ext>
+            </a:extLst>
+          </p:cNvPr>
+          <p:cNvSpPr txBox="1"/>
+          <p:nvPr/>
+        </p:nvSpPr>
+        <p:spPr>
+          <a:xfrm>
+            <a:off x="699796" y="1504747"/>
+            <a:ext cx="10654004" cy="369332"/>
+          </a:xfrm>
+          <a:prstGeom prst="rect">
+            <a:avLst/>
+          </a:prstGeom>
+          <a:noFill/>
+        </p:spPr>
+        <p:txBody>
+          <a:bodyPr wrap="square" rtlCol="0">
+            <a:spAutoFit/>
+          </a:bodyPr>
+          <a:lstStyle/>
+          <a:p>
+            <a:r>
+              <a:rPr lang="en-US" altLang="ko-KR" dirty="0"/>
+              <a:t>3. branch </a:t>
+            </a:r>
+            <a:r>
+              <a:rPr lang="ko-KR" altLang="en-US" dirty="0"/>
+              <a:t>생성하기</a:t>
+            </a:r>
+            <a:endParaRPr lang="en-US" altLang="ko-KR" dirty="0"/>
+          </a:p>
+        </p:txBody>
+      </p:sp>
+      <p:pic>
+        <p:nvPicPr>
+          <p:cNvPr id="3" name="그림 2">
+            <a:extLst>
+              <a:ext uri="{FF2B5EF4-FFF2-40B4-BE49-F238E27FC236}">
+                <a16:creationId xmlns:a16="http://schemas.microsoft.com/office/drawing/2014/main" id="{A1D22100-68A8-4156-A72E-550947CDAE58}"/>
+              </a:ext>
+            </a:extLst>
+          </p:cNvPr>
+          <p:cNvPicPr>
+            <a:picLocks noChangeAspect="1"/>
+          </p:cNvPicPr>
+          <p:nvPr/>
+        </p:nvPicPr>
+        <p:blipFill>
+          <a:blip r:embed="rId4"/>
+          <a:stretch>
+            <a:fillRect/>
+          </a:stretch>
+        </p:blipFill>
+        <p:spPr>
+          <a:xfrm>
+            <a:off x="875570" y="2143873"/>
+            <a:ext cx="10440857" cy="2267266"/>
+          </a:xfrm>
+          <a:prstGeom prst="rect">
+            <a:avLst/>
+          </a:prstGeom>
+        </p:spPr>
+      </p:pic>
+      <p:sp>
+        <p:nvSpPr>
+          <p:cNvPr id="4" name="직사각형 3">
+            <a:extLst>
+              <a:ext uri="{FF2B5EF4-FFF2-40B4-BE49-F238E27FC236}">
+                <a16:creationId xmlns:a16="http://schemas.microsoft.com/office/drawing/2014/main" id="{153E2576-EB80-4923-B44B-8D3DC45EA801}"/>
+              </a:ext>
+            </a:extLst>
+          </p:cNvPr>
+          <p:cNvSpPr/>
+          <p:nvPr/>
+        </p:nvSpPr>
+        <p:spPr>
+          <a:xfrm>
+            <a:off x="875570" y="4735028"/>
+            <a:ext cx="7906138" cy="923330"/>
+          </a:xfrm>
+          <a:prstGeom prst="rect">
+            <a:avLst/>
+          </a:prstGeom>
+        </p:spPr>
+        <p:txBody>
+          <a:bodyPr wrap="square">
+            <a:spAutoFit/>
+          </a:bodyPr>
+          <a:lstStyle/>
+          <a:p>
+            <a:r>
+              <a:rPr lang="en-US" altLang="ko-KR"/>
+              <a:t>git status</a:t>
+            </a:r>
+          </a:p>
+          <a:p>
+            <a:r>
+              <a:rPr lang="en-US" altLang="ko-KR"/>
+              <a:t>git log</a:t>
+            </a:r>
+          </a:p>
+          <a:p>
+            <a:r>
+              <a:rPr lang="ko-KR" altLang="en-US"/>
+              <a:t>등의 명령어를 알면</a:t>
+            </a:r>
+            <a:r>
+              <a:rPr lang="en-US" altLang="ko-KR"/>
+              <a:t>, </a:t>
+            </a:r>
+            <a:r>
+              <a:rPr lang="ko-KR" altLang="en-US"/>
+              <a:t>현재 상태를 조금 더 쉽게 파악할 수 있는데</a:t>
+            </a:r>
+            <a:r>
+              <a:rPr lang="en-US" altLang="ko-KR"/>
+              <a:t>…</a:t>
+            </a:r>
+            <a:endParaRPr lang="en-US" altLang="ko-KR" dirty="0"/>
+          </a:p>
+        </p:txBody>
+      </p:sp>
+      <p:sp>
+        <p:nvSpPr>
+          <p:cNvPr id="9" name="직사각형 8">
+            <a:extLst>
+              <a:ext uri="{FF2B5EF4-FFF2-40B4-BE49-F238E27FC236}">
+                <a16:creationId xmlns:a16="http://schemas.microsoft.com/office/drawing/2014/main" id="{5E5B6B83-6CC5-47FF-8147-93F84B36BB68}"/>
+              </a:ext>
+            </a:extLst>
+          </p:cNvPr>
+          <p:cNvSpPr/>
+          <p:nvPr/>
+        </p:nvSpPr>
+        <p:spPr>
+          <a:xfrm>
+            <a:off x="3018218" y="3854756"/>
+            <a:ext cx="7700867" cy="369332"/>
+          </a:xfrm>
+          <a:prstGeom prst="rect">
+            <a:avLst/>
+          </a:prstGeom>
+        </p:spPr>
+        <p:txBody>
+          <a:bodyPr wrap="square">
+            <a:spAutoFit/>
+          </a:bodyPr>
+          <a:lstStyle/>
+          <a:p>
+            <a:r>
+              <a:rPr lang="en-US" altLang="ko-KR" dirty="0">
+                <a:solidFill>
+                  <a:schemeClr val="bg1"/>
+                </a:solidFill>
+              </a:rPr>
+              <a:t>branch </a:t>
+            </a:r>
+            <a:r>
+              <a:rPr lang="ko-KR" altLang="en-US" dirty="0">
+                <a:solidFill>
+                  <a:schemeClr val="bg1"/>
+                </a:solidFill>
+              </a:rPr>
+              <a:t>이름은 꼭 사용자명</a:t>
+            </a:r>
+            <a:r>
+              <a:rPr lang="en-US" altLang="ko-KR" dirty="0">
+                <a:solidFill>
+                  <a:schemeClr val="bg1"/>
+                </a:solidFill>
+              </a:rPr>
+              <a:t>/</a:t>
+            </a:r>
+            <a:r>
+              <a:rPr lang="ko-KR" altLang="en-US" dirty="0">
+                <a:solidFill>
+                  <a:schemeClr val="bg1"/>
+                </a:solidFill>
+              </a:rPr>
+              <a:t>목적 일 필요는 없습니다</a:t>
+            </a:r>
+            <a:r>
+              <a:rPr lang="en-US" altLang="ko-KR" dirty="0">
+                <a:solidFill>
+                  <a:schemeClr val="bg1"/>
+                </a:solidFill>
+              </a:rPr>
+              <a:t>. </a:t>
+            </a:r>
+            <a:r>
+              <a:rPr lang="ko-KR" altLang="en-US" b="1" dirty="0">
+                <a:solidFill>
+                  <a:schemeClr val="bg1"/>
+                </a:solidFill>
+              </a:rPr>
+              <a:t>이건 우리의 규칙</a:t>
+            </a:r>
+            <a:r>
+              <a:rPr lang="en-US" altLang="ko-KR" b="1" dirty="0">
+                <a:solidFill>
+                  <a:schemeClr val="bg1"/>
+                </a:solidFill>
+              </a:rPr>
+              <a:t>!</a:t>
+            </a:r>
+            <a:endParaRPr lang="ko-KR" altLang="en-US" b="1" dirty="0">
+              <a:solidFill>
+                <a:schemeClr val="bg1"/>
+              </a:solidFill>
+            </a:endParaRPr>
+          </a:p>
+        </p:txBody>
+      </p:sp>
+    </p:spTree>
+    <p:extLst>
+      <p:ext uri="{BB962C8B-B14F-4D97-AF65-F5344CB8AC3E}">
+        <p14:creationId xmlns:p14="http://schemas.microsoft.com/office/powerpoint/2010/main" val="1246613970"/>
+      </p:ext>
+    </p:extLst>
+  </p:cSld>
+  <p:clrMapOvr>
+    <a:masterClrMapping/>
+  </p:clrMapOvr>
+</p:sld>
+</file>
+
+<file path=ppt/slides/slide9.xml><?xml version="1.0" encoding="utf-8"?>
+<p:sld xmlns:a="http://schemas.openxmlformats.org/drawingml/2006/main" xmlns:r="http://schemas.openxmlformats.org/officeDocument/2006/relationships" xmlns:p="http://schemas.openxmlformats.org/presentationml/2006/main">
+  <p:cSld>
+    <p:spTree>
+      <p:nvGrpSpPr>
+        <p:cNvPr id="1" name=""/>
+        <p:cNvGrpSpPr/>
+        <p:nvPr/>
+      </p:nvGrpSpPr>
+      <p:grpSpPr>
+        <a:xfrm>
+          <a:off x="0" y="0"/>
+          <a:ext cx="0" cy="0"/>
+          <a:chOff x="0" y="0"/>
+          <a:chExt cx="0" cy="0"/>
+        </a:xfrm>
+      </p:grpSpPr>
+      <p:sp>
+        <p:nvSpPr>
+          <p:cNvPr id="6" name="사각형: 둥근 모서리 5">
+            <a:extLst>
+              <a:ext uri="{FF2B5EF4-FFF2-40B4-BE49-F238E27FC236}">
+                <a16:creationId xmlns:a16="http://schemas.microsoft.com/office/drawing/2014/main" id="{D521D6A5-D17A-4D08-BB10-BC0BB5A5AE3E}"/>
+              </a:ext>
+            </a:extLst>
+          </p:cNvPr>
+          <p:cNvSpPr/>
+          <p:nvPr/>
+        </p:nvSpPr>
+        <p:spPr>
+          <a:xfrm>
+            <a:off x="177282" y="83084"/>
+            <a:ext cx="11837436" cy="1046813"/>
+          </a:xfrm>
+          <a:prstGeom prst="roundRect">
+            <a:avLst>
+              <a:gd name="adj" fmla="val 50000"/>
+            </a:avLst>
+          </a:prstGeom>
+          <a:gradFill>
+            <a:gsLst>
+              <a:gs pos="0">
+                <a:srgbClr val="50829B"/>
+              </a:gs>
+              <a:gs pos="100000">
+                <a:srgbClr val="6C94B0"/>
+              </a:gs>
+            </a:gsLst>
+            <a:lin ang="0" scaled="1"/>
+          </a:gradFill>
+          <a:ln>
+            <a:noFill/>
+          </a:ln>
+        </p:spPr>
+        <p:style>
+          <a:lnRef idx="2">
+            <a:schemeClr val="accent1">
+              <a:shade val="50000"/>
+            </a:schemeClr>
+          </a:lnRef>
+          <a:fillRef idx="1">
+            <a:schemeClr val="accent1"/>
+          </a:fillRef>
+          <a:effectRef idx="0">
+            <a:schemeClr val="accent1"/>
+          </a:effectRef>
+          <a:fontRef idx="minor">
+            <a:schemeClr val="lt1"/>
+          </a:fontRef>
+        </p:style>
+        <p:txBody>
+          <a:bodyPr rtlCol="0" anchor="ctr"/>
+          <a:lstStyle/>
+          <a:p>
+            <a:pPr algn="ctr"/>
+            <a:r>
+              <a:rPr lang="en-US" altLang="ko-KR" sz="4800" dirty="0"/>
+              <a:t>AI </a:t>
+            </a:r>
+            <a:r>
+              <a:rPr lang="ko-KR" altLang="en-US" sz="4800" dirty="0"/>
+              <a:t>그룹활동에 필요한 내용만</a:t>
+            </a:r>
+            <a:r>
+              <a:rPr lang="en-US" altLang="ko-KR" sz="4800" dirty="0"/>
+              <a:t>!</a:t>
+            </a:r>
+            <a:endParaRPr lang="ko-KR" altLang="en-US" sz="4800" dirty="0"/>
+          </a:p>
+        </p:txBody>
+      </p:sp>
+      <p:pic>
+        <p:nvPicPr>
+          <p:cNvPr id="5" name="내용 개체 틀 4">
+            <a:extLst>
+              <a:ext uri="{FF2B5EF4-FFF2-40B4-BE49-F238E27FC236}">
+                <a16:creationId xmlns:a16="http://schemas.microsoft.com/office/drawing/2014/main" id="{6093D086-2475-4361-85E1-FB4E78D43938}"/>
+              </a:ext>
+            </a:extLst>
+          </p:cNvPr>
+          <p:cNvPicPr>
+            <a:picLocks noGrp="1" noChangeAspect="1"/>
+          </p:cNvPicPr>
+          <p:nvPr>
+            <p:ph idx="1"/>
+          </p:nvPr>
+        </p:nvPicPr>
+        <p:blipFill>
+          <a:blip r:embed="rId2">
+            <a:extLst>
+              <a:ext uri="{28A0092B-C50C-407E-A947-70E740481C1C}">
+                <a14:useLocalDpi xmlns:a14="http://schemas.microsoft.com/office/drawing/2010/main" val="0"/>
+              </a:ext>
+            </a:extLst>
+          </a:blip>
+          <a:stretch>
+            <a:fillRect/>
+          </a:stretch>
+        </p:blipFill>
+        <p:spPr>
+          <a:xfrm>
+            <a:off x="177282" y="83083"/>
+            <a:ext cx="1045028" cy="1046814"/>
+          </a:xfrm>
+        </p:spPr>
+      </p:pic>
+      <p:pic>
+        <p:nvPicPr>
+          <p:cNvPr id="7" name="그림 6">
+            <a:extLst>
+              <a:ext uri="{FF2B5EF4-FFF2-40B4-BE49-F238E27FC236}">
+                <a16:creationId xmlns:a16="http://schemas.microsoft.com/office/drawing/2014/main" id="{DDC6EA06-E610-434E-89BF-1E4B0D6D167A}"/>
+              </a:ext>
+            </a:extLst>
+          </p:cNvPr>
+          <p:cNvPicPr>
+            <a:picLocks noChangeAspect="1"/>
+          </p:cNvPicPr>
+          <p:nvPr/>
+        </p:nvPicPr>
+        <p:blipFill>
+          <a:blip r:embed="rId3">
+            <a:extLst>
+              <a:ext uri="{28A0092B-C50C-407E-A947-70E740481C1C}">
+                <a14:useLocalDpi xmlns:a14="http://schemas.microsoft.com/office/drawing/2010/main" val="0"/>
+              </a:ext>
+            </a:extLst>
+          </a:blip>
+          <a:stretch>
+            <a:fillRect/>
+          </a:stretch>
+        </p:blipFill>
+        <p:spPr>
+          <a:xfrm>
+            <a:off x="5323347" y="6169298"/>
+            <a:ext cx="1545305" cy="605618"/>
+          </a:xfrm>
+          <a:prstGeom prst="rect">
+            <a:avLst/>
+          </a:prstGeom>
+        </p:spPr>
+      </p:pic>
+      <p:sp>
+        <p:nvSpPr>
+          <p:cNvPr id="8" name="슬라이드 번호 개체 틀 7">
+            <a:extLst>
+              <a:ext uri="{FF2B5EF4-FFF2-40B4-BE49-F238E27FC236}">
+                <a16:creationId xmlns:a16="http://schemas.microsoft.com/office/drawing/2014/main" id="{6E636F46-9B56-422B-B692-D9B59A622A4E}"/>
+              </a:ext>
+            </a:extLst>
+          </p:cNvPr>
+          <p:cNvSpPr>
+            <a:spLocks noGrp="1"/>
+          </p:cNvSpPr>
+          <p:nvPr>
+            <p:ph type="sldNum" sz="quarter" idx="12"/>
+          </p:nvPr>
+        </p:nvSpPr>
+        <p:spPr/>
+        <p:txBody>
+          <a:bodyPr/>
+          <a:lstStyle/>
+          <a:p>
+            <a:fld id="{A0C7D16C-659C-4003-998D-57A8F0509094}" type="slidenum">
+              <a:rPr lang="ko-KR" altLang="en-US" smtClean="0"/>
+              <a:t>9</a:t>
+            </a:fld>
+            <a:endParaRPr lang="ko-KR" altLang="en-US"/>
+          </a:p>
+        </p:txBody>
+      </p:sp>
+      <p:sp>
+        <p:nvSpPr>
+          <p:cNvPr id="2" name="TextBox 1">
+            <a:extLst>
+              <a:ext uri="{FF2B5EF4-FFF2-40B4-BE49-F238E27FC236}">
+                <a16:creationId xmlns:a16="http://schemas.microsoft.com/office/drawing/2014/main" id="{F42B1679-6463-4CF2-823C-C471207D5E21}"/>
+              </a:ext>
+            </a:extLst>
+          </p:cNvPr>
+          <p:cNvSpPr txBox="1"/>
+          <p:nvPr/>
+        </p:nvSpPr>
+        <p:spPr>
+          <a:xfrm>
+            <a:off x="699796" y="1504747"/>
+            <a:ext cx="10654004" cy="369332"/>
+          </a:xfrm>
+          <a:prstGeom prst="rect">
+            <a:avLst/>
+          </a:prstGeom>
+          <a:noFill/>
+        </p:spPr>
+        <p:txBody>
+          <a:bodyPr wrap="square" rtlCol="0">
+            <a:spAutoFit/>
+          </a:bodyPr>
+          <a:lstStyle/>
+          <a:p>
+            <a:r>
+              <a:rPr lang="en-US" altLang="ko-KR" dirty="0"/>
+              <a:t>3. </a:t>
+            </a:r>
+            <a:r>
+              <a:rPr lang="ko-KR" altLang="en-US" dirty="0"/>
+              <a:t>커밋하기</a:t>
+            </a:r>
+            <a:r>
+              <a:rPr lang="en-US" altLang="ko-KR" dirty="0"/>
+              <a:t>, </a:t>
+            </a:r>
+            <a:r>
+              <a:rPr lang="ko-KR" altLang="en-US" dirty="0" err="1"/>
+              <a:t>푸쉬하기</a:t>
+            </a:r>
+            <a:endParaRPr lang="en-US" altLang="ko-KR" dirty="0"/>
+          </a:p>
+        </p:txBody>
+      </p:sp>
+      <p:sp>
+        <p:nvSpPr>
+          <p:cNvPr id="32" name="직사각형 31">
+            <a:extLst>
+              <a:ext uri="{FF2B5EF4-FFF2-40B4-BE49-F238E27FC236}">
+                <a16:creationId xmlns:a16="http://schemas.microsoft.com/office/drawing/2014/main" id="{D10D4D67-ABD3-4058-BE34-2761D7A906E9}"/>
+              </a:ext>
+            </a:extLst>
+          </p:cNvPr>
+          <p:cNvSpPr/>
+          <p:nvPr/>
+        </p:nvSpPr>
+        <p:spPr>
+          <a:xfrm>
+            <a:off x="699796" y="1921981"/>
+            <a:ext cx="10487608" cy="4524315"/>
+          </a:xfrm>
+          <a:prstGeom prst="rect">
+            <a:avLst/>
+          </a:prstGeom>
+        </p:spPr>
+        <p:txBody>
+          <a:bodyPr wrap="square">
+            <a:spAutoFit/>
+          </a:bodyPr>
+          <a:lstStyle/>
+          <a:p>
+            <a:r>
+              <a:rPr lang="ko-KR" altLang="en-US" dirty="0" err="1"/>
+              <a:t>커밋은</a:t>
+            </a:r>
+            <a:r>
+              <a:rPr lang="ko-KR" altLang="en-US" dirty="0"/>
+              <a:t> 최소 단위 버전을 만드는 일입니다</a:t>
+            </a:r>
+            <a:r>
+              <a:rPr lang="en-US" altLang="ko-KR" dirty="0"/>
+              <a:t>.</a:t>
+            </a:r>
+          </a:p>
+          <a:p>
+            <a:r>
+              <a:rPr lang="ko-KR" altLang="en-US" dirty="0"/>
+              <a:t>버전은 여러 프로그램이 </a:t>
+            </a:r>
+            <a:r>
+              <a:rPr lang="en-US" altLang="ko-KR" dirty="0" err="1"/>
+              <a:t>ver</a:t>
+            </a:r>
+            <a:r>
+              <a:rPr lang="en-US" altLang="ko-KR" dirty="0"/>
+              <a:t> 0.1 ver2.4 </a:t>
+            </a:r>
+            <a:r>
+              <a:rPr lang="ko-KR" altLang="en-US" dirty="0"/>
+              <a:t>이라고 붙이는 거 처럼 엄청난 변화가 있을 수 도 있지만</a:t>
+            </a:r>
+            <a:r>
+              <a:rPr lang="en-US" altLang="ko-KR" dirty="0"/>
+              <a:t>, </a:t>
+            </a:r>
+            <a:r>
+              <a:rPr lang="ko-KR" altLang="en-US" dirty="0" err="1"/>
+              <a:t>커밋은</a:t>
+            </a:r>
+            <a:r>
+              <a:rPr lang="ko-KR" altLang="en-US" dirty="0"/>
+              <a:t> 정말 작은 수정이 발생할 때 마다 작성해주는게 좋아요</a:t>
+            </a:r>
+            <a:r>
+              <a:rPr lang="en-US" altLang="ko-KR" dirty="0"/>
+              <a:t>.</a:t>
+            </a:r>
+          </a:p>
+          <a:p>
+            <a:endParaRPr lang="en-US" altLang="ko-KR" dirty="0"/>
+          </a:p>
+          <a:p>
+            <a:r>
+              <a:rPr lang="en-US" altLang="ko-KR" b="1" dirty="0"/>
+              <a:t>git add .</a:t>
+            </a:r>
+          </a:p>
+          <a:p>
+            <a:r>
+              <a:rPr lang="en-US" altLang="ko-KR" b="1" dirty="0"/>
+              <a:t>git commit –m “</a:t>
+            </a:r>
+            <a:r>
+              <a:rPr lang="ko-KR" altLang="en-US" b="1" dirty="0"/>
+              <a:t>내가 무엇을 수정했는지 알아보기 쉽고 간결하게 메시지 작성“</a:t>
+            </a:r>
+            <a:endParaRPr lang="en-US" altLang="ko-KR" b="1" dirty="0"/>
+          </a:p>
+          <a:p>
+            <a:r>
+              <a:rPr lang="en-US" altLang="ko-KR" b="1" dirty="0"/>
+              <a:t>Ex) git add .</a:t>
+            </a:r>
+          </a:p>
+          <a:p>
+            <a:r>
+              <a:rPr lang="en-US" altLang="ko-KR" b="1" dirty="0"/>
+              <a:t>     git commit –m “Remove a.txt, Remove existing files by fulfilling all test objectives”</a:t>
+            </a:r>
+            <a:r>
+              <a:rPr lang="ko-KR" altLang="en-US" b="1" dirty="0"/>
+              <a:t> </a:t>
+            </a:r>
+            <a:endParaRPr lang="en-US" altLang="ko-KR" b="1" dirty="0"/>
+          </a:p>
+          <a:p>
+            <a:endParaRPr lang="en-US" altLang="ko-KR" dirty="0"/>
+          </a:p>
+          <a:p>
+            <a:r>
+              <a:rPr lang="ko-KR" altLang="en-US" dirty="0" err="1"/>
+              <a:t>푸쉬는</a:t>
+            </a:r>
+            <a:r>
+              <a:rPr lang="ko-KR" altLang="en-US" dirty="0"/>
+              <a:t> </a:t>
+            </a:r>
+            <a:r>
+              <a:rPr lang="en-US" altLang="ko-KR" dirty="0"/>
+              <a:t>Local </a:t>
+            </a:r>
+            <a:r>
+              <a:rPr lang="ko-KR" altLang="en-US" dirty="0"/>
+              <a:t>환경의 내용 </a:t>
+            </a:r>
+            <a:r>
+              <a:rPr lang="en-US" altLang="ko-KR" dirty="0"/>
+              <a:t>Remote </a:t>
+            </a:r>
+            <a:r>
+              <a:rPr lang="ko-KR" altLang="en-US" dirty="0"/>
+              <a:t>환경으로 보내는 일입니다</a:t>
+            </a:r>
+            <a:r>
+              <a:rPr lang="en-US" altLang="ko-KR" dirty="0"/>
+              <a:t>.</a:t>
+            </a:r>
+          </a:p>
+          <a:p>
+            <a:r>
+              <a:rPr lang="en-US" altLang="ko-KR" dirty="0"/>
+              <a:t>Remote</a:t>
+            </a:r>
+            <a:r>
+              <a:rPr lang="ko-KR" altLang="en-US" dirty="0"/>
+              <a:t> 환경의 </a:t>
+            </a:r>
+            <a:r>
+              <a:rPr lang="ko-KR" altLang="en-US" dirty="0" err="1"/>
+              <a:t>브랜치와</a:t>
+            </a:r>
+            <a:r>
+              <a:rPr lang="ko-KR" altLang="en-US" dirty="0"/>
+              <a:t> </a:t>
+            </a:r>
+            <a:r>
+              <a:rPr lang="en-US" altLang="ko-KR" dirty="0"/>
+              <a:t>Local</a:t>
+            </a:r>
+            <a:r>
+              <a:rPr lang="ko-KR" altLang="en-US" dirty="0"/>
+              <a:t>상의 </a:t>
+            </a:r>
+            <a:r>
+              <a:rPr lang="ko-KR" altLang="en-US" dirty="0" err="1"/>
+              <a:t>브랜치는</a:t>
+            </a:r>
+            <a:r>
+              <a:rPr lang="ko-KR" altLang="en-US" dirty="0"/>
+              <a:t> 상이할 수 있습니다</a:t>
+            </a:r>
+            <a:r>
+              <a:rPr lang="en-US" altLang="ko-KR" dirty="0"/>
+              <a:t>.</a:t>
+            </a:r>
+          </a:p>
+          <a:p>
+            <a:r>
+              <a:rPr lang="ko-KR" altLang="en-US" dirty="0"/>
+              <a:t>혼자 작업할 때는 </a:t>
+            </a:r>
+            <a:r>
+              <a:rPr lang="en-US" altLang="ko-KR" dirty="0"/>
+              <a:t>main(</a:t>
+            </a:r>
+            <a:r>
+              <a:rPr lang="ko-KR" altLang="en-US" dirty="0"/>
+              <a:t>혹은 </a:t>
+            </a:r>
+            <a:r>
+              <a:rPr lang="en-US" altLang="ko-KR" dirty="0"/>
+              <a:t>master) </a:t>
+            </a:r>
+            <a:r>
+              <a:rPr lang="ko-KR" altLang="en-US" dirty="0" err="1"/>
+              <a:t>브랜치로</a:t>
+            </a:r>
+            <a:r>
+              <a:rPr lang="ko-KR" altLang="en-US" dirty="0"/>
+              <a:t> 바로 보내면 되지만</a:t>
+            </a:r>
+            <a:r>
+              <a:rPr lang="en-US" altLang="ko-KR" dirty="0"/>
+              <a:t>, </a:t>
+            </a:r>
+            <a:r>
+              <a:rPr lang="ko-KR" altLang="en-US" dirty="0"/>
+              <a:t>여러 사람과 작업 중일 때는 문제가 발생할 요지가 많습니다</a:t>
+            </a:r>
+            <a:r>
+              <a:rPr lang="en-US" altLang="ko-KR" dirty="0"/>
+              <a:t>. </a:t>
+            </a:r>
+            <a:r>
+              <a:rPr lang="ko-KR" altLang="en-US" dirty="0"/>
+              <a:t>따라서 아래와 같이 합니다</a:t>
+            </a:r>
+            <a:r>
+              <a:rPr lang="en-US" altLang="ko-KR" dirty="0"/>
+              <a:t>.</a:t>
+            </a:r>
+          </a:p>
+          <a:p>
+            <a:endParaRPr lang="en-US" altLang="ko-KR" dirty="0"/>
+          </a:p>
+          <a:p>
+            <a:r>
+              <a:rPr lang="en-US" altLang="ko-KR" b="1" dirty="0"/>
+              <a:t>git push origin [</a:t>
+            </a:r>
+            <a:r>
+              <a:rPr lang="ko-KR" altLang="en-US" b="1" dirty="0"/>
+              <a:t>내가 작업하는 원격 </a:t>
+            </a:r>
+            <a:r>
+              <a:rPr lang="ko-KR" altLang="en-US" b="1" dirty="0" err="1"/>
+              <a:t>브랜치</a:t>
+            </a:r>
+            <a:r>
+              <a:rPr lang="ko-KR" altLang="en-US" b="1" dirty="0"/>
+              <a:t> 이름</a:t>
+            </a:r>
+            <a:r>
+              <a:rPr lang="en-US" altLang="ko-KR" b="1" dirty="0"/>
+              <a:t>]</a:t>
+            </a:r>
+          </a:p>
+          <a:p>
+            <a:r>
+              <a:rPr lang="en-US" altLang="ko-KR" b="1" dirty="0"/>
+              <a:t>Ex) git push origin </a:t>
+            </a:r>
+            <a:r>
+              <a:rPr lang="en-US" altLang="ko-KR" b="1" dirty="0" err="1"/>
+              <a:t>sina</a:t>
+            </a:r>
+            <a:r>
+              <a:rPr lang="en-US" altLang="ko-KR" b="1" dirty="0"/>
+              <a:t>-Test/example-brunch</a:t>
+            </a:r>
+          </a:p>
+        </p:txBody>
+      </p:sp>
+    </p:spTree>
+    <p:extLst>
+      <p:ext uri="{BB962C8B-B14F-4D97-AF65-F5344CB8AC3E}">
+        <p14:creationId xmlns:p14="http://schemas.microsoft.com/office/powerpoint/2010/main" val="3120322435"/>
       </p:ext>
     </p:extLst>
   </p:cSld>
